--- a/slides.pptx
+++ b/slides.pptx
@@ -129,6 +129,11 @@
       </a:defRPr>
     </a:lvl9pPr>
   </p:defaultTextStyle>
+  <p:extLst>
+    <p:ext uri="{EFAFB233-063F-42B5-8137-9DF3F51BA10A}">
+      <p15:sldGuideLst xmlns:p15="http://schemas.microsoft.com/office/powerpoint/2012/main"/>
+    </p:ext>
+  </p:extLst>
 </p:presentation>
 </file>
 
@@ -263,7 +268,7 @@
           <a:p>
             <a:fld id="{6447E0EB-B0D1-4B3C-8160-0D518892D041}" type="datetimeFigureOut">
               <a:rPr lang="en-US" smtClean="0"/>
-              <a:t>11/16/2021</a:t>
+              <a:t>11/24/2021</a:t>
             </a:fld>
             <a:endParaRPr lang="en-US"/>
           </a:p>
@@ -433,7 +438,7 @@
           <a:p>
             <a:fld id="{6447E0EB-B0D1-4B3C-8160-0D518892D041}" type="datetimeFigureOut">
               <a:rPr lang="en-US" smtClean="0"/>
-              <a:t>11/16/2021</a:t>
+              <a:t>11/24/2021</a:t>
             </a:fld>
             <a:endParaRPr lang="en-US"/>
           </a:p>
@@ -613,7 +618,7 @@
           <a:p>
             <a:fld id="{6447E0EB-B0D1-4B3C-8160-0D518892D041}" type="datetimeFigureOut">
               <a:rPr lang="en-US" smtClean="0"/>
-              <a:t>11/16/2021</a:t>
+              <a:t>11/24/2021</a:t>
             </a:fld>
             <a:endParaRPr lang="en-US"/>
           </a:p>
@@ -783,7 +788,7 @@
           <a:p>
             <a:fld id="{6447E0EB-B0D1-4B3C-8160-0D518892D041}" type="datetimeFigureOut">
               <a:rPr lang="en-US" smtClean="0"/>
-              <a:t>11/16/2021</a:t>
+              <a:t>11/24/2021</a:t>
             </a:fld>
             <a:endParaRPr lang="en-US"/>
           </a:p>
@@ -1029,7 +1034,7 @@
           <a:p>
             <a:fld id="{6447E0EB-B0D1-4B3C-8160-0D518892D041}" type="datetimeFigureOut">
               <a:rPr lang="en-US" smtClean="0"/>
-              <a:t>11/16/2021</a:t>
+              <a:t>11/24/2021</a:t>
             </a:fld>
             <a:endParaRPr lang="en-US"/>
           </a:p>
@@ -1261,7 +1266,7 @@
           <a:p>
             <a:fld id="{6447E0EB-B0D1-4B3C-8160-0D518892D041}" type="datetimeFigureOut">
               <a:rPr lang="en-US" smtClean="0"/>
-              <a:t>11/16/2021</a:t>
+              <a:t>11/24/2021</a:t>
             </a:fld>
             <a:endParaRPr lang="en-US"/>
           </a:p>
@@ -1628,7 +1633,7 @@
           <a:p>
             <a:fld id="{6447E0EB-B0D1-4B3C-8160-0D518892D041}" type="datetimeFigureOut">
               <a:rPr lang="en-US" smtClean="0"/>
-              <a:t>11/16/2021</a:t>
+              <a:t>11/24/2021</a:t>
             </a:fld>
             <a:endParaRPr lang="en-US"/>
           </a:p>
@@ -1746,7 +1751,7 @@
           <a:p>
             <a:fld id="{6447E0EB-B0D1-4B3C-8160-0D518892D041}" type="datetimeFigureOut">
               <a:rPr lang="en-US" smtClean="0"/>
-              <a:t>11/16/2021</a:t>
+              <a:t>11/24/2021</a:t>
             </a:fld>
             <a:endParaRPr lang="en-US"/>
           </a:p>
@@ -1841,7 +1846,7 @@
           <a:p>
             <a:fld id="{6447E0EB-B0D1-4B3C-8160-0D518892D041}" type="datetimeFigureOut">
               <a:rPr lang="en-US" smtClean="0"/>
-              <a:t>11/16/2021</a:t>
+              <a:t>11/24/2021</a:t>
             </a:fld>
             <a:endParaRPr lang="en-US"/>
           </a:p>
@@ -2118,7 +2123,7 @@
           <a:p>
             <a:fld id="{6447E0EB-B0D1-4B3C-8160-0D518892D041}" type="datetimeFigureOut">
               <a:rPr lang="en-US" smtClean="0"/>
-              <a:t>11/16/2021</a:t>
+              <a:t>11/24/2021</a:t>
             </a:fld>
             <a:endParaRPr lang="en-US"/>
           </a:p>
@@ -2371,7 +2376,7 @@
           <a:p>
             <a:fld id="{6447E0EB-B0D1-4B3C-8160-0D518892D041}" type="datetimeFigureOut">
               <a:rPr lang="en-US" smtClean="0"/>
-              <a:t>11/16/2021</a:t>
+              <a:t>11/24/2021</a:t>
             </a:fld>
             <a:endParaRPr lang="en-US"/>
           </a:p>
@@ -2584,7 +2589,7 @@
           <a:p>
             <a:fld id="{6447E0EB-B0D1-4B3C-8160-0D518892D041}" type="datetimeFigureOut">
               <a:rPr lang="en-US" smtClean="0"/>
-              <a:t>11/16/2021</a:t>
+              <a:t>11/24/2021</a:t>
             </a:fld>
             <a:endParaRPr lang="en-US"/>
           </a:p>
@@ -4699,6 +4704,19 @@
 <file path=ppt/slides/slide8.xml><?xml version="1.0" encoding="utf-8"?>
 <p:sld xmlns:a="http://schemas.openxmlformats.org/drawingml/2006/main" xmlns:r="http://schemas.openxmlformats.org/officeDocument/2006/relationships" xmlns:p="http://schemas.openxmlformats.org/presentationml/2006/main">
   <p:cSld>
+    <p:bg>
+      <p:bgPr>
+        <a:pattFill prst="pct10">
+          <a:fgClr>
+            <a:schemeClr val="accent1"/>
+          </a:fgClr>
+          <a:bgClr>
+            <a:schemeClr val="bg1"/>
+          </a:bgClr>
+        </a:pattFill>
+        <a:effectLst/>
+      </p:bgPr>
+    </p:bg>
     <p:spTree>
       <p:nvGrpSpPr>
         <p:cNvPr id="1" name=""/>
@@ -4729,32 +4747,83 @@
           <a:lstStyle/>
           <a:p>
             <a:r>
-              <a:rPr lang="en-US" dirty="0" smtClean="0"/>
-              <a:t>Machine Learning Pipeline (high level)</a:t>
-            </a:r>
-            <a:endParaRPr lang="en-US" dirty="0"/>
-          </a:p>
-        </p:txBody>
-      </p:sp>
-      <p:sp>
-        <p:nvSpPr>
-          <p:cNvPr id="3" name="Content Placeholder 2"/>
-          <p:cNvSpPr>
-            <a:spLocks noGrp="1"/>
-          </p:cNvSpPr>
-          <p:nvPr>
-            <p:ph idx="1"/>
-          </p:nvPr>
-        </p:nvSpPr>
-        <p:spPr/>
-        <p:txBody>
-          <a:bodyPr/>
-          <a:lstStyle/>
-          <a:p>
-            <a:endParaRPr lang="en-US"/>
-          </a:p>
-        </p:txBody>
-      </p:sp>
+              <a:rPr lang="en-US" dirty="0" smtClean="0">
+                <a:effectLst>
+                  <a:outerShdw blurRad="38100" dist="38100" dir="2700000" algn="tl">
+                    <a:srgbClr val="000000">
+                      <a:alpha val="43137"/>
+                    </a:srgbClr>
+                  </a:outerShdw>
+                </a:effectLst>
+              </a:rPr>
+              <a:t>High Level Machine </a:t>
+            </a:r>
+            <a:r>
+              <a:rPr lang="en-US" dirty="0" smtClean="0">
+                <a:effectLst>
+                  <a:outerShdw blurRad="38100" dist="38100" dir="2700000" algn="tl">
+                    <a:srgbClr val="000000">
+                      <a:alpha val="43137"/>
+                    </a:srgbClr>
+                  </a:outerShdw>
+                </a:effectLst>
+              </a:rPr>
+              <a:t>Learning </a:t>
+            </a:r>
+            <a:r>
+              <a:rPr lang="en-US" dirty="0" smtClean="0">
+                <a:effectLst>
+                  <a:outerShdw blurRad="38100" dist="38100" dir="2700000" algn="tl">
+                    <a:srgbClr val="000000">
+                      <a:alpha val="43137"/>
+                    </a:srgbClr>
+                  </a:outerShdw>
+                </a:effectLst>
+              </a:rPr>
+              <a:t>Pipeline</a:t>
+            </a:r>
+            <a:endParaRPr lang="en-US" dirty="0">
+              <a:effectLst>
+                <a:outerShdw blurRad="38100" dist="38100" dir="2700000" algn="tl">
+                  <a:srgbClr val="000000">
+                    <a:alpha val="43137"/>
+                  </a:srgbClr>
+                </a:outerShdw>
+              </a:effectLst>
+            </a:endParaRPr>
+          </a:p>
+        </p:txBody>
+      </p:sp>
+      <p:pic>
+        <p:nvPicPr>
+          <p:cNvPr id="8" name="Picture 7"/>
+          <p:cNvPicPr>
+            <a:picLocks noChangeAspect="1"/>
+          </p:cNvPicPr>
+          <p:nvPr/>
+        </p:nvPicPr>
+        <p:blipFill>
+          <a:blip r:embed="rId2">
+            <a:extLst>
+              <a:ext uri="{28A0092B-C50C-407E-A947-70E740481C1C}">
+                <a14:useLocalDpi xmlns:a14="http://schemas.microsoft.com/office/drawing/2010/main" val="0"/>
+              </a:ext>
+            </a:extLst>
+          </a:blip>
+          <a:stretch>
+            <a:fillRect/>
+          </a:stretch>
+        </p:blipFill>
+        <p:spPr>
+          <a:xfrm>
+            <a:off x="1066800" y="1576538"/>
+            <a:ext cx="10058400" cy="5051839"/>
+          </a:xfrm>
+          <a:prstGeom prst="rect">
+            <a:avLst/>
+          </a:prstGeom>
+        </p:spPr>
+      </p:pic>
     </p:spTree>
     <p:extLst>
       <p:ext uri="{BB962C8B-B14F-4D97-AF65-F5344CB8AC3E}">

--- a/slides.pptx
+++ b/slides.pptx
@@ -8,29 +8,47 @@
     <p:sldId id="256" r:id="rId2"/>
     <p:sldId id="259" r:id="rId3"/>
     <p:sldId id="257" r:id="rId4"/>
-    <p:sldId id="258" r:id="rId5"/>
-    <p:sldId id="260" r:id="rId6"/>
-    <p:sldId id="261" r:id="rId7"/>
-    <p:sldId id="262" r:id="rId8"/>
-    <p:sldId id="265" r:id="rId9"/>
-    <p:sldId id="263" r:id="rId10"/>
-    <p:sldId id="264" r:id="rId11"/>
-    <p:sldId id="266" r:id="rId12"/>
-    <p:sldId id="267" r:id="rId13"/>
-    <p:sldId id="268" r:id="rId14"/>
-    <p:sldId id="281" r:id="rId15"/>
-    <p:sldId id="269" r:id="rId16"/>
-    <p:sldId id="270" r:id="rId17"/>
-    <p:sldId id="271" r:id="rId18"/>
-    <p:sldId id="280" r:id="rId19"/>
-    <p:sldId id="272" r:id="rId20"/>
-    <p:sldId id="273" r:id="rId21"/>
-    <p:sldId id="274" r:id="rId22"/>
-    <p:sldId id="276" r:id="rId23"/>
-    <p:sldId id="277" r:id="rId24"/>
-    <p:sldId id="278" r:id="rId25"/>
-    <p:sldId id="279" r:id="rId26"/>
-    <p:sldId id="275" r:id="rId27"/>
+    <p:sldId id="285" r:id="rId5"/>
+    <p:sldId id="282" r:id="rId6"/>
+    <p:sldId id="283" r:id="rId7"/>
+    <p:sldId id="284" r:id="rId8"/>
+    <p:sldId id="258" r:id="rId9"/>
+    <p:sldId id="260" r:id="rId10"/>
+    <p:sldId id="261" r:id="rId11"/>
+    <p:sldId id="265" r:id="rId12"/>
+    <p:sldId id="298" r:id="rId13"/>
+    <p:sldId id="263" r:id="rId14"/>
+    <p:sldId id="303" r:id="rId15"/>
+    <p:sldId id="287" r:id="rId16"/>
+    <p:sldId id="288" r:id="rId17"/>
+    <p:sldId id="289" r:id="rId18"/>
+    <p:sldId id="264" r:id="rId19"/>
+    <p:sldId id="290" r:id="rId20"/>
+    <p:sldId id="291" r:id="rId21"/>
+    <p:sldId id="292" r:id="rId22"/>
+    <p:sldId id="293" r:id="rId23"/>
+    <p:sldId id="294" r:id="rId24"/>
+    <p:sldId id="299" r:id="rId25"/>
+    <p:sldId id="313" r:id="rId26"/>
+    <p:sldId id="314" r:id="rId27"/>
+    <p:sldId id="300" r:id="rId28"/>
+    <p:sldId id="295" r:id="rId29"/>
+    <p:sldId id="301" r:id="rId30"/>
+    <p:sldId id="302" r:id="rId31"/>
+    <p:sldId id="268" r:id="rId32"/>
+    <p:sldId id="281" r:id="rId33"/>
+    <p:sldId id="269" r:id="rId34"/>
+    <p:sldId id="270" r:id="rId35"/>
+    <p:sldId id="271" r:id="rId36"/>
+    <p:sldId id="280" r:id="rId37"/>
+    <p:sldId id="272" r:id="rId38"/>
+    <p:sldId id="273" r:id="rId39"/>
+    <p:sldId id="274" r:id="rId40"/>
+    <p:sldId id="276" r:id="rId41"/>
+    <p:sldId id="277" r:id="rId42"/>
+    <p:sldId id="278" r:id="rId43"/>
+    <p:sldId id="279" r:id="rId44"/>
+    <p:sldId id="275" r:id="rId45"/>
   </p:sldIdLst>
   <p:sldSz cx="12192000" cy="6858000"/>
   <p:notesSz cx="6858000" cy="9144000"/>
@@ -268,7 +286,7 @@
           <a:p>
             <a:fld id="{6447E0EB-B0D1-4B3C-8160-0D518892D041}" type="datetimeFigureOut">
               <a:rPr lang="en-US" smtClean="0"/>
-              <a:t>11/24/2021</a:t>
+              <a:t>12/20/2021</a:t>
             </a:fld>
             <a:endParaRPr lang="en-US"/>
           </a:p>
@@ -438,7 +456,7 @@
           <a:p>
             <a:fld id="{6447E0EB-B0D1-4B3C-8160-0D518892D041}" type="datetimeFigureOut">
               <a:rPr lang="en-US" smtClean="0"/>
-              <a:t>11/24/2021</a:t>
+              <a:t>12/20/2021</a:t>
             </a:fld>
             <a:endParaRPr lang="en-US"/>
           </a:p>
@@ -618,7 +636,7 @@
           <a:p>
             <a:fld id="{6447E0EB-B0D1-4B3C-8160-0D518892D041}" type="datetimeFigureOut">
               <a:rPr lang="en-US" smtClean="0"/>
-              <a:t>11/24/2021</a:t>
+              <a:t>12/20/2021</a:t>
             </a:fld>
             <a:endParaRPr lang="en-US"/>
           </a:p>
@@ -788,7 +806,7 @@
           <a:p>
             <a:fld id="{6447E0EB-B0D1-4B3C-8160-0D518892D041}" type="datetimeFigureOut">
               <a:rPr lang="en-US" smtClean="0"/>
-              <a:t>11/24/2021</a:t>
+              <a:t>12/20/2021</a:t>
             </a:fld>
             <a:endParaRPr lang="en-US"/>
           </a:p>
@@ -1034,7 +1052,7 @@
           <a:p>
             <a:fld id="{6447E0EB-B0D1-4B3C-8160-0D518892D041}" type="datetimeFigureOut">
               <a:rPr lang="en-US" smtClean="0"/>
-              <a:t>11/24/2021</a:t>
+              <a:t>12/20/2021</a:t>
             </a:fld>
             <a:endParaRPr lang="en-US"/>
           </a:p>
@@ -1266,7 +1284,7 @@
           <a:p>
             <a:fld id="{6447E0EB-B0D1-4B3C-8160-0D518892D041}" type="datetimeFigureOut">
               <a:rPr lang="en-US" smtClean="0"/>
-              <a:t>11/24/2021</a:t>
+              <a:t>12/20/2021</a:t>
             </a:fld>
             <a:endParaRPr lang="en-US"/>
           </a:p>
@@ -1633,7 +1651,7 @@
           <a:p>
             <a:fld id="{6447E0EB-B0D1-4B3C-8160-0D518892D041}" type="datetimeFigureOut">
               <a:rPr lang="en-US" smtClean="0"/>
-              <a:t>11/24/2021</a:t>
+              <a:t>12/20/2021</a:t>
             </a:fld>
             <a:endParaRPr lang="en-US"/>
           </a:p>
@@ -1751,7 +1769,7 @@
           <a:p>
             <a:fld id="{6447E0EB-B0D1-4B3C-8160-0D518892D041}" type="datetimeFigureOut">
               <a:rPr lang="en-US" smtClean="0"/>
-              <a:t>11/24/2021</a:t>
+              <a:t>12/20/2021</a:t>
             </a:fld>
             <a:endParaRPr lang="en-US"/>
           </a:p>
@@ -1846,7 +1864,7 @@
           <a:p>
             <a:fld id="{6447E0EB-B0D1-4B3C-8160-0D518892D041}" type="datetimeFigureOut">
               <a:rPr lang="en-US" smtClean="0"/>
-              <a:t>11/24/2021</a:t>
+              <a:t>12/20/2021</a:t>
             </a:fld>
             <a:endParaRPr lang="en-US"/>
           </a:p>
@@ -2123,7 +2141,7 @@
           <a:p>
             <a:fld id="{6447E0EB-B0D1-4B3C-8160-0D518892D041}" type="datetimeFigureOut">
               <a:rPr lang="en-US" smtClean="0"/>
-              <a:t>11/24/2021</a:t>
+              <a:t>12/20/2021</a:t>
             </a:fld>
             <a:endParaRPr lang="en-US"/>
           </a:p>
@@ -2376,7 +2394,7 @@
           <a:p>
             <a:fld id="{6447E0EB-B0D1-4B3C-8160-0D518892D041}" type="datetimeFigureOut">
               <a:rPr lang="en-US" smtClean="0"/>
-              <a:t>11/24/2021</a:t>
+              <a:t>12/20/2021</a:t>
             </a:fld>
             <a:endParaRPr lang="en-US"/>
           </a:p>
@@ -2589,7 +2607,7 @@
           <a:p>
             <a:fld id="{6447E0EB-B0D1-4B3C-8160-0D518892D041}" type="datetimeFigureOut">
               <a:rPr lang="en-US" smtClean="0"/>
-              <a:t>11/24/2021</a:t>
+              <a:t>12/20/2021</a:t>
             </a:fld>
             <a:endParaRPr lang="en-US"/>
           </a:p>
@@ -3032,6 +3050,16 @@
           <a:bodyPr/>
           <a:lstStyle/>
           <a:p>
+            <a:r>
+              <a:rPr lang="en-US" dirty="0" smtClean="0"/>
+              <a:t>PECA</a:t>
+            </a:r>
+          </a:p>
+          <a:p>
+            <a:r>
+              <a:rPr lang="en-US" dirty="0" smtClean="0"/>
+              <a:t>KTH 2022</a:t>
+            </a:r>
             <a:endParaRPr lang="en-US" dirty="0"/>
           </a:p>
         </p:txBody>
@@ -3046,6 +3074,13 @@
   <p:clrMapOvr>
     <a:masterClrMapping/>
   </p:clrMapOvr>
+  <p:timing>
+    <p:tnLst>
+      <p:par>
+        <p:cTn id="1" dur="indefinite" restart="never" nodeType="tmRoot"/>
+      </p:par>
+    </p:tnLst>
+  </p:timing>
 </p:sld>
 </file>
 
@@ -3066,9 +3101,37 @@
           <a:chExt cx="0" cy="0"/>
         </a:xfrm>
       </p:grpSpPr>
-      <p:sp>
-        <p:nvSpPr>
-          <p:cNvPr id="2" name="Title 1"/>
+      <p:pic>
+        <p:nvPicPr>
+          <p:cNvPr id="9" name="Content Placeholder 8"/>
+          <p:cNvPicPr>
+            <a:picLocks noGrp="1" noChangeAspect="1"/>
+          </p:cNvPicPr>
+          <p:nvPr>
+            <p:ph idx="1"/>
+          </p:nvPr>
+        </p:nvPicPr>
+        <p:blipFill rotWithShape="1">
+          <a:blip r:embed="rId2">
+            <a:extLst>
+              <a:ext uri="{28A0092B-C50C-407E-A947-70E740481C1C}">
+                <a14:useLocalDpi xmlns:a14="http://schemas.microsoft.com/office/drawing/2010/main" val="0"/>
+              </a:ext>
+            </a:extLst>
+          </a:blip>
+          <a:srcRect t="7407"/>
+          <a:stretch/>
+        </p:blipFill>
+        <p:spPr>
+          <a:xfrm>
+            <a:off x="0" y="0"/>
+            <a:ext cx="12192000" cy="6858000"/>
+          </a:xfrm>
+        </p:spPr>
+      </p:pic>
+      <p:sp>
+        <p:nvSpPr>
+          <p:cNvPr id="10" name="Title 1"/>
           <p:cNvSpPr>
             <a:spLocks noGrp="1"/>
           </p:cNvSpPr>
@@ -3076,1543 +3139,43 @@
             <p:ph type="title"/>
           </p:nvPr>
         </p:nvSpPr>
-        <p:spPr/>
-        <p:txBody>
-          <a:bodyPr/>
-          <a:lstStyle/>
-          <a:p>
-            <a:r>
-              <a:rPr lang="en-US" dirty="0" smtClean="0"/>
-              <a:t>Limitation of a linear classifier (non-linearly separable data)</a:t>
-            </a:r>
-            <a:endParaRPr lang="en-US" dirty="0"/>
-          </a:p>
-        </p:txBody>
-      </p:sp>
-      <p:sp>
-        <p:nvSpPr>
-          <p:cNvPr id="3" name="Content Placeholder 2"/>
-          <p:cNvSpPr>
-            <a:spLocks noGrp="1"/>
-          </p:cNvSpPr>
-          <p:nvPr>
-            <p:ph idx="1"/>
-          </p:nvPr>
-        </p:nvSpPr>
-        <p:spPr/>
-        <p:txBody>
-          <a:bodyPr/>
-          <a:lstStyle/>
-          <a:p>
-            <a:endParaRPr lang="en-US" dirty="0"/>
-          </a:p>
-        </p:txBody>
-      </p:sp>
-    </p:spTree>
-    <p:extLst>
-      <p:ext uri="{BB962C8B-B14F-4D97-AF65-F5344CB8AC3E}">
-        <p14:creationId xmlns:p14="http://schemas.microsoft.com/office/powerpoint/2010/main" val="2252945352"/>
-      </p:ext>
-    </p:extLst>
-  </p:cSld>
-  <p:clrMapOvr>
-    <a:masterClrMapping/>
-  </p:clrMapOvr>
-</p:sld>
-</file>
-
-<file path=ppt/slides/slide11.xml><?xml version="1.0" encoding="utf-8"?>
-<p:sld xmlns:a="http://schemas.openxmlformats.org/drawingml/2006/main" xmlns:r="http://schemas.openxmlformats.org/officeDocument/2006/relationships" xmlns:p="http://schemas.openxmlformats.org/presentationml/2006/main">
-  <p:cSld>
-    <p:spTree>
-      <p:nvGrpSpPr>
-        <p:cNvPr id="1" name=""/>
-        <p:cNvGrpSpPr/>
-        <p:nvPr/>
-      </p:nvGrpSpPr>
-      <p:grpSpPr>
-        <a:xfrm>
-          <a:off x="0" y="0"/>
-          <a:ext cx="0" cy="0"/>
-          <a:chOff x="0" y="0"/>
-          <a:chExt cx="0" cy="0"/>
-        </a:xfrm>
-      </p:grpSpPr>
-      <p:sp>
-        <p:nvSpPr>
-          <p:cNvPr id="2" name="Title 1"/>
-          <p:cNvSpPr>
-            <a:spLocks noGrp="1"/>
-          </p:cNvSpPr>
-          <p:nvPr>
-            <p:ph type="title"/>
-          </p:nvPr>
-        </p:nvSpPr>
-        <p:spPr/>
-        <p:txBody>
-          <a:bodyPr/>
-          <a:lstStyle/>
-          <a:p>
-            <a:r>
-              <a:rPr lang="en-US" dirty="0" smtClean="0"/>
-              <a:t>K-nearest neighbors</a:t>
-            </a:r>
-            <a:endParaRPr lang="en-US" dirty="0"/>
-          </a:p>
-        </p:txBody>
-      </p:sp>
-      <p:sp>
-        <p:nvSpPr>
-          <p:cNvPr id="3" name="Content Placeholder 2"/>
-          <p:cNvSpPr>
-            <a:spLocks noGrp="1"/>
-          </p:cNvSpPr>
-          <p:nvPr>
-            <p:ph idx="1"/>
-          </p:nvPr>
-        </p:nvSpPr>
-        <p:spPr/>
-        <p:txBody>
-          <a:bodyPr/>
-          <a:lstStyle/>
-          <a:p>
-            <a:endParaRPr lang="en-US" dirty="0"/>
-          </a:p>
-        </p:txBody>
-      </p:sp>
-    </p:spTree>
-    <p:extLst>
-      <p:ext uri="{BB962C8B-B14F-4D97-AF65-F5344CB8AC3E}">
-        <p14:creationId xmlns:p14="http://schemas.microsoft.com/office/powerpoint/2010/main" val="4280700430"/>
-      </p:ext>
-    </p:extLst>
-  </p:cSld>
-  <p:clrMapOvr>
-    <a:masterClrMapping/>
-  </p:clrMapOvr>
-</p:sld>
-</file>
-
-<file path=ppt/slides/slide12.xml><?xml version="1.0" encoding="utf-8"?>
-<p:sld xmlns:a="http://schemas.openxmlformats.org/drawingml/2006/main" xmlns:r="http://schemas.openxmlformats.org/officeDocument/2006/relationships" xmlns:p="http://schemas.openxmlformats.org/presentationml/2006/main">
-  <p:cSld>
-    <p:spTree>
-      <p:nvGrpSpPr>
-        <p:cNvPr id="1" name=""/>
-        <p:cNvGrpSpPr/>
-        <p:nvPr/>
-      </p:nvGrpSpPr>
-      <p:grpSpPr>
-        <a:xfrm>
-          <a:off x="0" y="0"/>
-          <a:ext cx="0" cy="0"/>
-          <a:chOff x="0" y="0"/>
-          <a:chExt cx="0" cy="0"/>
-        </a:xfrm>
-      </p:grpSpPr>
-      <p:sp>
-        <p:nvSpPr>
-          <p:cNvPr id="2" name="Title 1"/>
-          <p:cNvSpPr>
-            <a:spLocks noGrp="1"/>
-          </p:cNvSpPr>
-          <p:nvPr>
-            <p:ph type="title"/>
-          </p:nvPr>
-        </p:nvSpPr>
-        <p:spPr/>
-        <p:txBody>
-          <a:bodyPr/>
-          <a:lstStyle/>
-          <a:p>
-            <a:r>
-              <a:rPr lang="en-US" dirty="0" smtClean="0"/>
-              <a:t>Decision Tree</a:t>
-            </a:r>
-            <a:endParaRPr lang="en-US" dirty="0"/>
-          </a:p>
-        </p:txBody>
-      </p:sp>
-      <p:sp>
-        <p:nvSpPr>
-          <p:cNvPr id="3" name="Content Placeholder 2"/>
-          <p:cNvSpPr>
-            <a:spLocks noGrp="1"/>
-          </p:cNvSpPr>
-          <p:nvPr>
-            <p:ph idx="1"/>
-          </p:nvPr>
-        </p:nvSpPr>
-        <p:spPr/>
-        <p:txBody>
-          <a:bodyPr/>
-          <a:lstStyle/>
-          <a:p>
-            <a:endParaRPr lang="en-US"/>
-          </a:p>
-        </p:txBody>
-      </p:sp>
-    </p:spTree>
-    <p:extLst>
-      <p:ext uri="{BB962C8B-B14F-4D97-AF65-F5344CB8AC3E}">
-        <p14:creationId xmlns:p14="http://schemas.microsoft.com/office/powerpoint/2010/main" val="2257464868"/>
-      </p:ext>
-    </p:extLst>
-  </p:cSld>
-  <p:clrMapOvr>
-    <a:masterClrMapping/>
-  </p:clrMapOvr>
-</p:sld>
-</file>
-
-<file path=ppt/slides/slide13.xml><?xml version="1.0" encoding="utf-8"?>
-<p:sld xmlns:a="http://schemas.openxmlformats.org/drawingml/2006/main" xmlns:r="http://schemas.openxmlformats.org/officeDocument/2006/relationships" xmlns:p="http://schemas.openxmlformats.org/presentationml/2006/main">
-  <p:cSld>
-    <p:spTree>
-      <p:nvGrpSpPr>
-        <p:cNvPr id="1" name=""/>
-        <p:cNvGrpSpPr/>
-        <p:nvPr/>
-      </p:nvGrpSpPr>
-      <p:grpSpPr>
-        <a:xfrm>
-          <a:off x="0" y="0"/>
-          <a:ext cx="0" cy="0"/>
-          <a:chOff x="0" y="0"/>
-          <a:chExt cx="0" cy="0"/>
-        </a:xfrm>
-      </p:grpSpPr>
-      <p:sp>
-        <p:nvSpPr>
-          <p:cNvPr id="2" name="Title 1"/>
-          <p:cNvSpPr>
-            <a:spLocks noGrp="1"/>
-          </p:cNvSpPr>
-          <p:nvPr>
-            <p:ph type="title"/>
-          </p:nvPr>
-        </p:nvSpPr>
-        <p:spPr/>
-        <p:txBody>
-          <a:bodyPr/>
-          <a:lstStyle/>
-          <a:p>
-            <a:r>
-              <a:rPr lang="en-US" dirty="0" smtClean="0"/>
-              <a:t>Overfitting / </a:t>
-            </a:r>
-            <a:r>
-              <a:rPr lang="en-US" dirty="0" err="1" smtClean="0"/>
-              <a:t>Underfitting</a:t>
-            </a:r>
-            <a:endParaRPr lang="en-US" dirty="0"/>
-          </a:p>
-        </p:txBody>
-      </p:sp>
-      <p:sp>
-        <p:nvSpPr>
-          <p:cNvPr id="3" name="Content Placeholder 2"/>
-          <p:cNvSpPr>
-            <a:spLocks noGrp="1"/>
-          </p:cNvSpPr>
-          <p:nvPr>
-            <p:ph idx="1"/>
-          </p:nvPr>
-        </p:nvSpPr>
-        <p:spPr/>
-        <p:txBody>
-          <a:bodyPr/>
-          <a:lstStyle/>
-          <a:p>
-            <a:endParaRPr lang="en-US"/>
-          </a:p>
-        </p:txBody>
-      </p:sp>
-    </p:spTree>
-    <p:extLst>
-      <p:ext uri="{BB962C8B-B14F-4D97-AF65-F5344CB8AC3E}">
-        <p14:creationId xmlns:p14="http://schemas.microsoft.com/office/powerpoint/2010/main" val="4196393633"/>
-      </p:ext>
-    </p:extLst>
-  </p:cSld>
-  <p:clrMapOvr>
-    <a:masterClrMapping/>
-  </p:clrMapOvr>
-</p:sld>
-</file>
-
-<file path=ppt/slides/slide14.xml><?xml version="1.0" encoding="utf-8"?>
-<p:sld xmlns:a="http://schemas.openxmlformats.org/drawingml/2006/main" xmlns:r="http://schemas.openxmlformats.org/officeDocument/2006/relationships" xmlns:p="http://schemas.openxmlformats.org/presentationml/2006/main">
-  <p:cSld>
-    <p:spTree>
-      <p:nvGrpSpPr>
-        <p:cNvPr id="1" name=""/>
-        <p:cNvGrpSpPr/>
-        <p:nvPr/>
-      </p:nvGrpSpPr>
-      <p:grpSpPr>
-        <a:xfrm>
-          <a:off x="0" y="0"/>
-          <a:ext cx="0" cy="0"/>
-          <a:chOff x="0" y="0"/>
-          <a:chExt cx="0" cy="0"/>
-        </a:xfrm>
-      </p:grpSpPr>
-      <p:sp>
-        <p:nvSpPr>
-          <p:cNvPr id="2" name="Title 1"/>
-          <p:cNvSpPr>
-            <a:spLocks noGrp="1"/>
-          </p:cNvSpPr>
-          <p:nvPr>
-            <p:ph type="title"/>
-          </p:nvPr>
-        </p:nvSpPr>
-        <p:spPr/>
-        <p:txBody>
-          <a:bodyPr/>
-          <a:lstStyle/>
-          <a:p>
-            <a:r>
-              <a:rPr lang="en-US" dirty="0" smtClean="0"/>
-              <a:t>Bias / Variance Tradeoff</a:t>
-            </a:r>
-            <a:endParaRPr lang="en-US" dirty="0"/>
-          </a:p>
-        </p:txBody>
-      </p:sp>
-      <p:sp>
-        <p:nvSpPr>
-          <p:cNvPr id="3" name="Content Placeholder 2"/>
-          <p:cNvSpPr>
-            <a:spLocks noGrp="1"/>
-          </p:cNvSpPr>
-          <p:nvPr>
-            <p:ph idx="1"/>
-          </p:nvPr>
-        </p:nvSpPr>
-        <p:spPr/>
-        <p:txBody>
-          <a:bodyPr/>
-          <a:lstStyle/>
-          <a:p>
-            <a:endParaRPr lang="en-US"/>
-          </a:p>
-        </p:txBody>
-      </p:sp>
-    </p:spTree>
-    <p:extLst>
-      <p:ext uri="{BB962C8B-B14F-4D97-AF65-F5344CB8AC3E}">
-        <p14:creationId xmlns:p14="http://schemas.microsoft.com/office/powerpoint/2010/main" val="994508187"/>
-      </p:ext>
-    </p:extLst>
-  </p:cSld>
-  <p:clrMapOvr>
-    <a:masterClrMapping/>
-  </p:clrMapOvr>
-</p:sld>
-</file>
-
-<file path=ppt/slides/slide15.xml><?xml version="1.0" encoding="utf-8"?>
-<p:sld xmlns:a="http://schemas.openxmlformats.org/drawingml/2006/main" xmlns:r="http://schemas.openxmlformats.org/officeDocument/2006/relationships" xmlns:p="http://schemas.openxmlformats.org/presentationml/2006/main">
-  <p:cSld>
-    <p:spTree>
-      <p:nvGrpSpPr>
-        <p:cNvPr id="1" name=""/>
-        <p:cNvGrpSpPr/>
-        <p:nvPr/>
-      </p:nvGrpSpPr>
-      <p:grpSpPr>
-        <a:xfrm>
-          <a:off x="0" y="0"/>
-          <a:ext cx="0" cy="0"/>
-          <a:chOff x="0" y="0"/>
-          <a:chExt cx="0" cy="0"/>
-        </a:xfrm>
-      </p:grpSpPr>
-      <p:sp>
-        <p:nvSpPr>
-          <p:cNvPr id="2" name="Title 1"/>
-          <p:cNvSpPr>
-            <a:spLocks noGrp="1"/>
-          </p:cNvSpPr>
-          <p:nvPr>
-            <p:ph type="title"/>
-          </p:nvPr>
-        </p:nvSpPr>
-        <p:spPr/>
-        <p:txBody>
-          <a:bodyPr/>
-          <a:lstStyle/>
-          <a:p>
-            <a:r>
-              <a:rPr lang="en-US" dirty="0" smtClean="0"/>
-              <a:t>Going beyond linear regression</a:t>
-            </a:r>
-            <a:endParaRPr lang="en-US" dirty="0"/>
-          </a:p>
-        </p:txBody>
-      </p:sp>
-      <p:sp>
-        <p:nvSpPr>
-          <p:cNvPr id="3" name="Content Placeholder 2"/>
-          <p:cNvSpPr>
-            <a:spLocks noGrp="1"/>
-          </p:cNvSpPr>
-          <p:nvPr>
-            <p:ph idx="1"/>
-          </p:nvPr>
-        </p:nvSpPr>
-        <p:spPr/>
-        <p:txBody>
-          <a:bodyPr/>
-          <a:lstStyle/>
-          <a:p>
-            <a:endParaRPr lang="en-US"/>
-          </a:p>
-        </p:txBody>
-      </p:sp>
-    </p:spTree>
-    <p:extLst>
-      <p:ext uri="{BB962C8B-B14F-4D97-AF65-F5344CB8AC3E}">
-        <p14:creationId xmlns:p14="http://schemas.microsoft.com/office/powerpoint/2010/main" val="4018218004"/>
-      </p:ext>
-    </p:extLst>
-  </p:cSld>
-  <p:clrMapOvr>
-    <a:masterClrMapping/>
-  </p:clrMapOvr>
-</p:sld>
-</file>
-
-<file path=ppt/slides/slide16.xml><?xml version="1.0" encoding="utf-8"?>
-<p:sld xmlns:a="http://schemas.openxmlformats.org/drawingml/2006/main" xmlns:r="http://schemas.openxmlformats.org/officeDocument/2006/relationships" xmlns:p="http://schemas.openxmlformats.org/presentationml/2006/main">
-  <p:cSld>
-    <p:spTree>
-      <p:nvGrpSpPr>
-        <p:cNvPr id="1" name=""/>
-        <p:cNvGrpSpPr/>
-        <p:nvPr/>
-      </p:nvGrpSpPr>
-      <p:grpSpPr>
-        <a:xfrm>
-          <a:off x="0" y="0"/>
-          <a:ext cx="0" cy="0"/>
-          <a:chOff x="0" y="0"/>
-          <a:chExt cx="0" cy="0"/>
-        </a:xfrm>
-      </p:grpSpPr>
-      <p:sp>
-        <p:nvSpPr>
-          <p:cNvPr id="2" name="Title 1"/>
-          <p:cNvSpPr>
-            <a:spLocks noGrp="1"/>
-          </p:cNvSpPr>
-          <p:nvPr>
-            <p:ph type="title"/>
-          </p:nvPr>
-        </p:nvSpPr>
-        <p:spPr/>
-        <p:txBody>
-          <a:bodyPr/>
-          <a:lstStyle/>
-          <a:p>
-            <a:r>
-              <a:rPr lang="en-US" dirty="0" smtClean="0"/>
-              <a:t>“Deep” Network = combined logistic models</a:t>
-            </a:r>
-            <a:endParaRPr lang="en-US" dirty="0"/>
-          </a:p>
-        </p:txBody>
-      </p:sp>
-      <p:sp>
-        <p:nvSpPr>
-          <p:cNvPr id="3" name="Content Placeholder 2"/>
-          <p:cNvSpPr>
-            <a:spLocks noGrp="1"/>
-          </p:cNvSpPr>
-          <p:nvPr>
-            <p:ph idx="1"/>
-          </p:nvPr>
-        </p:nvSpPr>
-        <p:spPr/>
-        <p:txBody>
-          <a:bodyPr/>
-          <a:lstStyle/>
-          <a:p>
-            <a:endParaRPr lang="en-US"/>
-          </a:p>
-        </p:txBody>
-      </p:sp>
-    </p:spTree>
-    <p:extLst>
-      <p:ext uri="{BB962C8B-B14F-4D97-AF65-F5344CB8AC3E}">
-        <p14:creationId xmlns:p14="http://schemas.microsoft.com/office/powerpoint/2010/main" val="1571218835"/>
-      </p:ext>
-    </p:extLst>
-  </p:cSld>
-  <p:clrMapOvr>
-    <a:masterClrMapping/>
-  </p:clrMapOvr>
-</p:sld>
-</file>
-
-<file path=ppt/slides/slide17.xml><?xml version="1.0" encoding="utf-8"?>
-<p:sld xmlns:a="http://schemas.openxmlformats.org/drawingml/2006/main" xmlns:r="http://schemas.openxmlformats.org/officeDocument/2006/relationships" xmlns:p="http://schemas.openxmlformats.org/presentationml/2006/main">
-  <p:cSld>
-    <p:spTree>
-      <p:nvGrpSpPr>
-        <p:cNvPr id="1" name=""/>
-        <p:cNvGrpSpPr/>
-        <p:nvPr/>
-      </p:nvGrpSpPr>
-      <p:grpSpPr>
-        <a:xfrm>
-          <a:off x="0" y="0"/>
-          <a:ext cx="0" cy="0"/>
-          <a:chOff x="0" y="0"/>
-          <a:chExt cx="0" cy="0"/>
-        </a:xfrm>
-      </p:grpSpPr>
-      <p:sp>
-        <p:nvSpPr>
-          <p:cNvPr id="2" name="Title 1"/>
-          <p:cNvSpPr>
-            <a:spLocks noGrp="1"/>
-          </p:cNvSpPr>
-          <p:nvPr>
-            <p:ph type="title"/>
-          </p:nvPr>
-        </p:nvSpPr>
-        <p:spPr/>
-        <p:txBody>
-          <a:bodyPr/>
-          <a:lstStyle/>
-          <a:p>
-            <a:r>
-              <a:rPr lang="en-US" dirty="0" smtClean="0"/>
-              <a:t>Ensemble Learning</a:t>
-            </a:r>
-            <a:endParaRPr lang="en-US" dirty="0"/>
-          </a:p>
-        </p:txBody>
-      </p:sp>
-      <p:sp>
-        <p:nvSpPr>
-          <p:cNvPr id="3" name="Content Placeholder 2"/>
-          <p:cNvSpPr>
-            <a:spLocks noGrp="1"/>
-          </p:cNvSpPr>
-          <p:nvPr>
-            <p:ph idx="1"/>
-          </p:nvPr>
-        </p:nvSpPr>
-        <p:spPr/>
-        <p:txBody>
-          <a:bodyPr/>
-          <a:lstStyle/>
-          <a:p>
-            <a:r>
-              <a:rPr lang="en-US" dirty="0" smtClean="0"/>
-              <a:t>The wisdom of the crowd</a:t>
-            </a:r>
-            <a:endParaRPr lang="en-US" dirty="0"/>
-          </a:p>
-        </p:txBody>
-      </p:sp>
-    </p:spTree>
-    <p:extLst>
-      <p:ext uri="{BB962C8B-B14F-4D97-AF65-F5344CB8AC3E}">
-        <p14:creationId xmlns:p14="http://schemas.microsoft.com/office/powerpoint/2010/main" val="797381202"/>
-      </p:ext>
-    </p:extLst>
-  </p:cSld>
-  <p:clrMapOvr>
-    <a:masterClrMapping/>
-  </p:clrMapOvr>
-</p:sld>
-</file>
-
-<file path=ppt/slides/slide18.xml><?xml version="1.0" encoding="utf-8"?>
-<p:sld xmlns:a="http://schemas.openxmlformats.org/drawingml/2006/main" xmlns:r="http://schemas.openxmlformats.org/officeDocument/2006/relationships" xmlns:p="http://schemas.openxmlformats.org/presentationml/2006/main">
-  <p:cSld>
-    <p:spTree>
-      <p:nvGrpSpPr>
-        <p:cNvPr id="1" name=""/>
-        <p:cNvGrpSpPr/>
-        <p:nvPr/>
-      </p:nvGrpSpPr>
-      <p:grpSpPr>
-        <a:xfrm>
-          <a:off x="0" y="0"/>
-          <a:ext cx="0" cy="0"/>
-          <a:chOff x="0" y="0"/>
-          <a:chExt cx="0" cy="0"/>
-        </a:xfrm>
-      </p:grpSpPr>
-      <p:sp>
-        <p:nvSpPr>
-          <p:cNvPr id="2" name="Title 1"/>
-          <p:cNvSpPr>
-            <a:spLocks noGrp="1"/>
-          </p:cNvSpPr>
-          <p:nvPr>
-            <p:ph type="title"/>
-          </p:nvPr>
-        </p:nvSpPr>
-        <p:spPr/>
-        <p:txBody>
-          <a:bodyPr/>
-          <a:lstStyle/>
-          <a:p>
-            <a:r>
-              <a:rPr lang="en-US" dirty="0" smtClean="0"/>
-              <a:t>Cross Validation</a:t>
-            </a:r>
-            <a:endParaRPr lang="en-US" dirty="0"/>
-          </a:p>
-        </p:txBody>
-      </p:sp>
-      <p:sp>
-        <p:nvSpPr>
-          <p:cNvPr id="3" name="Content Placeholder 2"/>
-          <p:cNvSpPr>
-            <a:spLocks noGrp="1"/>
-          </p:cNvSpPr>
-          <p:nvPr>
-            <p:ph idx="1"/>
-          </p:nvPr>
-        </p:nvSpPr>
-        <p:spPr/>
-        <p:txBody>
-          <a:bodyPr/>
-          <a:lstStyle/>
-          <a:p>
-            <a:endParaRPr lang="en-US"/>
-          </a:p>
-        </p:txBody>
-      </p:sp>
-    </p:spTree>
-    <p:extLst>
-      <p:ext uri="{BB962C8B-B14F-4D97-AF65-F5344CB8AC3E}">
-        <p14:creationId xmlns:p14="http://schemas.microsoft.com/office/powerpoint/2010/main" val="1894889682"/>
-      </p:ext>
-    </p:extLst>
-  </p:cSld>
-  <p:clrMapOvr>
-    <a:masterClrMapping/>
-  </p:clrMapOvr>
-</p:sld>
-</file>
-
-<file path=ppt/slides/slide19.xml><?xml version="1.0" encoding="utf-8"?>
-<p:sld xmlns:a="http://schemas.openxmlformats.org/drawingml/2006/main" xmlns:r="http://schemas.openxmlformats.org/officeDocument/2006/relationships" xmlns:p="http://schemas.openxmlformats.org/presentationml/2006/main">
-  <p:cSld>
-    <p:spTree>
-      <p:nvGrpSpPr>
-        <p:cNvPr id="1" name=""/>
-        <p:cNvGrpSpPr/>
-        <p:nvPr/>
-      </p:nvGrpSpPr>
-      <p:grpSpPr>
-        <a:xfrm>
-          <a:off x="0" y="0"/>
-          <a:ext cx="0" cy="0"/>
-          <a:chOff x="0" y="0"/>
-          <a:chExt cx="0" cy="0"/>
-        </a:xfrm>
-      </p:grpSpPr>
-      <p:sp>
-        <p:nvSpPr>
-          <p:cNvPr id="2" name="Title 1"/>
-          <p:cNvSpPr>
-            <a:spLocks noGrp="1"/>
-          </p:cNvSpPr>
-          <p:nvPr>
-            <p:ph type="title"/>
-          </p:nvPr>
-        </p:nvSpPr>
-        <p:spPr/>
-        <p:txBody>
-          <a:bodyPr/>
-          <a:lstStyle/>
-          <a:p>
-            <a:r>
-              <a:rPr lang="en-US" dirty="0" smtClean="0"/>
-              <a:t>Occam Razor</a:t>
-            </a:r>
-            <a:endParaRPr lang="en-US" dirty="0"/>
-          </a:p>
-        </p:txBody>
-      </p:sp>
-      <p:sp>
-        <p:nvSpPr>
-          <p:cNvPr id="3" name="Content Placeholder 2"/>
-          <p:cNvSpPr>
-            <a:spLocks noGrp="1"/>
-          </p:cNvSpPr>
-          <p:nvPr>
-            <p:ph idx="1"/>
-          </p:nvPr>
-        </p:nvSpPr>
-        <p:spPr/>
-        <p:txBody>
-          <a:bodyPr/>
-          <a:lstStyle/>
-          <a:p>
-            <a:endParaRPr lang="en-US"/>
-          </a:p>
-        </p:txBody>
-      </p:sp>
-    </p:spTree>
-    <p:extLst>
-      <p:ext uri="{BB962C8B-B14F-4D97-AF65-F5344CB8AC3E}">
-        <p14:creationId xmlns:p14="http://schemas.microsoft.com/office/powerpoint/2010/main" val="3884529693"/>
-      </p:ext>
-    </p:extLst>
-  </p:cSld>
-  <p:clrMapOvr>
-    <a:masterClrMapping/>
-  </p:clrMapOvr>
-</p:sld>
-</file>
-
-<file path=ppt/slides/slide2.xml><?xml version="1.0" encoding="utf-8"?>
-<p:sld xmlns:a="http://schemas.openxmlformats.org/drawingml/2006/main" xmlns:r="http://schemas.openxmlformats.org/officeDocument/2006/relationships" xmlns:p="http://schemas.openxmlformats.org/presentationml/2006/main">
-  <p:cSld>
-    <p:spTree>
-      <p:nvGrpSpPr>
-        <p:cNvPr id="1" name=""/>
-        <p:cNvGrpSpPr/>
-        <p:nvPr/>
-      </p:nvGrpSpPr>
-      <p:grpSpPr>
-        <a:xfrm>
-          <a:off x="0" y="0"/>
-          <a:ext cx="0" cy="0"/>
-          <a:chOff x="0" y="0"/>
-          <a:chExt cx="0" cy="0"/>
-        </a:xfrm>
-      </p:grpSpPr>
-      <p:sp>
-        <p:nvSpPr>
-          <p:cNvPr id="2" name="Title 1"/>
-          <p:cNvSpPr>
-            <a:spLocks noGrp="1"/>
-          </p:cNvSpPr>
-          <p:nvPr>
-            <p:ph type="title"/>
-          </p:nvPr>
-        </p:nvSpPr>
-        <p:spPr/>
-        <p:txBody>
-          <a:bodyPr/>
-          <a:lstStyle/>
-          <a:p>
-            <a:r>
-              <a:rPr lang="en-US" dirty="0" smtClean="0"/>
-              <a:t>About Me</a:t>
-            </a:r>
-            <a:endParaRPr lang="en-US" dirty="0"/>
-          </a:p>
-        </p:txBody>
-      </p:sp>
-      <p:sp>
-        <p:nvSpPr>
-          <p:cNvPr id="3" name="Content Placeholder 2"/>
-          <p:cNvSpPr>
-            <a:spLocks noGrp="1"/>
-          </p:cNvSpPr>
-          <p:nvPr>
-            <p:ph idx="1"/>
-          </p:nvPr>
-        </p:nvSpPr>
-        <p:spPr/>
-        <p:txBody>
-          <a:bodyPr/>
-          <a:lstStyle/>
-          <a:p>
-            <a:endParaRPr lang="en-US"/>
-          </a:p>
-        </p:txBody>
-      </p:sp>
-    </p:spTree>
-    <p:extLst>
-      <p:ext uri="{BB962C8B-B14F-4D97-AF65-F5344CB8AC3E}">
-        <p14:creationId xmlns:p14="http://schemas.microsoft.com/office/powerpoint/2010/main" val="2408424500"/>
-      </p:ext>
-    </p:extLst>
-  </p:cSld>
-  <p:clrMapOvr>
-    <a:masterClrMapping/>
-  </p:clrMapOvr>
-</p:sld>
-</file>
-
-<file path=ppt/slides/slide20.xml><?xml version="1.0" encoding="utf-8"?>
-<p:sld xmlns:a="http://schemas.openxmlformats.org/drawingml/2006/main" xmlns:r="http://schemas.openxmlformats.org/officeDocument/2006/relationships" xmlns:p="http://schemas.openxmlformats.org/presentationml/2006/main">
-  <p:cSld>
-    <p:spTree>
-      <p:nvGrpSpPr>
-        <p:cNvPr id="1" name=""/>
-        <p:cNvGrpSpPr/>
-        <p:nvPr/>
-      </p:nvGrpSpPr>
-      <p:grpSpPr>
-        <a:xfrm>
-          <a:off x="0" y="0"/>
-          <a:ext cx="0" cy="0"/>
-          <a:chOff x="0" y="0"/>
-          <a:chExt cx="0" cy="0"/>
-        </a:xfrm>
-      </p:grpSpPr>
-      <p:sp>
-        <p:nvSpPr>
-          <p:cNvPr id="2" name="Title 1"/>
-          <p:cNvSpPr>
-            <a:spLocks noGrp="1"/>
-          </p:cNvSpPr>
-          <p:nvPr>
-            <p:ph type="title"/>
-          </p:nvPr>
-        </p:nvSpPr>
-        <p:spPr/>
-        <p:txBody>
-          <a:bodyPr/>
-          <a:lstStyle/>
-          <a:p>
-            <a:r>
-              <a:rPr lang="en-US" dirty="0" smtClean="0"/>
-              <a:t>No free lunch in Machine Learning</a:t>
-            </a:r>
-            <a:endParaRPr lang="en-US" dirty="0"/>
-          </a:p>
-        </p:txBody>
-      </p:sp>
-      <p:sp>
-        <p:nvSpPr>
-          <p:cNvPr id="3" name="Content Placeholder 2"/>
-          <p:cNvSpPr>
-            <a:spLocks noGrp="1"/>
-          </p:cNvSpPr>
-          <p:nvPr>
-            <p:ph idx="1"/>
-          </p:nvPr>
-        </p:nvSpPr>
-        <p:spPr/>
-        <p:txBody>
-          <a:bodyPr/>
-          <a:lstStyle/>
-          <a:p>
-            <a:endParaRPr lang="en-US"/>
-          </a:p>
-        </p:txBody>
-      </p:sp>
-    </p:spTree>
-    <p:extLst>
-      <p:ext uri="{BB962C8B-B14F-4D97-AF65-F5344CB8AC3E}">
-        <p14:creationId xmlns:p14="http://schemas.microsoft.com/office/powerpoint/2010/main" val="3158519707"/>
-      </p:ext>
-    </p:extLst>
-  </p:cSld>
-  <p:clrMapOvr>
-    <a:masterClrMapping/>
-  </p:clrMapOvr>
-</p:sld>
-</file>
-
-<file path=ppt/slides/slide21.xml><?xml version="1.0" encoding="utf-8"?>
-<p:sld xmlns:a="http://schemas.openxmlformats.org/drawingml/2006/main" xmlns:r="http://schemas.openxmlformats.org/officeDocument/2006/relationships" xmlns:p="http://schemas.openxmlformats.org/presentationml/2006/main">
-  <p:cSld>
-    <p:spTree>
-      <p:nvGrpSpPr>
-        <p:cNvPr id="1" name=""/>
-        <p:cNvGrpSpPr/>
-        <p:nvPr/>
-      </p:nvGrpSpPr>
-      <p:grpSpPr>
-        <a:xfrm>
-          <a:off x="0" y="0"/>
-          <a:ext cx="0" cy="0"/>
-          <a:chOff x="0" y="0"/>
-          <a:chExt cx="0" cy="0"/>
-        </a:xfrm>
-      </p:grpSpPr>
-      <p:sp>
-        <p:nvSpPr>
-          <p:cNvPr id="2" name="Title 1"/>
-          <p:cNvSpPr>
-            <a:spLocks noGrp="1"/>
-          </p:cNvSpPr>
-          <p:nvPr>
-            <p:ph type="title"/>
-          </p:nvPr>
-        </p:nvSpPr>
-        <p:spPr/>
-        <p:txBody>
-          <a:bodyPr/>
-          <a:lstStyle/>
-          <a:p>
-            <a:r>
-              <a:rPr lang="en-US" dirty="0" smtClean="0"/>
-              <a:t>Unsupervised learning</a:t>
-            </a:r>
-            <a:endParaRPr lang="en-US" dirty="0"/>
-          </a:p>
-        </p:txBody>
-      </p:sp>
-      <p:sp>
-        <p:nvSpPr>
-          <p:cNvPr id="3" name="Content Placeholder 2"/>
-          <p:cNvSpPr>
-            <a:spLocks noGrp="1"/>
-          </p:cNvSpPr>
-          <p:nvPr>
-            <p:ph idx="1"/>
-          </p:nvPr>
-        </p:nvSpPr>
-        <p:spPr/>
-        <p:txBody>
-          <a:bodyPr/>
-          <a:lstStyle/>
-          <a:p>
-            <a:endParaRPr lang="en-US"/>
-          </a:p>
-        </p:txBody>
-      </p:sp>
-    </p:spTree>
-    <p:extLst>
-      <p:ext uri="{BB962C8B-B14F-4D97-AF65-F5344CB8AC3E}">
-        <p14:creationId xmlns:p14="http://schemas.microsoft.com/office/powerpoint/2010/main" val="2529849864"/>
-      </p:ext>
-    </p:extLst>
-  </p:cSld>
-  <p:clrMapOvr>
-    <a:masterClrMapping/>
-  </p:clrMapOvr>
-</p:sld>
-</file>
-
-<file path=ppt/slides/slide22.xml><?xml version="1.0" encoding="utf-8"?>
-<p:sld xmlns:a="http://schemas.openxmlformats.org/drawingml/2006/main" xmlns:r="http://schemas.openxmlformats.org/officeDocument/2006/relationships" xmlns:p="http://schemas.openxmlformats.org/presentationml/2006/main">
-  <p:cSld>
-    <p:spTree>
-      <p:nvGrpSpPr>
-        <p:cNvPr id="1" name=""/>
-        <p:cNvGrpSpPr/>
-        <p:nvPr/>
-      </p:nvGrpSpPr>
-      <p:grpSpPr>
-        <a:xfrm>
-          <a:off x="0" y="0"/>
-          <a:ext cx="0" cy="0"/>
-          <a:chOff x="0" y="0"/>
-          <a:chExt cx="0" cy="0"/>
-        </a:xfrm>
-      </p:grpSpPr>
-      <p:sp>
-        <p:nvSpPr>
-          <p:cNvPr id="2" name="Title 1"/>
-          <p:cNvSpPr>
-            <a:spLocks noGrp="1"/>
-          </p:cNvSpPr>
-          <p:nvPr>
-            <p:ph type="title"/>
-          </p:nvPr>
-        </p:nvSpPr>
-        <p:spPr/>
-        <p:txBody>
-          <a:bodyPr/>
-          <a:lstStyle/>
-          <a:p>
-            <a:r>
-              <a:rPr lang="en-US" dirty="0" smtClean="0"/>
-              <a:t>Reinforcement Learning</a:t>
-            </a:r>
-            <a:endParaRPr lang="en-US" dirty="0"/>
-          </a:p>
-        </p:txBody>
-      </p:sp>
-      <p:sp>
-        <p:nvSpPr>
-          <p:cNvPr id="3" name="Content Placeholder 2"/>
-          <p:cNvSpPr>
-            <a:spLocks noGrp="1"/>
-          </p:cNvSpPr>
-          <p:nvPr>
-            <p:ph idx="1"/>
-          </p:nvPr>
-        </p:nvSpPr>
-        <p:spPr/>
-        <p:txBody>
-          <a:bodyPr/>
-          <a:lstStyle/>
-          <a:p>
-            <a:endParaRPr lang="en-US"/>
-          </a:p>
-        </p:txBody>
-      </p:sp>
-    </p:spTree>
-    <p:extLst>
-      <p:ext uri="{BB962C8B-B14F-4D97-AF65-F5344CB8AC3E}">
-        <p14:creationId xmlns:p14="http://schemas.microsoft.com/office/powerpoint/2010/main" val="1011069169"/>
-      </p:ext>
-    </p:extLst>
-  </p:cSld>
-  <p:clrMapOvr>
-    <a:masterClrMapping/>
-  </p:clrMapOvr>
-</p:sld>
-</file>
-
-<file path=ppt/slides/slide23.xml><?xml version="1.0" encoding="utf-8"?>
-<p:sld xmlns:a="http://schemas.openxmlformats.org/drawingml/2006/main" xmlns:r="http://schemas.openxmlformats.org/officeDocument/2006/relationships" xmlns:p="http://schemas.openxmlformats.org/presentationml/2006/main">
-  <p:cSld>
-    <p:spTree>
-      <p:nvGrpSpPr>
-        <p:cNvPr id="1" name=""/>
-        <p:cNvGrpSpPr/>
-        <p:nvPr/>
-      </p:nvGrpSpPr>
-      <p:grpSpPr>
-        <a:xfrm>
-          <a:off x="0" y="0"/>
-          <a:ext cx="0" cy="0"/>
-          <a:chOff x="0" y="0"/>
-          <a:chExt cx="0" cy="0"/>
-        </a:xfrm>
-      </p:grpSpPr>
-      <p:sp>
-        <p:nvSpPr>
-          <p:cNvPr id="2" name="Title 1"/>
-          <p:cNvSpPr>
-            <a:spLocks noGrp="1"/>
-          </p:cNvSpPr>
-          <p:nvPr>
-            <p:ph type="title"/>
-          </p:nvPr>
-        </p:nvSpPr>
-        <p:spPr/>
-        <p:txBody>
-          <a:bodyPr/>
-          <a:lstStyle/>
-          <a:p>
-            <a:endParaRPr lang="en-US"/>
-          </a:p>
-        </p:txBody>
-      </p:sp>
-      <p:sp>
-        <p:nvSpPr>
-          <p:cNvPr id="3" name="Content Placeholder 2"/>
-          <p:cNvSpPr>
-            <a:spLocks noGrp="1"/>
-          </p:cNvSpPr>
-          <p:nvPr>
-            <p:ph idx="1"/>
-          </p:nvPr>
-        </p:nvSpPr>
-        <p:spPr/>
-        <p:txBody>
-          <a:bodyPr/>
-          <a:lstStyle/>
-          <a:p>
-            <a:endParaRPr lang="en-US"/>
-          </a:p>
-        </p:txBody>
-      </p:sp>
-    </p:spTree>
-    <p:extLst>
-      <p:ext uri="{BB962C8B-B14F-4D97-AF65-F5344CB8AC3E}">
-        <p14:creationId xmlns:p14="http://schemas.microsoft.com/office/powerpoint/2010/main" val="2175830072"/>
-      </p:ext>
-    </p:extLst>
-  </p:cSld>
-  <p:clrMapOvr>
-    <a:masterClrMapping/>
-  </p:clrMapOvr>
-</p:sld>
-</file>
-
-<file path=ppt/slides/slide24.xml><?xml version="1.0" encoding="utf-8"?>
-<p:sld xmlns:a="http://schemas.openxmlformats.org/drawingml/2006/main" xmlns:r="http://schemas.openxmlformats.org/officeDocument/2006/relationships" xmlns:p="http://schemas.openxmlformats.org/presentationml/2006/main">
-  <p:cSld>
-    <p:spTree>
-      <p:nvGrpSpPr>
-        <p:cNvPr id="1" name=""/>
-        <p:cNvGrpSpPr/>
-        <p:nvPr/>
-      </p:nvGrpSpPr>
-      <p:grpSpPr>
-        <a:xfrm>
-          <a:off x="0" y="0"/>
-          <a:ext cx="0" cy="0"/>
-          <a:chOff x="0" y="0"/>
-          <a:chExt cx="0" cy="0"/>
-        </a:xfrm>
-      </p:grpSpPr>
-      <p:sp>
-        <p:nvSpPr>
-          <p:cNvPr id="2" name="Title 1"/>
-          <p:cNvSpPr>
-            <a:spLocks noGrp="1"/>
-          </p:cNvSpPr>
-          <p:nvPr>
-            <p:ph type="title"/>
-          </p:nvPr>
-        </p:nvSpPr>
-        <p:spPr/>
-        <p:txBody>
-          <a:bodyPr/>
-          <a:lstStyle/>
-          <a:p>
-            <a:endParaRPr lang="en-US"/>
-          </a:p>
-        </p:txBody>
-      </p:sp>
-      <p:sp>
-        <p:nvSpPr>
-          <p:cNvPr id="3" name="Content Placeholder 2"/>
-          <p:cNvSpPr>
-            <a:spLocks noGrp="1"/>
-          </p:cNvSpPr>
-          <p:nvPr>
-            <p:ph idx="1"/>
-          </p:nvPr>
-        </p:nvSpPr>
-        <p:spPr/>
-        <p:txBody>
-          <a:bodyPr/>
-          <a:lstStyle/>
-          <a:p>
-            <a:endParaRPr lang="en-US"/>
-          </a:p>
-        </p:txBody>
-      </p:sp>
-    </p:spTree>
-    <p:extLst>
-      <p:ext uri="{BB962C8B-B14F-4D97-AF65-F5344CB8AC3E}">
-        <p14:creationId xmlns:p14="http://schemas.microsoft.com/office/powerpoint/2010/main" val="52398629"/>
-      </p:ext>
-    </p:extLst>
-  </p:cSld>
-  <p:clrMapOvr>
-    <a:masterClrMapping/>
-  </p:clrMapOvr>
-</p:sld>
-</file>
-
-<file path=ppt/slides/slide25.xml><?xml version="1.0" encoding="utf-8"?>
-<p:sld xmlns:a="http://schemas.openxmlformats.org/drawingml/2006/main" xmlns:r="http://schemas.openxmlformats.org/officeDocument/2006/relationships" xmlns:p="http://schemas.openxmlformats.org/presentationml/2006/main">
-  <p:cSld>
-    <p:spTree>
-      <p:nvGrpSpPr>
-        <p:cNvPr id="1" name=""/>
-        <p:cNvGrpSpPr/>
-        <p:nvPr/>
-      </p:nvGrpSpPr>
-      <p:grpSpPr>
-        <a:xfrm>
-          <a:off x="0" y="0"/>
-          <a:ext cx="0" cy="0"/>
-          <a:chOff x="0" y="0"/>
-          <a:chExt cx="0" cy="0"/>
-        </a:xfrm>
-      </p:grpSpPr>
-      <p:sp>
-        <p:nvSpPr>
-          <p:cNvPr id="2" name="Title 1"/>
-          <p:cNvSpPr>
-            <a:spLocks noGrp="1"/>
-          </p:cNvSpPr>
-          <p:nvPr>
-            <p:ph type="title"/>
-          </p:nvPr>
-        </p:nvSpPr>
-        <p:spPr/>
-        <p:txBody>
-          <a:bodyPr/>
-          <a:lstStyle/>
-          <a:p>
-            <a:endParaRPr lang="en-US"/>
-          </a:p>
-        </p:txBody>
-      </p:sp>
-      <p:sp>
-        <p:nvSpPr>
-          <p:cNvPr id="3" name="Content Placeholder 2"/>
-          <p:cNvSpPr>
-            <a:spLocks noGrp="1"/>
-          </p:cNvSpPr>
-          <p:nvPr>
-            <p:ph idx="1"/>
-          </p:nvPr>
-        </p:nvSpPr>
-        <p:spPr/>
-        <p:txBody>
-          <a:bodyPr/>
-          <a:lstStyle/>
-          <a:p>
-            <a:endParaRPr lang="en-US"/>
-          </a:p>
-        </p:txBody>
-      </p:sp>
-    </p:spTree>
-    <p:extLst>
-      <p:ext uri="{BB962C8B-B14F-4D97-AF65-F5344CB8AC3E}">
-        <p14:creationId xmlns:p14="http://schemas.microsoft.com/office/powerpoint/2010/main" val="2490405933"/>
-      </p:ext>
-    </p:extLst>
-  </p:cSld>
-  <p:clrMapOvr>
-    <a:masterClrMapping/>
-  </p:clrMapOvr>
-</p:sld>
-</file>
-
-<file path=ppt/slides/slide26.xml><?xml version="1.0" encoding="utf-8"?>
-<p:sld xmlns:a="http://schemas.openxmlformats.org/drawingml/2006/main" xmlns:r="http://schemas.openxmlformats.org/officeDocument/2006/relationships" xmlns:p="http://schemas.openxmlformats.org/presentationml/2006/main">
-  <p:cSld>
-    <p:spTree>
-      <p:nvGrpSpPr>
-        <p:cNvPr id="1" name=""/>
-        <p:cNvGrpSpPr/>
-        <p:nvPr/>
-      </p:nvGrpSpPr>
-      <p:grpSpPr>
-        <a:xfrm>
-          <a:off x="0" y="0"/>
-          <a:ext cx="0" cy="0"/>
-          <a:chOff x="0" y="0"/>
-          <a:chExt cx="0" cy="0"/>
-        </a:xfrm>
-      </p:grpSpPr>
-      <p:sp>
-        <p:nvSpPr>
-          <p:cNvPr id="2" name="Title 1"/>
-          <p:cNvSpPr>
-            <a:spLocks noGrp="1"/>
-          </p:cNvSpPr>
-          <p:nvPr>
-            <p:ph type="title"/>
-          </p:nvPr>
-        </p:nvSpPr>
-        <p:spPr/>
-        <p:txBody>
-          <a:bodyPr/>
-          <a:lstStyle/>
-          <a:p>
-            <a:endParaRPr lang="en-US"/>
-          </a:p>
-        </p:txBody>
-      </p:sp>
-      <p:sp>
-        <p:nvSpPr>
-          <p:cNvPr id="3" name="Content Placeholder 2"/>
-          <p:cNvSpPr>
-            <a:spLocks noGrp="1"/>
-          </p:cNvSpPr>
-          <p:nvPr>
-            <p:ph idx="1"/>
-          </p:nvPr>
-        </p:nvSpPr>
-        <p:spPr/>
-        <p:txBody>
-          <a:bodyPr/>
-          <a:lstStyle/>
-          <a:p>
-            <a:endParaRPr lang="en-US"/>
-          </a:p>
-        </p:txBody>
-      </p:sp>
-    </p:spTree>
-    <p:extLst>
-      <p:ext uri="{BB962C8B-B14F-4D97-AF65-F5344CB8AC3E}">
-        <p14:creationId xmlns:p14="http://schemas.microsoft.com/office/powerpoint/2010/main" val="3590222463"/>
-      </p:ext>
-    </p:extLst>
-  </p:cSld>
-  <p:clrMapOvr>
-    <a:masterClrMapping/>
-  </p:clrMapOvr>
-</p:sld>
-</file>
-
-<file path=ppt/slides/slide3.xml><?xml version="1.0" encoding="utf-8"?>
-<p:sld xmlns:a="http://schemas.openxmlformats.org/drawingml/2006/main" xmlns:r="http://schemas.openxmlformats.org/officeDocument/2006/relationships" xmlns:p="http://schemas.openxmlformats.org/presentationml/2006/main">
-  <p:cSld>
-    <p:spTree>
-      <p:nvGrpSpPr>
-        <p:cNvPr id="1" name=""/>
-        <p:cNvGrpSpPr/>
-        <p:nvPr/>
-      </p:nvGrpSpPr>
-      <p:grpSpPr>
-        <a:xfrm>
-          <a:off x="0" y="0"/>
-          <a:ext cx="0" cy="0"/>
-          <a:chOff x="0" y="0"/>
-          <a:chExt cx="0" cy="0"/>
-        </a:xfrm>
-      </p:grpSpPr>
-      <p:sp>
-        <p:nvSpPr>
-          <p:cNvPr id="2" name="Title 1"/>
-          <p:cNvSpPr>
-            <a:spLocks noGrp="1"/>
-          </p:cNvSpPr>
-          <p:nvPr>
-            <p:ph type="title"/>
-          </p:nvPr>
-        </p:nvSpPr>
-        <p:spPr/>
-        <p:txBody>
-          <a:bodyPr/>
-          <a:lstStyle/>
-          <a:p>
-            <a:r>
-              <a:rPr lang="en-US" dirty="0" smtClean="0"/>
-              <a:t>Machine Learning</a:t>
-            </a:r>
-            <a:endParaRPr lang="en-US" dirty="0"/>
-          </a:p>
-        </p:txBody>
-      </p:sp>
-      <p:sp>
-        <p:nvSpPr>
-          <p:cNvPr id="3" name="Content Placeholder 2"/>
-          <p:cNvSpPr>
-            <a:spLocks noGrp="1"/>
-          </p:cNvSpPr>
-          <p:nvPr>
-            <p:ph idx="1"/>
-          </p:nvPr>
-        </p:nvSpPr>
-        <p:spPr/>
-        <p:txBody>
-          <a:bodyPr/>
-          <a:lstStyle/>
-          <a:p>
-            <a:r>
-              <a:rPr lang="en-US" dirty="0" smtClean="0"/>
-              <a:t>Motivational quote</a:t>
-            </a:r>
-            <a:endParaRPr lang="en-US" dirty="0"/>
-          </a:p>
-        </p:txBody>
-      </p:sp>
-    </p:spTree>
-    <p:extLst>
-      <p:ext uri="{BB962C8B-B14F-4D97-AF65-F5344CB8AC3E}">
-        <p14:creationId xmlns:p14="http://schemas.microsoft.com/office/powerpoint/2010/main" val="1395793237"/>
-      </p:ext>
-    </p:extLst>
-  </p:cSld>
-  <p:clrMapOvr>
-    <a:masterClrMapping/>
-  </p:clrMapOvr>
-</p:sld>
-</file>
-
-<file path=ppt/slides/slide4.xml><?xml version="1.0" encoding="utf-8"?>
-<p:sld xmlns:a="http://schemas.openxmlformats.org/drawingml/2006/main" xmlns:r="http://schemas.openxmlformats.org/officeDocument/2006/relationships" xmlns:p="http://schemas.openxmlformats.org/presentationml/2006/main">
-  <p:cSld>
-    <p:spTree>
-      <p:nvGrpSpPr>
-        <p:cNvPr id="1" name=""/>
-        <p:cNvGrpSpPr/>
-        <p:nvPr/>
-      </p:nvGrpSpPr>
-      <p:grpSpPr>
-        <a:xfrm>
-          <a:off x="0" y="0"/>
-          <a:ext cx="0" cy="0"/>
-          <a:chOff x="0" y="0"/>
-          <a:chExt cx="0" cy="0"/>
-        </a:xfrm>
-      </p:grpSpPr>
-      <p:sp>
-        <p:nvSpPr>
-          <p:cNvPr id="2" name="Title 1"/>
-          <p:cNvSpPr>
-            <a:spLocks noGrp="1"/>
-          </p:cNvSpPr>
-          <p:nvPr>
-            <p:ph type="title"/>
-          </p:nvPr>
-        </p:nvSpPr>
-        <p:spPr/>
-        <p:txBody>
-          <a:bodyPr/>
-          <a:lstStyle/>
-          <a:p>
-            <a:r>
-              <a:rPr lang="en-US" dirty="0" smtClean="0"/>
-              <a:t>What is machine learning really</a:t>
-            </a:r>
-            <a:endParaRPr lang="en-US" dirty="0"/>
-          </a:p>
-        </p:txBody>
-      </p:sp>
-      <p:sp>
-        <p:nvSpPr>
-          <p:cNvPr id="3" name="Content Placeholder 2"/>
-          <p:cNvSpPr>
-            <a:spLocks noGrp="1"/>
-          </p:cNvSpPr>
-          <p:nvPr>
-            <p:ph idx="1"/>
-          </p:nvPr>
-        </p:nvSpPr>
-        <p:spPr/>
-        <p:txBody>
-          <a:bodyPr/>
-          <a:lstStyle/>
-          <a:p>
-            <a:endParaRPr lang="en-US"/>
-          </a:p>
-        </p:txBody>
-      </p:sp>
-    </p:spTree>
-    <p:extLst>
-      <p:ext uri="{BB962C8B-B14F-4D97-AF65-F5344CB8AC3E}">
-        <p14:creationId xmlns:p14="http://schemas.microsoft.com/office/powerpoint/2010/main" val="3853833798"/>
-      </p:ext>
-    </p:extLst>
-  </p:cSld>
-  <p:clrMapOvr>
-    <a:masterClrMapping/>
-  </p:clrMapOvr>
-</p:sld>
-</file>
-
-<file path=ppt/slides/slide5.xml><?xml version="1.0" encoding="utf-8"?>
-<p:sld xmlns:a="http://schemas.openxmlformats.org/drawingml/2006/main" xmlns:r="http://schemas.openxmlformats.org/officeDocument/2006/relationships" xmlns:p="http://schemas.openxmlformats.org/presentationml/2006/main">
-  <p:cSld>
-    <p:spTree>
-      <p:nvGrpSpPr>
-        <p:cNvPr id="1" name=""/>
-        <p:cNvGrpSpPr/>
-        <p:nvPr/>
-      </p:nvGrpSpPr>
-      <p:grpSpPr>
-        <a:xfrm>
-          <a:off x="0" y="0"/>
-          <a:ext cx="0" cy="0"/>
-          <a:chOff x="0" y="0"/>
-          <a:chExt cx="0" cy="0"/>
-        </a:xfrm>
-      </p:grpSpPr>
-      <p:sp>
-        <p:nvSpPr>
-          <p:cNvPr id="2" name="Title 1"/>
-          <p:cNvSpPr>
-            <a:spLocks noGrp="1"/>
-          </p:cNvSpPr>
-          <p:nvPr>
-            <p:ph type="title"/>
-          </p:nvPr>
-        </p:nvSpPr>
-        <p:spPr/>
-        <p:txBody>
-          <a:bodyPr/>
-          <a:lstStyle/>
-          <a:p>
-            <a:r>
-              <a:rPr lang="en-US" dirty="0" smtClean="0"/>
-              <a:t>Why now?</a:t>
-            </a:r>
-            <a:endParaRPr lang="en-US" dirty="0"/>
-          </a:p>
-        </p:txBody>
-      </p:sp>
-      <p:sp>
-        <p:nvSpPr>
-          <p:cNvPr id="3" name="Content Placeholder 2"/>
-          <p:cNvSpPr>
-            <a:spLocks noGrp="1"/>
-          </p:cNvSpPr>
-          <p:nvPr>
-            <p:ph idx="1"/>
-          </p:nvPr>
-        </p:nvSpPr>
-        <p:spPr/>
-        <p:txBody>
-          <a:bodyPr/>
-          <a:lstStyle/>
-          <a:p>
-            <a:endParaRPr lang="en-US"/>
-          </a:p>
-        </p:txBody>
-      </p:sp>
-    </p:spTree>
-    <p:extLst>
-      <p:ext uri="{BB962C8B-B14F-4D97-AF65-F5344CB8AC3E}">
-        <p14:creationId xmlns:p14="http://schemas.microsoft.com/office/powerpoint/2010/main" val="633205098"/>
-      </p:ext>
-    </p:extLst>
-  </p:cSld>
-  <p:clrMapOvr>
-    <a:masterClrMapping/>
-  </p:clrMapOvr>
-</p:sld>
-</file>
-
-<file path=ppt/slides/slide6.xml><?xml version="1.0" encoding="utf-8"?>
-<p:sld xmlns:a="http://schemas.openxmlformats.org/drawingml/2006/main" xmlns:r="http://schemas.openxmlformats.org/officeDocument/2006/relationships" xmlns:p="http://schemas.openxmlformats.org/presentationml/2006/main">
-  <p:cSld>
-    <p:spTree>
-      <p:nvGrpSpPr>
-        <p:cNvPr id="1" name=""/>
-        <p:cNvGrpSpPr/>
-        <p:nvPr/>
-      </p:nvGrpSpPr>
-      <p:grpSpPr>
-        <a:xfrm>
-          <a:off x="0" y="0"/>
-          <a:ext cx="0" cy="0"/>
-          <a:chOff x="0" y="0"/>
-          <a:chExt cx="0" cy="0"/>
-        </a:xfrm>
-      </p:grpSpPr>
-      <p:sp>
-        <p:nvSpPr>
-          <p:cNvPr id="2" name="Title 1"/>
-          <p:cNvSpPr>
-            <a:spLocks noGrp="1"/>
-          </p:cNvSpPr>
-          <p:nvPr>
-            <p:ph type="title"/>
-          </p:nvPr>
-        </p:nvSpPr>
-        <p:spPr/>
-        <p:txBody>
-          <a:bodyPr/>
-          <a:lstStyle/>
-          <a:p>
-            <a:r>
-              <a:rPr lang="en-US" dirty="0" smtClean="0"/>
-              <a:t>Applications and examples</a:t>
-            </a:r>
-            <a:endParaRPr lang="en-US" dirty="0"/>
-          </a:p>
-        </p:txBody>
-      </p:sp>
-      <p:sp>
-        <p:nvSpPr>
-          <p:cNvPr id="3" name="Content Placeholder 2"/>
-          <p:cNvSpPr>
-            <a:spLocks noGrp="1"/>
-          </p:cNvSpPr>
-          <p:nvPr>
-            <p:ph idx="1"/>
-          </p:nvPr>
-        </p:nvSpPr>
-        <p:spPr/>
-        <p:txBody>
-          <a:bodyPr/>
-          <a:lstStyle/>
-          <a:p>
-            <a:endParaRPr lang="en-US"/>
+        <p:spPr>
+          <a:xfrm>
+            <a:off x="441960" y="283845"/>
+            <a:ext cx="10515600" cy="1325563"/>
+          </a:xfrm>
+        </p:spPr>
+        <p:txBody>
+          <a:bodyPr/>
+          <a:lstStyle/>
+          <a:p>
+            <a:r>
+              <a:rPr lang="en-US" dirty="0" smtClean="0">
+                <a:solidFill>
+                  <a:schemeClr val="bg1"/>
+                </a:solidFill>
+                <a:effectLst>
+                  <a:outerShdw blurRad="38100" dist="38100" dir="2700000" algn="tl">
+                    <a:srgbClr val="000000">
+                      <a:alpha val="43137"/>
+                    </a:srgbClr>
+                  </a:outerShdw>
+                </a:effectLst>
+              </a:rPr>
+              <a:t>Applications of ML</a:t>
+            </a:r>
+            <a:endParaRPr lang="en-US" dirty="0">
+              <a:solidFill>
+                <a:schemeClr val="bg1"/>
+              </a:solidFill>
+              <a:effectLst>
+                <a:outerShdw blurRad="38100" dist="38100" dir="2700000" algn="tl">
+                  <a:srgbClr val="000000">
+                    <a:alpha val="43137"/>
+                  </a:srgbClr>
+                </a:outerShdw>
+              </a:effectLst>
+            </a:endParaRPr>
           </a:p>
         </p:txBody>
       </p:sp>
@@ -4626,94 +3189,50 @@
   <p:clrMapOvr>
     <a:masterClrMapping/>
   </p:clrMapOvr>
+  <p:timing>
+    <p:tnLst>
+      <p:par>
+        <p:cTn id="1" dur="indefinite" restart="never" nodeType="tmRoot"/>
+      </p:par>
+    </p:tnLst>
+  </p:timing>
 </p:sld>
 </file>
 
-<file path=ppt/slides/slide7.xml><?xml version="1.0" encoding="utf-8"?>
-<p:sld xmlns:a="http://schemas.openxmlformats.org/drawingml/2006/main" xmlns:r="http://schemas.openxmlformats.org/officeDocument/2006/relationships" xmlns:p="http://schemas.openxmlformats.org/presentationml/2006/main">
-  <p:cSld>
-    <p:spTree>
-      <p:nvGrpSpPr>
-        <p:cNvPr id="1" name=""/>
-        <p:cNvGrpSpPr/>
-        <p:nvPr/>
-      </p:nvGrpSpPr>
-      <p:grpSpPr>
-        <a:xfrm>
-          <a:off x="0" y="0"/>
-          <a:ext cx="0" cy="0"/>
-          <a:chOff x="0" y="0"/>
-          <a:chExt cx="0" cy="0"/>
-        </a:xfrm>
-      </p:grpSpPr>
-      <p:sp>
-        <p:nvSpPr>
-          <p:cNvPr id="2" name="Title 1"/>
-          <p:cNvSpPr>
-            <a:spLocks noGrp="1"/>
-          </p:cNvSpPr>
-          <p:nvPr>
-            <p:ph type="title"/>
-          </p:nvPr>
-        </p:nvSpPr>
-        <p:spPr/>
-        <p:txBody>
-          <a:bodyPr/>
-          <a:lstStyle/>
-          <a:p>
-            <a:r>
-              <a:rPr lang="en-US" dirty="0" smtClean="0"/>
-              <a:t>Boiling down the facts</a:t>
-            </a:r>
-            <a:endParaRPr lang="en-US" dirty="0"/>
-          </a:p>
-        </p:txBody>
-      </p:sp>
-      <p:sp>
-        <p:nvSpPr>
-          <p:cNvPr id="3" name="Content Placeholder 2"/>
-          <p:cNvSpPr>
-            <a:spLocks noGrp="1"/>
-          </p:cNvSpPr>
-          <p:nvPr>
-            <p:ph idx="1"/>
-          </p:nvPr>
-        </p:nvSpPr>
-        <p:spPr/>
-        <p:txBody>
-          <a:bodyPr/>
-          <a:lstStyle/>
-          <a:p>
-            <a:endParaRPr lang="en-US"/>
-          </a:p>
-        </p:txBody>
-      </p:sp>
-    </p:spTree>
-    <p:extLst>
-      <p:ext uri="{BB962C8B-B14F-4D97-AF65-F5344CB8AC3E}">
-        <p14:creationId xmlns:p14="http://schemas.microsoft.com/office/powerpoint/2010/main" val="2363087005"/>
-      </p:ext>
-    </p:extLst>
-  </p:cSld>
-  <p:clrMapOvr>
-    <a:masterClrMapping/>
-  </p:clrMapOvr>
-</p:sld>
-</file>
-
-<file path=ppt/slides/slide8.xml><?xml version="1.0" encoding="utf-8"?>
+<file path=ppt/slides/slide11.xml><?xml version="1.0" encoding="utf-8"?>
 <p:sld xmlns:a="http://schemas.openxmlformats.org/drawingml/2006/main" xmlns:r="http://schemas.openxmlformats.org/officeDocument/2006/relationships" xmlns:p="http://schemas.openxmlformats.org/presentationml/2006/main">
   <p:cSld>
     <p:bg>
       <p:bgPr>
-        <a:pattFill prst="pct10">
-          <a:fgClr>
-            <a:schemeClr val="accent1"/>
-          </a:fgClr>
-          <a:bgClr>
-            <a:schemeClr val="bg1"/>
-          </a:bgClr>
-        </a:pattFill>
+        <a:gradFill>
+          <a:gsLst>
+            <a:gs pos="0">
+              <a:schemeClr val="accent1">
+                <a:lumMod val="5000"/>
+                <a:lumOff val="95000"/>
+              </a:schemeClr>
+            </a:gs>
+            <a:gs pos="74000">
+              <a:schemeClr val="accent1">
+                <a:lumMod val="45000"/>
+                <a:lumOff val="55000"/>
+              </a:schemeClr>
+            </a:gs>
+            <a:gs pos="83000">
+              <a:schemeClr val="accent1">
+                <a:lumMod val="45000"/>
+                <a:lumOff val="55000"/>
+              </a:schemeClr>
+            </a:gs>
+            <a:gs pos="100000">
+              <a:schemeClr val="accent1">
+                <a:lumMod val="30000"/>
+                <a:lumOff val="70000"/>
+              </a:schemeClr>
+            </a:gs>
+          </a:gsLst>
+          <a:lin ang="5400000" scaled="1"/>
+        </a:gradFill>
         <a:effectLst/>
       </p:bgPr>
     </p:bg>
@@ -4756,31 +3275,7 @@
                   </a:outerShdw>
                 </a:effectLst>
               </a:rPr>
-              <a:t>High Level Machine </a:t>
-            </a:r>
-            <a:r>
-              <a:rPr lang="en-US" dirty="0" smtClean="0">
-                <a:effectLst>
-                  <a:outerShdw blurRad="38100" dist="38100" dir="2700000" algn="tl">
-                    <a:srgbClr val="000000">
-                      <a:alpha val="43137"/>
-                    </a:srgbClr>
-                  </a:outerShdw>
-                </a:effectLst>
-              </a:rPr>
-              <a:t>Learning </a:t>
-            </a:r>
-            <a:r>
-              <a:rPr lang="en-US" dirty="0" smtClean="0">
-                <a:effectLst>
-                  <a:outerShdw blurRad="38100" dist="38100" dir="2700000" algn="tl">
-                    <a:srgbClr val="000000">
-                      <a:alpha val="43137"/>
-                    </a:srgbClr>
-                  </a:outerShdw>
-                </a:effectLst>
-              </a:rPr>
-              <a:t>Pipeline</a:t>
+              <a:t>High Level Machine Learning Pipeline</a:t>
             </a:r>
             <a:endParaRPr lang="en-US" dirty="0">
               <a:effectLst>
@@ -4834,6 +3329,5424 @@
   <p:clrMapOvr>
     <a:masterClrMapping/>
   </p:clrMapOvr>
+  <p:timing>
+    <p:tnLst>
+      <p:par>
+        <p:cTn id="1" dur="indefinite" restart="never" nodeType="tmRoot"/>
+      </p:par>
+    </p:tnLst>
+  </p:timing>
+</p:sld>
+</file>
+
+<file path=ppt/slides/slide12.xml><?xml version="1.0" encoding="utf-8"?>
+<p:sld xmlns:a="http://schemas.openxmlformats.org/drawingml/2006/main" xmlns:r="http://schemas.openxmlformats.org/officeDocument/2006/relationships" xmlns:p="http://schemas.openxmlformats.org/presentationml/2006/main">
+  <p:cSld>
+    <p:spTree>
+      <p:nvGrpSpPr>
+        <p:cNvPr id="1" name=""/>
+        <p:cNvGrpSpPr/>
+        <p:nvPr/>
+      </p:nvGrpSpPr>
+      <p:grpSpPr>
+        <a:xfrm>
+          <a:off x="0" y="0"/>
+          <a:ext cx="0" cy="0"/>
+          <a:chOff x="0" y="0"/>
+          <a:chExt cx="0" cy="0"/>
+        </a:xfrm>
+      </p:grpSpPr>
+      <p:sp>
+        <p:nvSpPr>
+          <p:cNvPr id="2" name="Title 1"/>
+          <p:cNvSpPr>
+            <a:spLocks noGrp="1"/>
+          </p:cNvSpPr>
+          <p:nvPr>
+            <p:ph type="title"/>
+          </p:nvPr>
+        </p:nvSpPr>
+        <p:spPr>
+          <a:xfrm>
+            <a:off x="838200" y="365125"/>
+            <a:ext cx="10938164" cy="1325563"/>
+          </a:xfrm>
+        </p:spPr>
+        <p:txBody>
+          <a:bodyPr/>
+          <a:lstStyle/>
+          <a:p>
+            <a:r>
+              <a:rPr lang="en-US" dirty="0" smtClean="0"/>
+              <a:t>Most important: data preprocessing &amp; cleaning</a:t>
+            </a:r>
+            <a:endParaRPr lang="en-US" dirty="0"/>
+          </a:p>
+        </p:txBody>
+      </p:sp>
+      <p:pic>
+        <p:nvPicPr>
+          <p:cNvPr id="4" name="Picture 3"/>
+          <p:cNvPicPr>
+            <a:picLocks noChangeAspect="1"/>
+          </p:cNvPicPr>
+          <p:nvPr/>
+        </p:nvPicPr>
+        <p:blipFill>
+          <a:blip r:embed="rId2">
+            <a:extLst>
+              <a:ext uri="{28A0092B-C50C-407E-A947-70E740481C1C}">
+                <a14:useLocalDpi xmlns:a14="http://schemas.microsoft.com/office/drawing/2010/main" val="0"/>
+              </a:ext>
+            </a:extLst>
+          </a:blip>
+          <a:stretch>
+            <a:fillRect/>
+          </a:stretch>
+        </p:blipFill>
+        <p:spPr>
+          <a:xfrm>
+            <a:off x="2808177" y="1690688"/>
+            <a:ext cx="6575645" cy="4616942"/>
+          </a:xfrm>
+          <a:prstGeom prst="rect">
+            <a:avLst/>
+          </a:prstGeom>
+        </p:spPr>
+      </p:pic>
+    </p:spTree>
+    <p:extLst>
+      <p:ext uri="{BB962C8B-B14F-4D97-AF65-F5344CB8AC3E}">
+        <p14:creationId xmlns:p14="http://schemas.microsoft.com/office/powerpoint/2010/main" val="3692607803"/>
+      </p:ext>
+    </p:extLst>
+  </p:cSld>
+  <p:clrMapOvr>
+    <a:masterClrMapping/>
+  </p:clrMapOvr>
+  <p:timing>
+    <p:tnLst>
+      <p:par>
+        <p:cTn id="1" dur="indefinite" restart="never" nodeType="tmRoot"/>
+      </p:par>
+    </p:tnLst>
+  </p:timing>
+</p:sld>
+</file>
+
+<file path=ppt/slides/slide13.xml><?xml version="1.0" encoding="utf-8"?>
+<p:sld xmlns:a="http://schemas.openxmlformats.org/drawingml/2006/main" xmlns:r="http://schemas.openxmlformats.org/officeDocument/2006/relationships" xmlns:p="http://schemas.openxmlformats.org/presentationml/2006/main">
+  <p:cSld>
+    <p:spTree>
+      <p:nvGrpSpPr>
+        <p:cNvPr id="1" name=""/>
+        <p:cNvGrpSpPr/>
+        <p:nvPr/>
+      </p:nvGrpSpPr>
+      <p:grpSpPr>
+        <a:xfrm>
+          <a:off x="0" y="0"/>
+          <a:ext cx="0" cy="0"/>
+          <a:chOff x="0" y="0"/>
+          <a:chExt cx="0" cy="0"/>
+        </a:xfrm>
+      </p:grpSpPr>
+      <p:sp>
+        <p:nvSpPr>
+          <p:cNvPr id="2" name="Title 1"/>
+          <p:cNvSpPr>
+            <a:spLocks noGrp="1"/>
+          </p:cNvSpPr>
+          <p:nvPr>
+            <p:ph type="title"/>
+          </p:nvPr>
+        </p:nvSpPr>
+        <p:spPr/>
+        <p:txBody>
+          <a:bodyPr/>
+          <a:lstStyle/>
+          <a:p>
+            <a:r>
+              <a:rPr lang="en-US" dirty="0" smtClean="0"/>
+              <a:t>Going to the actual algorithms: </a:t>
+            </a:r>
+            <a:r>
+              <a:rPr lang="en-US" dirty="0"/>
+              <a:t>Supervised Machine </a:t>
+            </a:r>
+            <a:r>
+              <a:rPr lang="en-US" dirty="0" smtClean="0"/>
+              <a:t>Learning</a:t>
+            </a:r>
+            <a:endParaRPr lang="en-US" dirty="0"/>
+          </a:p>
+        </p:txBody>
+      </p:sp>
+      <p:sp>
+        <p:nvSpPr>
+          <p:cNvPr id="3" name="Content Placeholder 2"/>
+          <p:cNvSpPr>
+            <a:spLocks noGrp="1"/>
+          </p:cNvSpPr>
+          <p:nvPr>
+            <p:ph idx="1"/>
+          </p:nvPr>
+        </p:nvSpPr>
+        <p:spPr/>
+        <p:txBody>
+          <a:bodyPr/>
+          <a:lstStyle/>
+          <a:p>
+            <a:pPr marL="0" indent="0">
+              <a:buNone/>
+            </a:pPr>
+            <a:r>
+              <a:rPr lang="en-US" dirty="0" smtClean="0"/>
+              <a:t>1- Classification</a:t>
+            </a:r>
+          </a:p>
+          <a:p>
+            <a:pPr marL="0" indent="0">
+              <a:buNone/>
+            </a:pPr>
+            <a:r>
+              <a:rPr lang="en-US" dirty="0"/>
+              <a:t>2</a:t>
+            </a:r>
+            <a:r>
+              <a:rPr lang="en-US" dirty="0" smtClean="0"/>
+              <a:t>- </a:t>
+            </a:r>
+            <a:r>
+              <a:rPr lang="en-US" dirty="0" smtClean="0"/>
+              <a:t>Regression</a:t>
+            </a:r>
+            <a:endParaRPr lang="en-US" dirty="0" smtClean="0"/>
+          </a:p>
+        </p:txBody>
+      </p:sp>
+      <p:pic>
+        <p:nvPicPr>
+          <p:cNvPr id="4" name="Picture 3"/>
+          <p:cNvPicPr>
+            <a:picLocks noChangeAspect="1"/>
+          </p:cNvPicPr>
+          <p:nvPr/>
+        </p:nvPicPr>
+        <p:blipFill>
+          <a:blip r:embed="rId2">
+            <a:extLst>
+              <a:ext uri="{28A0092B-C50C-407E-A947-70E740481C1C}">
+                <a14:useLocalDpi xmlns:a14="http://schemas.microsoft.com/office/drawing/2010/main" val="0"/>
+              </a:ext>
+            </a:extLst>
+          </a:blip>
+          <a:stretch>
+            <a:fillRect/>
+          </a:stretch>
+        </p:blipFill>
+        <p:spPr>
+          <a:xfrm>
+            <a:off x="3119437" y="2965541"/>
+            <a:ext cx="5953125" cy="3314700"/>
+          </a:xfrm>
+          <a:prstGeom prst="rect">
+            <a:avLst/>
+          </a:prstGeom>
+        </p:spPr>
+      </p:pic>
+      <p:sp>
+        <p:nvSpPr>
+          <p:cNvPr id="5" name="TextBox 4"/>
+          <p:cNvSpPr txBox="1"/>
+          <p:nvPr/>
+        </p:nvSpPr>
+        <p:spPr>
+          <a:xfrm>
+            <a:off x="4423955" y="1722347"/>
+            <a:ext cx="7768045" cy="1754326"/>
+          </a:xfrm>
+          <a:prstGeom prst="rect">
+            <a:avLst/>
+          </a:prstGeom>
+          <a:noFill/>
+        </p:spPr>
+        <p:txBody>
+          <a:bodyPr wrap="square" rtlCol="0">
+            <a:spAutoFit/>
+          </a:bodyPr>
+          <a:lstStyle/>
+          <a:p>
+            <a:r>
+              <a:rPr lang="en-US" dirty="0"/>
+              <a:t>The main difference between Regression and Classification algorithms </a:t>
+            </a:r>
+            <a:r>
+              <a:rPr lang="en-US" dirty="0" smtClean="0"/>
+              <a:t>is that </a:t>
+            </a:r>
+            <a:r>
+              <a:rPr lang="en-US" dirty="0"/>
+              <a:t>Regression algorithms are used to </a:t>
+            </a:r>
+            <a:r>
+              <a:rPr lang="en-US" b="1" dirty="0"/>
+              <a:t>predict the continuous</a:t>
+            </a:r>
+            <a:r>
+              <a:rPr lang="en-US" dirty="0"/>
+              <a:t> values such as price, salary, age, etc. and Classification algorithms are used to </a:t>
+            </a:r>
+            <a:r>
+              <a:rPr lang="en-US" b="1" dirty="0"/>
+              <a:t>predict/Classify the discrete values</a:t>
+            </a:r>
+            <a:r>
+              <a:rPr lang="en-US" dirty="0"/>
+              <a:t> such as Male or Female, True or False, Spam or Not Spam, etc.</a:t>
+            </a:r>
+          </a:p>
+          <a:p>
+            <a:r>
+              <a:rPr lang="en-US" dirty="0"/>
+              <a:t/>
+            </a:r>
+            <a:br>
+              <a:rPr lang="en-US" dirty="0"/>
+            </a:br>
+            <a:endParaRPr lang="en-US" dirty="0"/>
+          </a:p>
+        </p:txBody>
+      </p:sp>
+    </p:spTree>
+    <p:extLst>
+      <p:ext uri="{BB962C8B-B14F-4D97-AF65-F5344CB8AC3E}">
+        <p14:creationId xmlns:p14="http://schemas.microsoft.com/office/powerpoint/2010/main" val="1149135147"/>
+      </p:ext>
+    </p:extLst>
+  </p:cSld>
+  <p:clrMapOvr>
+    <a:masterClrMapping/>
+  </p:clrMapOvr>
+  <p:timing>
+    <p:tnLst>
+      <p:par>
+        <p:cTn id="1" dur="indefinite" restart="never" nodeType="tmRoot"/>
+      </p:par>
+    </p:tnLst>
+  </p:timing>
+</p:sld>
+</file>
+
+<file path=ppt/slides/slide14.xml><?xml version="1.0" encoding="utf-8"?>
+<p:sld xmlns:a="http://schemas.openxmlformats.org/drawingml/2006/main" xmlns:r="http://schemas.openxmlformats.org/officeDocument/2006/relationships" xmlns:p="http://schemas.openxmlformats.org/presentationml/2006/main">
+  <p:cSld>
+    <p:spTree>
+      <p:nvGrpSpPr>
+        <p:cNvPr id="1" name=""/>
+        <p:cNvGrpSpPr/>
+        <p:nvPr/>
+      </p:nvGrpSpPr>
+      <p:grpSpPr>
+        <a:xfrm>
+          <a:off x="0" y="0"/>
+          <a:ext cx="0" cy="0"/>
+          <a:chOff x="0" y="0"/>
+          <a:chExt cx="0" cy="0"/>
+        </a:xfrm>
+      </p:grpSpPr>
+      <p:sp>
+        <p:nvSpPr>
+          <p:cNvPr id="5" name="Text Placeholder 4"/>
+          <p:cNvSpPr>
+            <a:spLocks noGrp="1"/>
+          </p:cNvSpPr>
+          <p:nvPr>
+            <p:ph type="body" idx="1"/>
+          </p:nvPr>
+        </p:nvSpPr>
+        <p:spPr>
+          <a:xfrm>
+            <a:off x="839788" y="592591"/>
+            <a:ext cx="5157787" cy="823912"/>
+          </a:xfrm>
+        </p:spPr>
+        <p:txBody>
+          <a:bodyPr/>
+          <a:lstStyle/>
+          <a:p>
+            <a:r>
+              <a:rPr lang="en-US" dirty="0" smtClean="0"/>
+              <a:t>Classification</a:t>
+            </a:r>
+            <a:endParaRPr lang="en-US" dirty="0"/>
+          </a:p>
+        </p:txBody>
+      </p:sp>
+      <p:sp>
+        <p:nvSpPr>
+          <p:cNvPr id="6" name="Content Placeholder 5"/>
+          <p:cNvSpPr>
+            <a:spLocks noGrp="1"/>
+          </p:cNvSpPr>
+          <p:nvPr>
+            <p:ph sz="half" idx="2"/>
+          </p:nvPr>
+        </p:nvSpPr>
+        <p:spPr>
+          <a:xfrm>
+            <a:off x="839788" y="1994263"/>
+            <a:ext cx="5157787" cy="4517617"/>
+          </a:xfrm>
+        </p:spPr>
+        <p:txBody>
+          <a:bodyPr/>
+          <a:lstStyle/>
+          <a:p>
+            <a:r>
+              <a:rPr lang="en-US" dirty="0" smtClean="0"/>
+              <a:t>Predicts discrete class labels</a:t>
+            </a:r>
+          </a:p>
+          <a:p>
+            <a:endParaRPr lang="en-US" dirty="0"/>
+          </a:p>
+          <a:p>
+            <a:r>
+              <a:rPr lang="en-US" dirty="0" smtClean="0"/>
+              <a:t>Examples:</a:t>
+            </a:r>
+          </a:p>
+          <a:p>
+            <a:pPr lvl="1"/>
+            <a:r>
+              <a:rPr lang="en-US" dirty="0"/>
+              <a:t>Spam filtering</a:t>
+            </a:r>
+          </a:p>
+          <a:p>
+            <a:pPr lvl="1"/>
+            <a:r>
+              <a:rPr lang="en-US" dirty="0"/>
+              <a:t>Sentiment analysis</a:t>
+            </a:r>
+          </a:p>
+          <a:p>
+            <a:pPr lvl="1"/>
+            <a:r>
+              <a:rPr lang="en-US" dirty="0"/>
+              <a:t>Image </a:t>
+            </a:r>
+            <a:r>
+              <a:rPr lang="en-US" dirty="0" smtClean="0"/>
+              <a:t>classification</a:t>
+            </a:r>
+            <a:endParaRPr lang="en-US" dirty="0"/>
+          </a:p>
+        </p:txBody>
+      </p:sp>
+      <p:sp>
+        <p:nvSpPr>
+          <p:cNvPr id="7" name="Text Placeholder 6"/>
+          <p:cNvSpPr>
+            <a:spLocks noGrp="1"/>
+          </p:cNvSpPr>
+          <p:nvPr>
+            <p:ph type="body" sz="quarter" idx="3"/>
+          </p:nvPr>
+        </p:nvSpPr>
+        <p:spPr>
+          <a:xfrm>
+            <a:off x="6172200" y="592591"/>
+            <a:ext cx="5183188" cy="823912"/>
+          </a:xfrm>
+        </p:spPr>
+        <p:txBody>
+          <a:bodyPr/>
+          <a:lstStyle/>
+          <a:p>
+            <a:r>
+              <a:rPr lang="en-US" dirty="0" smtClean="0"/>
+              <a:t>Regression</a:t>
+            </a:r>
+            <a:endParaRPr lang="en-US" dirty="0"/>
+          </a:p>
+        </p:txBody>
+      </p:sp>
+      <p:sp>
+        <p:nvSpPr>
+          <p:cNvPr id="8" name="Content Placeholder 7"/>
+          <p:cNvSpPr>
+            <a:spLocks noGrp="1"/>
+          </p:cNvSpPr>
+          <p:nvPr>
+            <p:ph sz="quarter" idx="4"/>
+          </p:nvPr>
+        </p:nvSpPr>
+        <p:spPr>
+          <a:xfrm>
+            <a:off x="6172200" y="1994263"/>
+            <a:ext cx="5183188" cy="4517617"/>
+          </a:xfrm>
+        </p:spPr>
+        <p:txBody>
+          <a:bodyPr/>
+          <a:lstStyle/>
+          <a:p>
+            <a:r>
+              <a:rPr lang="en-US" dirty="0" smtClean="0"/>
+              <a:t>Predicts continuous labels</a:t>
+            </a:r>
+          </a:p>
+          <a:p>
+            <a:endParaRPr lang="en-US" dirty="0"/>
+          </a:p>
+          <a:p>
+            <a:r>
+              <a:rPr lang="en-US" dirty="0" smtClean="0"/>
+              <a:t>Examples:</a:t>
+            </a:r>
+          </a:p>
+          <a:p>
+            <a:pPr lvl="1"/>
+            <a:r>
+              <a:rPr lang="en-US" dirty="0" smtClean="0"/>
+              <a:t>Predict stock market prices</a:t>
+            </a:r>
+          </a:p>
+          <a:p>
+            <a:pPr lvl="1"/>
+            <a:r>
+              <a:rPr lang="en-US" dirty="0" smtClean="0"/>
+              <a:t>Life age expectancy</a:t>
+            </a:r>
+          </a:p>
+          <a:p>
+            <a:pPr lvl="1"/>
+            <a:r>
+              <a:rPr lang="en-US" dirty="0" smtClean="0"/>
+              <a:t>Forecasting revenues and expenses</a:t>
+            </a:r>
+          </a:p>
+        </p:txBody>
+      </p:sp>
+    </p:spTree>
+    <p:extLst>
+      <p:ext uri="{BB962C8B-B14F-4D97-AF65-F5344CB8AC3E}">
+        <p14:creationId xmlns:p14="http://schemas.microsoft.com/office/powerpoint/2010/main" val="475480525"/>
+      </p:ext>
+    </p:extLst>
+  </p:cSld>
+  <p:clrMapOvr>
+    <a:masterClrMapping/>
+  </p:clrMapOvr>
+  <p:timing>
+    <p:tnLst>
+      <p:par>
+        <p:cTn id="1" dur="indefinite" restart="never" nodeType="tmRoot"/>
+      </p:par>
+    </p:tnLst>
+  </p:timing>
+</p:sld>
+</file>
+
+<file path=ppt/slides/slide15.xml><?xml version="1.0" encoding="utf-8"?>
+<p:sld xmlns:a="http://schemas.openxmlformats.org/drawingml/2006/main" xmlns:r="http://schemas.openxmlformats.org/officeDocument/2006/relationships" xmlns:p="http://schemas.openxmlformats.org/presentationml/2006/main">
+  <p:cSld>
+    <p:spTree>
+      <p:nvGrpSpPr>
+        <p:cNvPr id="1" name=""/>
+        <p:cNvGrpSpPr/>
+        <p:nvPr/>
+      </p:nvGrpSpPr>
+      <p:grpSpPr>
+        <a:xfrm>
+          <a:off x="0" y="0"/>
+          <a:ext cx="0" cy="0"/>
+          <a:chOff x="0" y="0"/>
+          <a:chExt cx="0" cy="0"/>
+        </a:xfrm>
+      </p:grpSpPr>
+      <p:sp>
+        <p:nvSpPr>
+          <p:cNvPr id="2" name="Title 1"/>
+          <p:cNvSpPr>
+            <a:spLocks noGrp="1"/>
+          </p:cNvSpPr>
+          <p:nvPr>
+            <p:ph type="title"/>
+          </p:nvPr>
+        </p:nvSpPr>
+        <p:spPr/>
+        <p:txBody>
+          <a:bodyPr/>
+          <a:lstStyle/>
+          <a:p>
+            <a:r>
+              <a:rPr lang="en-US" dirty="0" smtClean="0"/>
+              <a:t>Classification </a:t>
+            </a:r>
+            <a:r>
+              <a:rPr lang="en-US" dirty="0" smtClean="0"/>
+              <a:t>Example</a:t>
+            </a:r>
+            <a:endParaRPr lang="en-US" dirty="0"/>
+          </a:p>
+        </p:txBody>
+      </p:sp>
+      <p:pic>
+        <p:nvPicPr>
+          <p:cNvPr id="6" name="Content Placeholder 5"/>
+          <p:cNvPicPr>
+            <a:picLocks noGrp="1" noChangeAspect="1"/>
+          </p:cNvPicPr>
+          <p:nvPr>
+            <p:ph idx="1"/>
+          </p:nvPr>
+        </p:nvPicPr>
+        <p:blipFill>
+          <a:blip r:embed="rId2">
+            <a:extLst>
+              <a:ext uri="{28A0092B-C50C-407E-A947-70E740481C1C}">
+                <a14:useLocalDpi xmlns:a14="http://schemas.microsoft.com/office/drawing/2010/main" val="0"/>
+              </a:ext>
+            </a:extLst>
+          </a:blip>
+          <a:stretch>
+            <a:fillRect/>
+          </a:stretch>
+        </p:blipFill>
+        <p:spPr>
+          <a:xfrm>
+            <a:off x="3032040" y="1825625"/>
+            <a:ext cx="6127920" cy="4351338"/>
+          </a:xfrm>
+        </p:spPr>
+      </p:pic>
+    </p:spTree>
+    <p:extLst>
+      <p:ext uri="{BB962C8B-B14F-4D97-AF65-F5344CB8AC3E}">
+        <p14:creationId xmlns:p14="http://schemas.microsoft.com/office/powerpoint/2010/main" val="3262891018"/>
+      </p:ext>
+    </p:extLst>
+  </p:cSld>
+  <p:clrMapOvr>
+    <a:masterClrMapping/>
+  </p:clrMapOvr>
+  <p:timing>
+    <p:tnLst>
+      <p:par>
+        <p:cTn id="1" dur="indefinite" restart="never" nodeType="tmRoot"/>
+      </p:par>
+    </p:tnLst>
+  </p:timing>
+</p:sld>
+</file>
+
+<file path=ppt/slides/slide16.xml><?xml version="1.0" encoding="utf-8"?>
+<p:sld xmlns:a="http://schemas.openxmlformats.org/drawingml/2006/main" xmlns:r="http://schemas.openxmlformats.org/officeDocument/2006/relationships" xmlns:p="http://schemas.openxmlformats.org/presentationml/2006/main">
+  <p:cSld>
+    <p:spTree>
+      <p:nvGrpSpPr>
+        <p:cNvPr id="1" name=""/>
+        <p:cNvGrpSpPr/>
+        <p:nvPr/>
+      </p:nvGrpSpPr>
+      <p:grpSpPr>
+        <a:xfrm>
+          <a:off x="0" y="0"/>
+          <a:ext cx="0" cy="0"/>
+          <a:chOff x="0" y="0"/>
+          <a:chExt cx="0" cy="0"/>
+        </a:xfrm>
+      </p:grpSpPr>
+      <p:sp>
+        <p:nvSpPr>
+          <p:cNvPr id="2" name="Title 1"/>
+          <p:cNvSpPr>
+            <a:spLocks noGrp="1"/>
+          </p:cNvSpPr>
+          <p:nvPr>
+            <p:ph type="title"/>
+          </p:nvPr>
+        </p:nvSpPr>
+        <p:spPr/>
+        <p:txBody>
+          <a:bodyPr/>
+          <a:lstStyle/>
+          <a:p>
+            <a:r>
+              <a:rPr lang="en-US" dirty="0" smtClean="0"/>
+              <a:t>Linear classifier: perfect fit</a:t>
+            </a:r>
+            <a:endParaRPr lang="en-US" dirty="0"/>
+          </a:p>
+        </p:txBody>
+      </p:sp>
+      <p:pic>
+        <p:nvPicPr>
+          <p:cNvPr id="4" name="Content Placeholder 3"/>
+          <p:cNvPicPr>
+            <a:picLocks noGrp="1" noChangeAspect="1"/>
+          </p:cNvPicPr>
+          <p:nvPr>
+            <p:ph idx="1"/>
+          </p:nvPr>
+        </p:nvPicPr>
+        <p:blipFill>
+          <a:blip r:embed="rId2">
+            <a:extLst>
+              <a:ext uri="{28A0092B-C50C-407E-A947-70E740481C1C}">
+                <a14:useLocalDpi xmlns:a14="http://schemas.microsoft.com/office/drawing/2010/main" val="0"/>
+              </a:ext>
+            </a:extLst>
+          </a:blip>
+          <a:stretch>
+            <a:fillRect/>
+          </a:stretch>
+        </p:blipFill>
+        <p:spPr>
+          <a:xfrm>
+            <a:off x="3032040" y="1825625"/>
+            <a:ext cx="6127920" cy="4351338"/>
+          </a:xfrm>
+        </p:spPr>
+      </p:pic>
+    </p:spTree>
+    <p:extLst>
+      <p:ext uri="{BB962C8B-B14F-4D97-AF65-F5344CB8AC3E}">
+        <p14:creationId xmlns:p14="http://schemas.microsoft.com/office/powerpoint/2010/main" val="1898296212"/>
+      </p:ext>
+    </p:extLst>
+  </p:cSld>
+  <p:clrMapOvr>
+    <a:masterClrMapping/>
+  </p:clrMapOvr>
+  <p:timing>
+    <p:tnLst>
+      <p:par>
+        <p:cTn id="1" dur="indefinite" restart="never" nodeType="tmRoot"/>
+      </p:par>
+    </p:tnLst>
+  </p:timing>
+</p:sld>
+</file>
+
+<file path=ppt/slides/slide17.xml><?xml version="1.0" encoding="utf-8"?>
+<p:sld xmlns:a="http://schemas.openxmlformats.org/drawingml/2006/main" xmlns:r="http://schemas.openxmlformats.org/officeDocument/2006/relationships" xmlns:p="http://schemas.openxmlformats.org/presentationml/2006/main">
+  <p:cSld>
+    <p:spTree>
+      <p:nvGrpSpPr>
+        <p:cNvPr id="1" name=""/>
+        <p:cNvGrpSpPr/>
+        <p:nvPr/>
+      </p:nvGrpSpPr>
+      <p:grpSpPr>
+        <a:xfrm>
+          <a:off x="0" y="0"/>
+          <a:ext cx="0" cy="0"/>
+          <a:chOff x="0" y="0"/>
+          <a:chExt cx="0" cy="0"/>
+        </a:xfrm>
+      </p:grpSpPr>
+      <p:sp>
+        <p:nvSpPr>
+          <p:cNvPr id="2" name="Title 1"/>
+          <p:cNvSpPr>
+            <a:spLocks noGrp="1"/>
+          </p:cNvSpPr>
+          <p:nvPr>
+            <p:ph type="title"/>
+          </p:nvPr>
+        </p:nvSpPr>
+        <p:spPr/>
+        <p:txBody>
+          <a:bodyPr/>
+          <a:lstStyle/>
+          <a:p>
+            <a:r>
+              <a:rPr lang="en-US" dirty="0"/>
+              <a:t>Linear classifier: perfect fit</a:t>
+            </a:r>
+          </a:p>
+        </p:txBody>
+      </p:sp>
+      <p:pic>
+        <p:nvPicPr>
+          <p:cNvPr id="4" name="Content Placeholder 3"/>
+          <p:cNvPicPr>
+            <a:picLocks noGrp="1" noChangeAspect="1"/>
+          </p:cNvPicPr>
+          <p:nvPr>
+            <p:ph idx="1"/>
+          </p:nvPr>
+        </p:nvPicPr>
+        <p:blipFill>
+          <a:blip r:embed="rId2">
+            <a:extLst>
+              <a:ext uri="{28A0092B-C50C-407E-A947-70E740481C1C}">
+                <a14:useLocalDpi xmlns:a14="http://schemas.microsoft.com/office/drawing/2010/main" val="0"/>
+              </a:ext>
+            </a:extLst>
+          </a:blip>
+          <a:stretch>
+            <a:fillRect/>
+          </a:stretch>
+        </p:blipFill>
+        <p:spPr>
+          <a:xfrm>
+            <a:off x="3032040" y="1825625"/>
+            <a:ext cx="6127920" cy="4351338"/>
+          </a:xfrm>
+        </p:spPr>
+      </p:pic>
+    </p:spTree>
+    <p:extLst>
+      <p:ext uri="{BB962C8B-B14F-4D97-AF65-F5344CB8AC3E}">
+        <p14:creationId xmlns:p14="http://schemas.microsoft.com/office/powerpoint/2010/main" val="2807536160"/>
+      </p:ext>
+    </p:extLst>
+  </p:cSld>
+  <p:clrMapOvr>
+    <a:masterClrMapping/>
+  </p:clrMapOvr>
+  <p:timing>
+    <p:tnLst>
+      <p:par>
+        <p:cTn id="1" dur="indefinite" restart="never" nodeType="tmRoot"/>
+      </p:par>
+    </p:tnLst>
+  </p:timing>
+</p:sld>
+</file>
+
+<file path=ppt/slides/slide18.xml><?xml version="1.0" encoding="utf-8"?>
+<p:sld xmlns:a="http://schemas.openxmlformats.org/drawingml/2006/main" xmlns:r="http://schemas.openxmlformats.org/officeDocument/2006/relationships" xmlns:p="http://schemas.openxmlformats.org/presentationml/2006/main">
+  <p:cSld>
+    <p:spTree>
+      <p:nvGrpSpPr>
+        <p:cNvPr id="1" name=""/>
+        <p:cNvGrpSpPr/>
+        <p:nvPr/>
+      </p:nvGrpSpPr>
+      <p:grpSpPr>
+        <a:xfrm>
+          <a:off x="0" y="0"/>
+          <a:ext cx="0" cy="0"/>
+          <a:chOff x="0" y="0"/>
+          <a:chExt cx="0" cy="0"/>
+        </a:xfrm>
+      </p:grpSpPr>
+      <p:sp>
+        <p:nvSpPr>
+          <p:cNvPr id="2" name="Title 1"/>
+          <p:cNvSpPr>
+            <a:spLocks noGrp="1"/>
+          </p:cNvSpPr>
+          <p:nvPr>
+            <p:ph type="title"/>
+          </p:nvPr>
+        </p:nvSpPr>
+        <p:spPr/>
+        <p:txBody>
+          <a:bodyPr/>
+          <a:lstStyle/>
+          <a:p>
+            <a:r>
+              <a:rPr lang="en-US" dirty="0" smtClean="0"/>
+              <a:t>Limitation of a linear classifier (non-linearly separable data)</a:t>
+            </a:r>
+            <a:endParaRPr lang="en-US" dirty="0"/>
+          </a:p>
+        </p:txBody>
+      </p:sp>
+      <p:pic>
+        <p:nvPicPr>
+          <p:cNvPr id="7" name="Content Placeholder 6"/>
+          <p:cNvPicPr>
+            <a:picLocks noGrp="1" noChangeAspect="1"/>
+          </p:cNvPicPr>
+          <p:nvPr>
+            <p:ph idx="1"/>
+          </p:nvPr>
+        </p:nvPicPr>
+        <p:blipFill>
+          <a:blip r:embed="rId2">
+            <a:extLst>
+              <a:ext uri="{28A0092B-C50C-407E-A947-70E740481C1C}">
+                <a14:useLocalDpi xmlns:a14="http://schemas.microsoft.com/office/drawing/2010/main" val="0"/>
+              </a:ext>
+            </a:extLst>
+          </a:blip>
+          <a:stretch>
+            <a:fillRect/>
+          </a:stretch>
+        </p:blipFill>
+        <p:spPr>
+          <a:xfrm>
+            <a:off x="3032040" y="1825625"/>
+            <a:ext cx="6127920" cy="4351338"/>
+          </a:xfrm>
+        </p:spPr>
+      </p:pic>
+    </p:spTree>
+    <p:extLst>
+      <p:ext uri="{BB962C8B-B14F-4D97-AF65-F5344CB8AC3E}">
+        <p14:creationId xmlns:p14="http://schemas.microsoft.com/office/powerpoint/2010/main" val="2252945352"/>
+      </p:ext>
+    </p:extLst>
+  </p:cSld>
+  <p:clrMapOvr>
+    <a:masterClrMapping/>
+  </p:clrMapOvr>
+  <p:timing>
+    <p:tnLst>
+      <p:par>
+        <p:cTn id="1" dur="indefinite" restart="never" nodeType="tmRoot"/>
+      </p:par>
+    </p:tnLst>
+  </p:timing>
+</p:sld>
+</file>
+
+<file path=ppt/slides/slide19.xml><?xml version="1.0" encoding="utf-8"?>
+<p:sld xmlns:a="http://schemas.openxmlformats.org/drawingml/2006/main" xmlns:r="http://schemas.openxmlformats.org/officeDocument/2006/relationships" xmlns:p="http://schemas.openxmlformats.org/presentationml/2006/main">
+  <p:cSld>
+    <p:spTree>
+      <p:nvGrpSpPr>
+        <p:cNvPr id="1" name=""/>
+        <p:cNvGrpSpPr/>
+        <p:nvPr/>
+      </p:nvGrpSpPr>
+      <p:grpSpPr>
+        <a:xfrm>
+          <a:off x="0" y="0"/>
+          <a:ext cx="0" cy="0"/>
+          <a:chOff x="0" y="0"/>
+          <a:chExt cx="0" cy="0"/>
+        </a:xfrm>
+      </p:grpSpPr>
+      <p:sp>
+        <p:nvSpPr>
+          <p:cNvPr id="2" name="Title 1"/>
+          <p:cNvSpPr>
+            <a:spLocks noGrp="1"/>
+          </p:cNvSpPr>
+          <p:nvPr>
+            <p:ph type="title"/>
+          </p:nvPr>
+        </p:nvSpPr>
+        <p:spPr/>
+        <p:txBody>
+          <a:bodyPr/>
+          <a:lstStyle/>
+          <a:p>
+            <a:r>
+              <a:rPr lang="en-US" dirty="0"/>
+              <a:t>Limitation of a linear </a:t>
+            </a:r>
+            <a:r>
+              <a:rPr lang="en-US" dirty="0" smtClean="0"/>
+              <a:t>classifier (2)</a:t>
+            </a:r>
+            <a:endParaRPr lang="en-US" dirty="0"/>
+          </a:p>
+        </p:txBody>
+      </p:sp>
+      <p:pic>
+        <p:nvPicPr>
+          <p:cNvPr id="4" name="Content Placeholder 3"/>
+          <p:cNvPicPr>
+            <a:picLocks noGrp="1" noChangeAspect="1"/>
+          </p:cNvPicPr>
+          <p:nvPr>
+            <p:ph idx="1"/>
+          </p:nvPr>
+        </p:nvPicPr>
+        <p:blipFill>
+          <a:blip r:embed="rId2">
+            <a:extLst>
+              <a:ext uri="{28A0092B-C50C-407E-A947-70E740481C1C}">
+                <a14:useLocalDpi xmlns:a14="http://schemas.microsoft.com/office/drawing/2010/main" val="0"/>
+              </a:ext>
+            </a:extLst>
+          </a:blip>
+          <a:stretch>
+            <a:fillRect/>
+          </a:stretch>
+        </p:blipFill>
+        <p:spPr>
+          <a:xfrm>
+            <a:off x="3032040" y="1825625"/>
+            <a:ext cx="6127920" cy="4351338"/>
+          </a:xfrm>
+        </p:spPr>
+      </p:pic>
+    </p:spTree>
+    <p:extLst>
+      <p:ext uri="{BB962C8B-B14F-4D97-AF65-F5344CB8AC3E}">
+        <p14:creationId xmlns:p14="http://schemas.microsoft.com/office/powerpoint/2010/main" val="4292135908"/>
+      </p:ext>
+    </p:extLst>
+  </p:cSld>
+  <p:clrMapOvr>
+    <a:masterClrMapping/>
+  </p:clrMapOvr>
+  <p:timing>
+    <p:tnLst>
+      <p:par>
+        <p:cTn id="1" dur="indefinite" restart="never" nodeType="tmRoot"/>
+      </p:par>
+    </p:tnLst>
+  </p:timing>
+</p:sld>
+</file>
+
+<file path=ppt/slides/slide2.xml><?xml version="1.0" encoding="utf-8"?>
+<p:sld xmlns:a="http://schemas.openxmlformats.org/drawingml/2006/main" xmlns:r="http://schemas.openxmlformats.org/officeDocument/2006/relationships" xmlns:p="http://schemas.openxmlformats.org/presentationml/2006/main">
+  <p:cSld>
+    <p:bg>
+      <p:bgPr>
+        <a:solidFill>
+          <a:schemeClr val="bg1"/>
+        </a:solidFill>
+        <a:effectLst/>
+      </p:bgPr>
+    </p:bg>
+    <p:spTree>
+      <p:nvGrpSpPr>
+        <p:cNvPr id="1" name=""/>
+        <p:cNvGrpSpPr/>
+        <p:nvPr/>
+      </p:nvGrpSpPr>
+      <p:grpSpPr>
+        <a:xfrm>
+          <a:off x="0" y="0"/>
+          <a:ext cx="0" cy="0"/>
+          <a:chOff x="0" y="0"/>
+          <a:chExt cx="0" cy="0"/>
+        </a:xfrm>
+      </p:grpSpPr>
+      <p:sp>
+        <p:nvSpPr>
+          <p:cNvPr id="2" name="Title 1"/>
+          <p:cNvSpPr>
+            <a:spLocks noGrp="1"/>
+          </p:cNvSpPr>
+          <p:nvPr>
+            <p:ph type="title"/>
+          </p:nvPr>
+        </p:nvSpPr>
+        <p:spPr/>
+        <p:txBody>
+          <a:bodyPr/>
+          <a:lstStyle/>
+          <a:p>
+            <a:r>
+              <a:rPr lang="en-US" dirty="0" smtClean="0"/>
+              <a:t>About Me</a:t>
+            </a:r>
+            <a:endParaRPr lang="en-US" dirty="0"/>
+          </a:p>
+        </p:txBody>
+      </p:sp>
+      <p:pic>
+        <p:nvPicPr>
+          <p:cNvPr id="4" name="Content Placeholder 3"/>
+          <p:cNvPicPr>
+            <a:picLocks noGrp="1" noChangeAspect="1"/>
+          </p:cNvPicPr>
+          <p:nvPr>
+            <p:ph idx="1"/>
+          </p:nvPr>
+        </p:nvPicPr>
+        <p:blipFill>
+          <a:blip r:embed="rId2" cstate="print">
+            <a:extLst>
+              <a:ext uri="{28A0092B-C50C-407E-A947-70E740481C1C}">
+                <a14:useLocalDpi xmlns:a14="http://schemas.microsoft.com/office/drawing/2010/main" val="0"/>
+              </a:ext>
+            </a:extLst>
+          </a:blip>
+          <a:stretch>
+            <a:fillRect/>
+          </a:stretch>
+        </p:blipFill>
+        <p:spPr>
+          <a:xfrm>
+            <a:off x="838201" y="1690688"/>
+            <a:ext cx="2522074" cy="4483689"/>
+          </a:xfrm>
+        </p:spPr>
+      </p:pic>
+      <p:sp>
+        <p:nvSpPr>
+          <p:cNvPr id="5" name="TextBox 4"/>
+          <p:cNvSpPr txBox="1"/>
+          <p:nvPr/>
+        </p:nvSpPr>
+        <p:spPr>
+          <a:xfrm>
+            <a:off x="3672840" y="1947373"/>
+            <a:ext cx="7680960" cy="3970318"/>
+          </a:xfrm>
+          <a:prstGeom prst="rect">
+            <a:avLst/>
+          </a:prstGeom>
+          <a:noFill/>
+        </p:spPr>
+        <p:txBody>
+          <a:bodyPr wrap="square" rtlCol="0">
+            <a:spAutoFit/>
+          </a:bodyPr>
+          <a:lstStyle/>
+          <a:p>
+            <a:r>
+              <a:rPr lang="en-US" b="1" i="1" dirty="0" smtClean="0"/>
+              <a:t>My name is Ali Shibli.</a:t>
+            </a:r>
+          </a:p>
+          <a:p>
+            <a:endParaRPr lang="en-US" b="1" i="1" dirty="0" smtClean="0"/>
+          </a:p>
+          <a:p>
+            <a:r>
+              <a:rPr lang="en-US" b="1" i="1" dirty="0" smtClean="0"/>
+              <a:t>I am 24 years old living in Stockholm          originally from Lebanon </a:t>
+            </a:r>
+          </a:p>
+          <a:p>
+            <a:endParaRPr lang="en-US" b="1" i="1" dirty="0"/>
+          </a:p>
+          <a:p>
+            <a:r>
+              <a:rPr lang="en-US" b="1" i="1" dirty="0" smtClean="0"/>
+              <a:t>I am  graduate student with a Machine Learning degree from KTH and background in computer engineering and pure math from AUB (Lebanon).</a:t>
+            </a:r>
+          </a:p>
+          <a:p>
+            <a:endParaRPr lang="en-US" b="1" i="1" dirty="0"/>
+          </a:p>
+          <a:p>
+            <a:r>
+              <a:rPr lang="en-US" b="1" i="1" dirty="0" smtClean="0"/>
+              <a:t>I have 3 years professional experience in machine learning, still growing.</a:t>
+            </a:r>
+          </a:p>
+          <a:p>
+            <a:endParaRPr lang="en-US" b="1" i="1" dirty="0"/>
+          </a:p>
+          <a:p>
+            <a:r>
+              <a:rPr lang="en-US" b="1" i="1" dirty="0" smtClean="0"/>
+              <a:t>My passions are coding, </a:t>
+            </a:r>
+            <a:r>
+              <a:rPr lang="en-US" b="1" i="1" dirty="0" err="1" smtClean="0"/>
+              <a:t>maths</a:t>
+            </a:r>
+            <a:r>
+              <a:rPr lang="en-US" b="1" i="1" dirty="0" smtClean="0"/>
+              <a:t>, sports, and movies..</a:t>
+            </a:r>
+          </a:p>
+          <a:p>
+            <a:endParaRPr lang="en-US" b="1" i="1" dirty="0"/>
+          </a:p>
+          <a:p>
+            <a:r>
+              <a:rPr lang="en-US" b="1" i="1" dirty="0" smtClean="0"/>
+              <a:t>I am so happy to be with you here today!</a:t>
+            </a:r>
+          </a:p>
+          <a:p>
+            <a:endParaRPr lang="en-US" b="1" i="1" dirty="0"/>
+          </a:p>
+          <a:p>
+            <a:r>
+              <a:rPr lang="en-US" b="1" i="1" dirty="0" smtClean="0"/>
+              <a:t>Happy coding day :D</a:t>
+            </a:r>
+          </a:p>
+        </p:txBody>
+      </p:sp>
+      <p:pic>
+        <p:nvPicPr>
+          <p:cNvPr id="6" name="Picture 5"/>
+          <p:cNvPicPr>
+            <a:picLocks noChangeAspect="1"/>
+          </p:cNvPicPr>
+          <p:nvPr/>
+        </p:nvPicPr>
+        <p:blipFill>
+          <a:blip r:embed="rId3" cstate="print">
+            <a:extLst>
+              <a:ext uri="{28A0092B-C50C-407E-A947-70E740481C1C}">
+                <a14:useLocalDpi xmlns:a14="http://schemas.microsoft.com/office/drawing/2010/main" val="0"/>
+              </a:ext>
+            </a:extLst>
+          </a:blip>
+          <a:stretch>
+            <a:fillRect/>
+          </a:stretch>
+        </p:blipFill>
+        <p:spPr>
+          <a:xfrm>
+            <a:off x="10115251" y="2549373"/>
+            <a:ext cx="373381" cy="248921"/>
+          </a:xfrm>
+          <a:prstGeom prst="rect">
+            <a:avLst/>
+          </a:prstGeom>
+        </p:spPr>
+      </p:pic>
+      <p:pic>
+        <p:nvPicPr>
+          <p:cNvPr id="7" name="Picture 6"/>
+          <p:cNvPicPr>
+            <a:picLocks noChangeAspect="1"/>
+          </p:cNvPicPr>
+          <p:nvPr/>
+        </p:nvPicPr>
+        <p:blipFill>
+          <a:blip r:embed="rId4" cstate="print">
+            <a:extLst>
+              <a:ext uri="{28A0092B-C50C-407E-A947-70E740481C1C}">
+                <a14:useLocalDpi xmlns:a14="http://schemas.microsoft.com/office/drawing/2010/main" val="0"/>
+              </a:ext>
+            </a:extLst>
+          </a:blip>
+          <a:stretch>
+            <a:fillRect/>
+          </a:stretch>
+        </p:blipFill>
+        <p:spPr>
+          <a:xfrm>
+            <a:off x="7296149" y="2560160"/>
+            <a:ext cx="373381" cy="227349"/>
+          </a:xfrm>
+          <a:prstGeom prst="rect">
+            <a:avLst/>
+          </a:prstGeom>
+        </p:spPr>
+      </p:pic>
+    </p:spTree>
+    <p:extLst>
+      <p:ext uri="{BB962C8B-B14F-4D97-AF65-F5344CB8AC3E}">
+        <p14:creationId xmlns:p14="http://schemas.microsoft.com/office/powerpoint/2010/main" val="2408424500"/>
+      </p:ext>
+    </p:extLst>
+  </p:cSld>
+  <p:clrMapOvr>
+    <a:masterClrMapping/>
+  </p:clrMapOvr>
+  <p:timing>
+    <p:tnLst>
+      <p:par>
+        <p:cTn id="1" dur="indefinite" restart="never" nodeType="tmRoot"/>
+      </p:par>
+    </p:tnLst>
+  </p:timing>
+</p:sld>
+</file>
+
+<file path=ppt/slides/slide20.xml><?xml version="1.0" encoding="utf-8"?>
+<p:sld xmlns:a="http://schemas.openxmlformats.org/drawingml/2006/main" xmlns:r="http://schemas.openxmlformats.org/officeDocument/2006/relationships" xmlns:p="http://schemas.openxmlformats.org/presentationml/2006/main">
+  <p:cSld>
+    <p:spTree>
+      <p:nvGrpSpPr>
+        <p:cNvPr id="1" name=""/>
+        <p:cNvGrpSpPr/>
+        <p:nvPr/>
+      </p:nvGrpSpPr>
+      <p:grpSpPr>
+        <a:xfrm>
+          <a:off x="0" y="0"/>
+          <a:ext cx="0" cy="0"/>
+          <a:chOff x="0" y="0"/>
+          <a:chExt cx="0" cy="0"/>
+        </a:xfrm>
+      </p:grpSpPr>
+      <p:sp>
+        <p:nvSpPr>
+          <p:cNvPr id="2" name="Title 1"/>
+          <p:cNvSpPr>
+            <a:spLocks noGrp="1"/>
+          </p:cNvSpPr>
+          <p:nvPr>
+            <p:ph type="title"/>
+          </p:nvPr>
+        </p:nvSpPr>
+        <p:spPr/>
+        <p:txBody>
+          <a:bodyPr/>
+          <a:lstStyle/>
+          <a:p>
+            <a:r>
+              <a:rPr lang="en-US" dirty="0"/>
+              <a:t>Limitation of a linear classifier </a:t>
+            </a:r>
+            <a:r>
+              <a:rPr lang="en-US" dirty="0" smtClean="0"/>
+              <a:t>(3)</a:t>
+            </a:r>
+            <a:endParaRPr lang="en-US" dirty="0"/>
+          </a:p>
+        </p:txBody>
+      </p:sp>
+      <p:pic>
+        <p:nvPicPr>
+          <p:cNvPr id="4" name="Content Placeholder 3"/>
+          <p:cNvPicPr>
+            <a:picLocks noGrp="1" noChangeAspect="1"/>
+          </p:cNvPicPr>
+          <p:nvPr>
+            <p:ph idx="1"/>
+          </p:nvPr>
+        </p:nvPicPr>
+        <p:blipFill>
+          <a:blip r:embed="rId2">
+            <a:extLst>
+              <a:ext uri="{28A0092B-C50C-407E-A947-70E740481C1C}">
+                <a14:useLocalDpi xmlns:a14="http://schemas.microsoft.com/office/drawing/2010/main" val="0"/>
+              </a:ext>
+            </a:extLst>
+          </a:blip>
+          <a:stretch>
+            <a:fillRect/>
+          </a:stretch>
+        </p:blipFill>
+        <p:spPr>
+          <a:xfrm>
+            <a:off x="3032040" y="1825625"/>
+            <a:ext cx="6127920" cy="4351338"/>
+          </a:xfrm>
+        </p:spPr>
+      </p:pic>
+      <p:sp>
+        <p:nvSpPr>
+          <p:cNvPr id="5" name="TextBox 4"/>
+          <p:cNvSpPr txBox="1"/>
+          <p:nvPr/>
+        </p:nvSpPr>
+        <p:spPr>
+          <a:xfrm>
+            <a:off x="838200" y="2356338"/>
+            <a:ext cx="2162908" cy="1200329"/>
+          </a:xfrm>
+          <a:prstGeom prst="rect">
+            <a:avLst/>
+          </a:prstGeom>
+          <a:noFill/>
+        </p:spPr>
+        <p:txBody>
+          <a:bodyPr wrap="square" rtlCol="0">
+            <a:spAutoFit/>
+          </a:bodyPr>
+          <a:lstStyle/>
+          <a:p>
+            <a:r>
+              <a:rPr lang="en-US" dirty="0" smtClean="0"/>
+              <a:t>A “good” linear classifier can at best make 3 mistakes in this example.</a:t>
+            </a:r>
+            <a:endParaRPr lang="en-US" dirty="0"/>
+          </a:p>
+        </p:txBody>
+      </p:sp>
+    </p:spTree>
+    <p:extLst>
+      <p:ext uri="{BB962C8B-B14F-4D97-AF65-F5344CB8AC3E}">
+        <p14:creationId xmlns:p14="http://schemas.microsoft.com/office/powerpoint/2010/main" val="1372112797"/>
+      </p:ext>
+    </p:extLst>
+  </p:cSld>
+  <p:clrMapOvr>
+    <a:masterClrMapping/>
+  </p:clrMapOvr>
+  <p:timing>
+    <p:tnLst>
+      <p:par>
+        <p:cTn id="1" dur="indefinite" restart="never" nodeType="tmRoot"/>
+      </p:par>
+    </p:tnLst>
+  </p:timing>
+</p:sld>
+</file>
+
+<file path=ppt/slides/slide21.xml><?xml version="1.0" encoding="utf-8"?>
+<p:sld xmlns:a="http://schemas.openxmlformats.org/drawingml/2006/main" xmlns:r="http://schemas.openxmlformats.org/officeDocument/2006/relationships" xmlns:p="http://schemas.openxmlformats.org/presentationml/2006/main">
+  <p:cSld>
+    <p:spTree>
+      <p:nvGrpSpPr>
+        <p:cNvPr id="1" name=""/>
+        <p:cNvGrpSpPr/>
+        <p:nvPr/>
+      </p:nvGrpSpPr>
+      <p:grpSpPr>
+        <a:xfrm>
+          <a:off x="0" y="0"/>
+          <a:ext cx="0" cy="0"/>
+          <a:chOff x="0" y="0"/>
+          <a:chExt cx="0" cy="0"/>
+        </a:xfrm>
+      </p:grpSpPr>
+      <p:sp>
+        <p:nvSpPr>
+          <p:cNvPr id="2" name="Title 1"/>
+          <p:cNvSpPr>
+            <a:spLocks noGrp="1"/>
+          </p:cNvSpPr>
+          <p:nvPr>
+            <p:ph type="title"/>
+          </p:nvPr>
+        </p:nvSpPr>
+        <p:spPr/>
+        <p:txBody>
+          <a:bodyPr/>
+          <a:lstStyle/>
+          <a:p>
+            <a:r>
+              <a:rPr lang="en-US" dirty="0" smtClean="0"/>
+              <a:t>Generalizing to non linear models</a:t>
+            </a:r>
+            <a:endParaRPr lang="en-US" dirty="0"/>
+          </a:p>
+        </p:txBody>
+      </p:sp>
+      <p:pic>
+        <p:nvPicPr>
+          <p:cNvPr id="4" name="Content Placeholder 3"/>
+          <p:cNvPicPr>
+            <a:picLocks noGrp="1" noChangeAspect="1"/>
+          </p:cNvPicPr>
+          <p:nvPr>
+            <p:ph idx="1"/>
+          </p:nvPr>
+        </p:nvPicPr>
+        <p:blipFill>
+          <a:blip r:embed="rId2">
+            <a:extLst>
+              <a:ext uri="{28A0092B-C50C-407E-A947-70E740481C1C}">
+                <a14:useLocalDpi xmlns:a14="http://schemas.microsoft.com/office/drawing/2010/main" val="0"/>
+              </a:ext>
+            </a:extLst>
+          </a:blip>
+          <a:stretch>
+            <a:fillRect/>
+          </a:stretch>
+        </p:blipFill>
+        <p:spPr>
+          <a:xfrm>
+            <a:off x="3032040" y="1825625"/>
+            <a:ext cx="6127920" cy="4351338"/>
+          </a:xfrm>
+        </p:spPr>
+      </p:pic>
+    </p:spTree>
+    <p:extLst>
+      <p:ext uri="{BB962C8B-B14F-4D97-AF65-F5344CB8AC3E}">
+        <p14:creationId xmlns:p14="http://schemas.microsoft.com/office/powerpoint/2010/main" val="3452478654"/>
+      </p:ext>
+    </p:extLst>
+  </p:cSld>
+  <p:clrMapOvr>
+    <a:masterClrMapping/>
+  </p:clrMapOvr>
+  <p:timing>
+    <p:tnLst>
+      <p:par>
+        <p:cTn id="1" dur="indefinite" restart="never" nodeType="tmRoot"/>
+      </p:par>
+    </p:tnLst>
+  </p:timing>
+</p:sld>
+</file>
+
+<file path=ppt/slides/slide22.xml><?xml version="1.0" encoding="utf-8"?>
+<p:sld xmlns:a="http://schemas.openxmlformats.org/drawingml/2006/main" xmlns:r="http://schemas.openxmlformats.org/officeDocument/2006/relationships" xmlns:p="http://schemas.openxmlformats.org/presentationml/2006/main">
+  <p:cSld>
+    <p:spTree>
+      <p:nvGrpSpPr>
+        <p:cNvPr id="1" name=""/>
+        <p:cNvGrpSpPr/>
+        <p:nvPr/>
+      </p:nvGrpSpPr>
+      <p:grpSpPr>
+        <a:xfrm>
+          <a:off x="0" y="0"/>
+          <a:ext cx="0" cy="0"/>
+          <a:chOff x="0" y="0"/>
+          <a:chExt cx="0" cy="0"/>
+        </a:xfrm>
+      </p:grpSpPr>
+      <p:sp>
+        <p:nvSpPr>
+          <p:cNvPr id="2" name="Title 1"/>
+          <p:cNvSpPr>
+            <a:spLocks noGrp="1"/>
+          </p:cNvSpPr>
+          <p:nvPr>
+            <p:ph type="title"/>
+          </p:nvPr>
+        </p:nvSpPr>
+        <p:spPr/>
+        <p:txBody>
+          <a:bodyPr/>
+          <a:lstStyle/>
+          <a:p>
+            <a:r>
+              <a:rPr lang="en-US" dirty="0"/>
+              <a:t>Generalizing to non linear models</a:t>
+            </a:r>
+          </a:p>
+        </p:txBody>
+      </p:sp>
+      <p:pic>
+        <p:nvPicPr>
+          <p:cNvPr id="4" name="Content Placeholder 3"/>
+          <p:cNvPicPr>
+            <a:picLocks noGrp="1" noChangeAspect="1"/>
+          </p:cNvPicPr>
+          <p:nvPr>
+            <p:ph idx="1"/>
+          </p:nvPr>
+        </p:nvPicPr>
+        <p:blipFill>
+          <a:blip r:embed="rId2">
+            <a:extLst>
+              <a:ext uri="{28A0092B-C50C-407E-A947-70E740481C1C}">
+                <a14:useLocalDpi xmlns:a14="http://schemas.microsoft.com/office/drawing/2010/main" val="0"/>
+              </a:ext>
+            </a:extLst>
+          </a:blip>
+          <a:stretch>
+            <a:fillRect/>
+          </a:stretch>
+        </p:blipFill>
+        <p:spPr>
+          <a:xfrm>
+            <a:off x="3032040" y="1825625"/>
+            <a:ext cx="6127920" cy="4351338"/>
+          </a:xfrm>
+        </p:spPr>
+      </p:pic>
+      <p:sp>
+        <p:nvSpPr>
+          <p:cNvPr id="5" name="TextBox 4"/>
+          <p:cNvSpPr txBox="1"/>
+          <p:nvPr/>
+        </p:nvSpPr>
+        <p:spPr>
+          <a:xfrm>
+            <a:off x="659423" y="2409092"/>
+            <a:ext cx="2919046" cy="646331"/>
+          </a:xfrm>
+          <a:prstGeom prst="rect">
+            <a:avLst/>
+          </a:prstGeom>
+          <a:noFill/>
+        </p:spPr>
+        <p:txBody>
+          <a:bodyPr wrap="square" rtlCol="0">
+            <a:spAutoFit/>
+          </a:bodyPr>
+          <a:lstStyle/>
+          <a:p>
+            <a:r>
+              <a:rPr lang="en-US" dirty="0" smtClean="0"/>
+              <a:t>This is a more complex model: non-linear model</a:t>
+            </a:r>
+            <a:endParaRPr lang="en-US" dirty="0"/>
+          </a:p>
+        </p:txBody>
+      </p:sp>
+    </p:spTree>
+    <p:extLst>
+      <p:ext uri="{BB962C8B-B14F-4D97-AF65-F5344CB8AC3E}">
+        <p14:creationId xmlns:p14="http://schemas.microsoft.com/office/powerpoint/2010/main" val="3538904815"/>
+      </p:ext>
+    </p:extLst>
+  </p:cSld>
+  <p:clrMapOvr>
+    <a:masterClrMapping/>
+  </p:clrMapOvr>
+  <p:timing>
+    <p:tnLst>
+      <p:par>
+        <p:cTn id="1" dur="indefinite" restart="never" nodeType="tmRoot"/>
+      </p:par>
+    </p:tnLst>
+  </p:timing>
+</p:sld>
+</file>
+
+<file path=ppt/slides/slide23.xml><?xml version="1.0" encoding="utf-8"?>
+<p:sld xmlns:a="http://schemas.openxmlformats.org/drawingml/2006/main" xmlns:r="http://schemas.openxmlformats.org/officeDocument/2006/relationships" xmlns:p="http://schemas.openxmlformats.org/presentationml/2006/main">
+  <p:cSld>
+    <p:spTree>
+      <p:nvGrpSpPr>
+        <p:cNvPr id="1" name=""/>
+        <p:cNvGrpSpPr/>
+        <p:nvPr/>
+      </p:nvGrpSpPr>
+      <p:grpSpPr>
+        <a:xfrm>
+          <a:off x="0" y="0"/>
+          <a:ext cx="0" cy="0"/>
+          <a:chOff x="0" y="0"/>
+          <a:chExt cx="0" cy="0"/>
+        </a:xfrm>
+      </p:grpSpPr>
+      <p:sp>
+        <p:nvSpPr>
+          <p:cNvPr id="2" name="Title 1"/>
+          <p:cNvSpPr>
+            <a:spLocks noGrp="1"/>
+          </p:cNvSpPr>
+          <p:nvPr>
+            <p:ph type="title"/>
+          </p:nvPr>
+        </p:nvSpPr>
+        <p:spPr/>
+        <p:txBody>
+          <a:bodyPr/>
+          <a:lstStyle/>
+          <a:p>
+            <a:r>
+              <a:rPr lang="en-US" dirty="0" smtClean="0"/>
+              <a:t>Formalizing the problem</a:t>
+            </a:r>
+            <a:endParaRPr lang="en-US" dirty="0"/>
+          </a:p>
+        </p:txBody>
+      </p:sp>
+      <mc:AlternateContent xmlns:mc="http://schemas.openxmlformats.org/markup-compatibility/2006">
+        <mc:Choice xmlns:a14="http://schemas.microsoft.com/office/drawing/2010/main" Requires="a14">
+          <p:sp>
+            <p:nvSpPr>
+              <p:cNvPr id="3" name="Content Placeholder 2"/>
+              <p:cNvSpPr>
+                <a:spLocks noGrp="1"/>
+              </p:cNvSpPr>
+              <p:nvPr>
+                <p:ph idx="1"/>
+              </p:nvPr>
+            </p:nvSpPr>
+            <p:spPr/>
+            <p:txBody>
+              <a:bodyPr>
+                <a:normAutofit/>
+              </a:bodyPr>
+              <a:lstStyle/>
+              <a:p>
+                <a:r>
+                  <a:rPr lang="en-US" dirty="0" smtClean="0"/>
+                  <a:t># Let </a:t>
+                </a:r>
+                <a14:m>
+                  <m:oMath xmlns:m="http://schemas.openxmlformats.org/officeDocument/2006/math">
+                    <m:r>
+                      <a:rPr lang="en-US" i="1">
+                        <a:latin typeface="Cambria Math" panose="02040503050406030204" pitchFamily="18" charset="0"/>
+                      </a:rPr>
+                      <m:t>𝑥</m:t>
+                    </m:r>
+                    <m:r>
+                      <a:rPr lang="en-US" i="1">
+                        <a:latin typeface="Cambria Math" panose="02040503050406030204" pitchFamily="18" charset="0"/>
+                      </a:rPr>
+                      <m:t>=</m:t>
+                    </m:r>
+                    <m:d>
+                      <m:dPr>
+                        <m:ctrlPr>
+                          <a:rPr lang="en-US" i="1">
+                            <a:latin typeface="Cambria Math" panose="02040503050406030204" pitchFamily="18" charset="0"/>
+                          </a:rPr>
+                        </m:ctrlPr>
+                      </m:dPr>
+                      <m:e>
+                        <m:sSub>
+                          <m:sSubPr>
+                            <m:ctrlPr>
+                              <a:rPr lang="en-US" i="1">
+                                <a:latin typeface="Cambria Math" panose="02040503050406030204" pitchFamily="18" charset="0"/>
+                              </a:rPr>
+                            </m:ctrlPr>
+                          </m:sSubPr>
+                          <m:e>
+                            <m:r>
+                              <a:rPr lang="en-US" i="1">
+                                <a:latin typeface="Cambria Math" panose="02040503050406030204" pitchFamily="18" charset="0"/>
+                              </a:rPr>
+                              <m:t>𝑥</m:t>
+                            </m:r>
+                          </m:e>
+                          <m:sub>
+                            <m:r>
+                              <a:rPr lang="en-US" i="1">
+                                <a:latin typeface="Cambria Math" panose="02040503050406030204" pitchFamily="18" charset="0"/>
+                              </a:rPr>
+                              <m:t>1</m:t>
+                            </m:r>
+                          </m:sub>
+                        </m:sSub>
+                        <m:r>
+                          <a:rPr lang="en-US" i="1">
+                            <a:latin typeface="Cambria Math" panose="02040503050406030204" pitchFamily="18" charset="0"/>
+                          </a:rPr>
+                          <m:t>,</m:t>
+                        </m:r>
+                        <m:sSub>
+                          <m:sSubPr>
+                            <m:ctrlPr>
+                              <a:rPr lang="en-US" i="1">
+                                <a:latin typeface="Cambria Math" panose="02040503050406030204" pitchFamily="18" charset="0"/>
+                              </a:rPr>
+                            </m:ctrlPr>
+                          </m:sSubPr>
+                          <m:e>
+                            <m:r>
+                              <a:rPr lang="en-US" i="1">
+                                <a:latin typeface="Cambria Math" panose="02040503050406030204" pitchFamily="18" charset="0"/>
+                              </a:rPr>
+                              <m:t>𝑥</m:t>
+                            </m:r>
+                          </m:e>
+                          <m:sub>
+                            <m:r>
+                              <a:rPr lang="en-US" i="1">
+                                <a:latin typeface="Cambria Math" panose="02040503050406030204" pitchFamily="18" charset="0"/>
+                              </a:rPr>
+                              <m:t>2</m:t>
+                            </m:r>
+                          </m:sub>
+                        </m:sSub>
+                        <m:r>
+                          <a:rPr lang="en-US" i="1">
+                            <a:latin typeface="Cambria Math" panose="02040503050406030204" pitchFamily="18" charset="0"/>
+                          </a:rPr>
+                          <m:t>,…, </m:t>
+                        </m:r>
+                        <m:sSub>
+                          <m:sSubPr>
+                            <m:ctrlPr>
+                              <a:rPr lang="en-US" i="1">
+                                <a:latin typeface="Cambria Math" panose="02040503050406030204" pitchFamily="18" charset="0"/>
+                              </a:rPr>
+                            </m:ctrlPr>
+                          </m:sSubPr>
+                          <m:e>
+                            <m:r>
+                              <a:rPr lang="en-US" i="1">
+                                <a:latin typeface="Cambria Math" panose="02040503050406030204" pitchFamily="18" charset="0"/>
+                              </a:rPr>
+                              <m:t>𝑥</m:t>
+                            </m:r>
+                          </m:e>
+                          <m:sub>
+                            <m:r>
+                              <a:rPr lang="en-US" i="1">
+                                <a:latin typeface="Cambria Math" panose="02040503050406030204" pitchFamily="18" charset="0"/>
+                              </a:rPr>
+                              <m:t>𝑛</m:t>
+                            </m:r>
+                          </m:sub>
+                        </m:sSub>
+                      </m:e>
+                    </m:d>
+                  </m:oMath>
+                </a14:m>
+                <a:r>
+                  <a:rPr lang="en-US" dirty="0"/>
+                  <a:t> be the data (input feature vector).</a:t>
+                </a:r>
+              </a:p>
+              <a:p>
+                <a:r>
+                  <a:rPr lang="en-US" b="0" dirty="0" smtClean="0"/>
+                  <a:t># Linear </a:t>
+                </a:r>
+                <a:r>
+                  <a:rPr lang="en-US" b="0" dirty="0" smtClean="0"/>
+                  <a:t>classifier </a:t>
+                </a:r>
+                <a14:m>
+                  <m:oMath xmlns:m="http://schemas.openxmlformats.org/officeDocument/2006/math">
+                    <m:r>
+                      <a:rPr lang="en-US" b="0" i="1" smtClean="0">
+                        <a:latin typeface="Cambria Math" panose="02040503050406030204" pitchFamily="18" charset="0"/>
+                      </a:rPr>
+                      <m:t>𝑓</m:t>
+                    </m:r>
+                    <m:d>
+                      <m:dPr>
+                        <m:ctrlPr>
+                          <a:rPr lang="en-US" b="0" i="1" smtClean="0">
+                            <a:latin typeface="Cambria Math" panose="02040503050406030204" pitchFamily="18" charset="0"/>
+                          </a:rPr>
+                        </m:ctrlPr>
+                      </m:dPr>
+                      <m:e>
+                        <m:r>
+                          <a:rPr lang="en-US" b="0" i="1" smtClean="0">
+                            <a:latin typeface="Cambria Math" panose="02040503050406030204" pitchFamily="18" charset="0"/>
+                          </a:rPr>
+                          <m:t>𝑥</m:t>
+                        </m:r>
+                      </m:e>
+                    </m:d>
+                    <m:r>
+                      <a:rPr lang="en-US" b="0" i="1" smtClean="0">
+                        <a:latin typeface="Cambria Math" panose="02040503050406030204" pitchFamily="18" charset="0"/>
+                      </a:rPr>
+                      <m:t>=</m:t>
+                    </m:r>
+                    <m:sSub>
+                      <m:sSubPr>
+                        <m:ctrlPr>
+                          <a:rPr lang="en-US" b="0" i="1" smtClean="0">
+                            <a:latin typeface="Cambria Math" panose="02040503050406030204" pitchFamily="18" charset="0"/>
+                          </a:rPr>
+                        </m:ctrlPr>
+                      </m:sSubPr>
+                      <m:e>
+                        <m:r>
+                          <a:rPr lang="en-US" b="0" i="1" smtClean="0">
+                            <a:latin typeface="Cambria Math" panose="02040503050406030204" pitchFamily="18" charset="0"/>
+                          </a:rPr>
+                          <m:t>𝑤</m:t>
+                        </m:r>
+                      </m:e>
+                      <m:sub>
+                        <m:r>
+                          <a:rPr lang="en-US" b="0" i="1" smtClean="0">
+                            <a:latin typeface="Cambria Math" panose="02040503050406030204" pitchFamily="18" charset="0"/>
+                          </a:rPr>
+                          <m:t>1</m:t>
+                        </m:r>
+                      </m:sub>
+                    </m:sSub>
+                    <m:sSub>
+                      <m:sSubPr>
+                        <m:ctrlPr>
+                          <a:rPr lang="en-US" b="0" i="1" smtClean="0">
+                            <a:latin typeface="Cambria Math" panose="02040503050406030204" pitchFamily="18" charset="0"/>
+                          </a:rPr>
+                        </m:ctrlPr>
+                      </m:sSubPr>
+                      <m:e>
+                        <m:r>
+                          <a:rPr lang="en-US" b="0" i="1" smtClean="0">
+                            <a:latin typeface="Cambria Math" panose="02040503050406030204" pitchFamily="18" charset="0"/>
+                          </a:rPr>
+                          <m:t>𝑥</m:t>
+                        </m:r>
+                      </m:e>
+                      <m:sub>
+                        <m:r>
+                          <a:rPr lang="en-US" b="0" i="1" smtClean="0">
+                            <a:latin typeface="Cambria Math" panose="02040503050406030204" pitchFamily="18" charset="0"/>
+                          </a:rPr>
+                          <m:t>1</m:t>
+                        </m:r>
+                      </m:sub>
+                    </m:sSub>
+                    <m:r>
+                      <a:rPr lang="en-US" b="0" i="1" smtClean="0">
+                        <a:latin typeface="Cambria Math" panose="02040503050406030204" pitchFamily="18" charset="0"/>
+                      </a:rPr>
+                      <m:t>+</m:t>
+                    </m:r>
+                    <m:sSub>
+                      <m:sSubPr>
+                        <m:ctrlPr>
+                          <a:rPr lang="en-US" i="1">
+                            <a:latin typeface="Cambria Math" panose="02040503050406030204" pitchFamily="18" charset="0"/>
+                          </a:rPr>
+                        </m:ctrlPr>
+                      </m:sSubPr>
+                      <m:e>
+                        <m:r>
+                          <a:rPr lang="en-US" i="1">
+                            <a:latin typeface="Cambria Math" panose="02040503050406030204" pitchFamily="18" charset="0"/>
+                          </a:rPr>
+                          <m:t>𝑤</m:t>
+                        </m:r>
+                      </m:e>
+                      <m:sub>
+                        <m:r>
+                          <a:rPr lang="en-US" b="0" i="1" smtClean="0">
+                            <a:latin typeface="Cambria Math" panose="02040503050406030204" pitchFamily="18" charset="0"/>
+                          </a:rPr>
+                          <m:t>2</m:t>
+                        </m:r>
+                      </m:sub>
+                    </m:sSub>
+                    <m:sSub>
+                      <m:sSubPr>
+                        <m:ctrlPr>
+                          <a:rPr lang="en-US" i="1">
+                            <a:latin typeface="Cambria Math" panose="02040503050406030204" pitchFamily="18" charset="0"/>
+                          </a:rPr>
+                        </m:ctrlPr>
+                      </m:sSubPr>
+                      <m:e>
+                        <m:r>
+                          <a:rPr lang="en-US" i="1">
+                            <a:latin typeface="Cambria Math" panose="02040503050406030204" pitchFamily="18" charset="0"/>
+                          </a:rPr>
+                          <m:t>𝑥</m:t>
+                        </m:r>
+                      </m:e>
+                      <m:sub>
+                        <m:r>
+                          <a:rPr lang="en-US" b="0" i="1" smtClean="0">
+                            <a:latin typeface="Cambria Math" panose="02040503050406030204" pitchFamily="18" charset="0"/>
+                          </a:rPr>
+                          <m:t>2</m:t>
+                        </m:r>
+                      </m:sub>
+                    </m:sSub>
+                    <m:r>
+                      <a:rPr lang="en-US" b="0" i="1" smtClean="0">
+                        <a:latin typeface="Cambria Math" panose="02040503050406030204" pitchFamily="18" charset="0"/>
+                      </a:rPr>
+                      <m:t>+…+</m:t>
+                    </m:r>
+                    <m:sSub>
+                      <m:sSubPr>
+                        <m:ctrlPr>
+                          <a:rPr lang="en-US" i="1">
+                            <a:latin typeface="Cambria Math" panose="02040503050406030204" pitchFamily="18" charset="0"/>
+                          </a:rPr>
+                        </m:ctrlPr>
+                      </m:sSubPr>
+                      <m:e>
+                        <m:r>
+                          <a:rPr lang="en-US" i="1">
+                            <a:latin typeface="Cambria Math" panose="02040503050406030204" pitchFamily="18" charset="0"/>
+                          </a:rPr>
+                          <m:t>𝑤</m:t>
+                        </m:r>
+                      </m:e>
+                      <m:sub>
+                        <m:r>
+                          <a:rPr lang="en-US" b="0" i="1" smtClean="0">
+                            <a:latin typeface="Cambria Math" panose="02040503050406030204" pitchFamily="18" charset="0"/>
+                          </a:rPr>
+                          <m:t>𝑛</m:t>
+                        </m:r>
+                      </m:sub>
+                    </m:sSub>
+                    <m:sSub>
+                      <m:sSubPr>
+                        <m:ctrlPr>
+                          <a:rPr lang="en-US" i="1">
+                            <a:latin typeface="Cambria Math" panose="02040503050406030204" pitchFamily="18" charset="0"/>
+                          </a:rPr>
+                        </m:ctrlPr>
+                      </m:sSubPr>
+                      <m:e>
+                        <m:r>
+                          <a:rPr lang="en-US" i="1">
+                            <a:latin typeface="Cambria Math" panose="02040503050406030204" pitchFamily="18" charset="0"/>
+                          </a:rPr>
+                          <m:t>𝑥</m:t>
+                        </m:r>
+                      </m:e>
+                      <m:sub>
+                        <m:r>
+                          <a:rPr lang="en-US" b="0" i="1" smtClean="0">
+                            <a:latin typeface="Cambria Math" panose="02040503050406030204" pitchFamily="18" charset="0"/>
+                          </a:rPr>
+                          <m:t>𝑛</m:t>
+                        </m:r>
+                      </m:sub>
+                    </m:sSub>
+                  </m:oMath>
+                </a14:m>
+                <a:endParaRPr lang="en-US" dirty="0" smtClean="0"/>
+              </a:p>
+              <a:p>
+                <a:r>
+                  <a:rPr lang="en-US" dirty="0" smtClean="0"/>
+                  <a:t># In </a:t>
+                </a:r>
+                <a:r>
+                  <a:rPr lang="en-US" dirty="0" smtClean="0"/>
+                  <a:t>2 variables: </a:t>
+                </a:r>
+                <a14:m>
+                  <m:oMath xmlns:m="http://schemas.openxmlformats.org/officeDocument/2006/math">
+                    <m:r>
+                      <a:rPr lang="en-US" i="1">
+                        <a:latin typeface="Cambria Math" panose="02040503050406030204" pitchFamily="18" charset="0"/>
+                      </a:rPr>
+                      <m:t>𝑓</m:t>
+                    </m:r>
+                    <m:d>
+                      <m:dPr>
+                        <m:ctrlPr>
+                          <a:rPr lang="en-US" i="1">
+                            <a:latin typeface="Cambria Math" panose="02040503050406030204" pitchFamily="18" charset="0"/>
+                          </a:rPr>
+                        </m:ctrlPr>
+                      </m:dPr>
+                      <m:e>
+                        <m:r>
+                          <a:rPr lang="en-US" i="1">
+                            <a:latin typeface="Cambria Math" panose="02040503050406030204" pitchFamily="18" charset="0"/>
+                          </a:rPr>
+                          <m:t>𝑥</m:t>
+                        </m:r>
+                      </m:e>
+                    </m:d>
+                    <m:r>
+                      <a:rPr lang="en-US" i="1">
+                        <a:latin typeface="Cambria Math" panose="02040503050406030204" pitchFamily="18" charset="0"/>
+                      </a:rPr>
+                      <m:t>=</m:t>
+                    </m:r>
+                    <m:sSub>
+                      <m:sSubPr>
+                        <m:ctrlPr>
+                          <a:rPr lang="en-US" i="1">
+                            <a:latin typeface="Cambria Math" panose="02040503050406030204" pitchFamily="18" charset="0"/>
+                          </a:rPr>
+                        </m:ctrlPr>
+                      </m:sSubPr>
+                      <m:e>
+                        <m:r>
+                          <a:rPr lang="en-US" i="1">
+                            <a:latin typeface="Cambria Math" panose="02040503050406030204" pitchFamily="18" charset="0"/>
+                          </a:rPr>
+                          <m:t>𝑤</m:t>
+                        </m:r>
+                      </m:e>
+                      <m:sub>
+                        <m:r>
+                          <a:rPr lang="en-US" i="1">
+                            <a:latin typeface="Cambria Math" panose="02040503050406030204" pitchFamily="18" charset="0"/>
+                          </a:rPr>
+                          <m:t>1</m:t>
+                        </m:r>
+                      </m:sub>
+                    </m:sSub>
+                    <m:sSub>
+                      <m:sSubPr>
+                        <m:ctrlPr>
+                          <a:rPr lang="en-US" i="1">
+                            <a:latin typeface="Cambria Math" panose="02040503050406030204" pitchFamily="18" charset="0"/>
+                          </a:rPr>
+                        </m:ctrlPr>
+                      </m:sSubPr>
+                      <m:e>
+                        <m:r>
+                          <a:rPr lang="en-US" i="1">
+                            <a:latin typeface="Cambria Math" panose="02040503050406030204" pitchFamily="18" charset="0"/>
+                          </a:rPr>
+                          <m:t>𝑥</m:t>
+                        </m:r>
+                      </m:e>
+                      <m:sub>
+                        <m:r>
+                          <a:rPr lang="en-US" i="1">
+                            <a:latin typeface="Cambria Math" panose="02040503050406030204" pitchFamily="18" charset="0"/>
+                          </a:rPr>
+                          <m:t>1</m:t>
+                        </m:r>
+                      </m:sub>
+                    </m:sSub>
+                    <m:r>
+                      <a:rPr lang="en-US" i="1">
+                        <a:latin typeface="Cambria Math" panose="02040503050406030204" pitchFamily="18" charset="0"/>
+                      </a:rPr>
+                      <m:t>+</m:t>
+                    </m:r>
+                    <m:sSub>
+                      <m:sSubPr>
+                        <m:ctrlPr>
+                          <a:rPr lang="en-US" i="1" smtClean="0">
+                            <a:latin typeface="Cambria Math" panose="02040503050406030204" pitchFamily="18" charset="0"/>
+                          </a:rPr>
+                        </m:ctrlPr>
+                      </m:sSubPr>
+                      <m:e>
+                        <m:r>
+                          <a:rPr lang="en-US" i="1">
+                            <a:latin typeface="Cambria Math" panose="02040503050406030204" pitchFamily="18" charset="0"/>
+                          </a:rPr>
+                          <m:t>𝑤</m:t>
+                        </m:r>
+                      </m:e>
+                      <m:sub>
+                        <m:r>
+                          <a:rPr lang="en-US" b="0" i="1" smtClean="0">
+                            <a:latin typeface="Cambria Math" panose="02040503050406030204" pitchFamily="18" charset="0"/>
+                          </a:rPr>
+                          <m:t>2</m:t>
+                        </m:r>
+                      </m:sub>
+                    </m:sSub>
+                    <m:sSub>
+                      <m:sSubPr>
+                        <m:ctrlPr>
+                          <a:rPr lang="en-US" i="1">
+                            <a:latin typeface="Cambria Math" panose="02040503050406030204" pitchFamily="18" charset="0"/>
+                          </a:rPr>
+                        </m:ctrlPr>
+                      </m:sSubPr>
+                      <m:e>
+                        <m:r>
+                          <a:rPr lang="en-US" i="1">
+                            <a:latin typeface="Cambria Math" panose="02040503050406030204" pitchFamily="18" charset="0"/>
+                          </a:rPr>
+                          <m:t>𝑥</m:t>
+                        </m:r>
+                      </m:e>
+                      <m:sub>
+                        <m:r>
+                          <a:rPr lang="en-US" b="0" i="1" smtClean="0">
+                            <a:latin typeface="Cambria Math" panose="02040503050406030204" pitchFamily="18" charset="0"/>
+                          </a:rPr>
+                          <m:t>2</m:t>
+                        </m:r>
+                      </m:sub>
+                    </m:sSub>
+                  </m:oMath>
+                </a14:m>
+                <a:endParaRPr lang="en-US" dirty="0" smtClean="0"/>
+              </a:p>
+              <a:p>
+                <a:r>
+                  <a:rPr lang="en-US" dirty="0" smtClean="0"/>
+                  <a:t># You </a:t>
+                </a:r>
+                <a:r>
+                  <a:rPr lang="en-US" dirty="0" smtClean="0"/>
+                  <a:t>have a set of </a:t>
+                </a:r>
+                <a14:m>
+                  <m:oMath xmlns:m="http://schemas.openxmlformats.org/officeDocument/2006/math">
+                    <m:r>
+                      <a:rPr lang="en-US" b="0" i="1" smtClean="0">
+                        <a:latin typeface="Cambria Math" panose="02040503050406030204" pitchFamily="18" charset="0"/>
+                      </a:rPr>
+                      <m:t>(</m:t>
+                    </m:r>
+                    <m:r>
+                      <a:rPr lang="en-US" b="0" i="1" smtClean="0">
+                        <a:latin typeface="Cambria Math" panose="02040503050406030204" pitchFamily="18" charset="0"/>
+                      </a:rPr>
+                      <m:t>𝑥</m:t>
+                    </m:r>
+                    <m:r>
+                      <a:rPr lang="en-US" b="0" i="1" smtClean="0">
+                        <a:latin typeface="Cambria Math" panose="02040503050406030204" pitchFamily="18" charset="0"/>
+                      </a:rPr>
+                      <m:t>,</m:t>
+                    </m:r>
+                    <m:r>
+                      <a:rPr lang="en-US" b="0" i="1" smtClean="0">
+                        <a:latin typeface="Cambria Math" panose="02040503050406030204" pitchFamily="18" charset="0"/>
+                      </a:rPr>
+                      <m:t>𝑦</m:t>
+                    </m:r>
+                    <m:r>
+                      <a:rPr lang="en-US" b="0" i="1" smtClean="0">
+                        <a:latin typeface="Cambria Math" panose="02040503050406030204" pitchFamily="18" charset="0"/>
+                      </a:rPr>
+                      <m:t>=</m:t>
+                    </m:r>
+                    <m:r>
+                      <a:rPr lang="en-US" b="0" i="1" smtClean="0">
+                        <a:latin typeface="Cambria Math" panose="02040503050406030204" pitchFamily="18" charset="0"/>
+                      </a:rPr>
+                      <m:t>𝑓</m:t>
+                    </m:r>
+                    <m:r>
+                      <a:rPr lang="en-US" b="0" i="1" smtClean="0">
+                        <a:latin typeface="Cambria Math" panose="02040503050406030204" pitchFamily="18" charset="0"/>
+                      </a:rPr>
+                      <m:t>(</m:t>
+                    </m:r>
+                    <m:r>
+                      <a:rPr lang="en-US" b="0" i="1" smtClean="0">
+                        <a:latin typeface="Cambria Math" panose="02040503050406030204" pitchFamily="18" charset="0"/>
+                      </a:rPr>
+                      <m:t>𝑥</m:t>
+                    </m:r>
+                    <m:r>
+                      <a:rPr lang="en-US" b="0" i="1" smtClean="0">
+                        <a:latin typeface="Cambria Math" panose="02040503050406030204" pitchFamily="18" charset="0"/>
+                      </a:rPr>
+                      <m:t>))</m:t>
+                    </m:r>
+                  </m:oMath>
+                </a14:m>
+                <a:r>
+                  <a:rPr lang="en-US" dirty="0" smtClean="0"/>
+                  <a:t> data points</a:t>
+                </a:r>
+              </a:p>
+              <a:p>
+                <a:r>
+                  <a:rPr lang="en-US" dirty="0" smtClean="0"/>
+                  <a:t># </a:t>
+                </a:r>
+                <a:r>
+                  <a:rPr lang="en-US" dirty="0" smtClean="0"/>
+                  <a:t>Task</a:t>
+                </a:r>
+                <a:r>
+                  <a:rPr lang="en-US" dirty="0" smtClean="0"/>
+                  <a:t>: find the </a:t>
+                </a:r>
+                <a14:m>
+                  <m:oMath xmlns:m="http://schemas.openxmlformats.org/officeDocument/2006/math">
+                    <m:sSub>
+                      <m:sSubPr>
+                        <m:ctrlPr>
+                          <a:rPr lang="en-US" b="0" i="1" smtClean="0">
+                            <a:latin typeface="Cambria Math" panose="02040503050406030204" pitchFamily="18" charset="0"/>
+                          </a:rPr>
+                        </m:ctrlPr>
+                      </m:sSubPr>
+                      <m:e>
+                        <m:r>
+                          <a:rPr lang="en-US" b="0" i="1" smtClean="0">
+                            <a:latin typeface="Cambria Math" panose="02040503050406030204" pitchFamily="18" charset="0"/>
+                          </a:rPr>
+                          <m:t>(</m:t>
+                        </m:r>
+                        <m:r>
+                          <a:rPr lang="en-US" b="0" i="1" smtClean="0">
+                            <a:latin typeface="Cambria Math" panose="02040503050406030204" pitchFamily="18" charset="0"/>
+                          </a:rPr>
+                          <m:t>𝑤</m:t>
+                        </m:r>
+                      </m:e>
+                      <m:sub>
+                        <m:r>
+                          <a:rPr lang="en-US" b="0" i="1" smtClean="0">
+                            <a:latin typeface="Cambria Math" panose="02040503050406030204" pitchFamily="18" charset="0"/>
+                          </a:rPr>
+                          <m:t>1</m:t>
+                        </m:r>
+                      </m:sub>
+                    </m:sSub>
+                    <m:r>
+                      <a:rPr lang="en-US" b="0" i="1" smtClean="0">
+                        <a:latin typeface="Cambria Math" panose="02040503050406030204" pitchFamily="18" charset="0"/>
+                      </a:rPr>
+                      <m:t>,</m:t>
+                    </m:r>
+                    <m:sSub>
+                      <m:sSubPr>
+                        <m:ctrlPr>
+                          <a:rPr lang="en-US" b="0" i="1" smtClean="0">
+                            <a:latin typeface="Cambria Math" panose="02040503050406030204" pitchFamily="18" charset="0"/>
+                          </a:rPr>
+                        </m:ctrlPr>
+                      </m:sSubPr>
+                      <m:e>
+                        <m:r>
+                          <a:rPr lang="en-US" b="0" i="1" smtClean="0">
+                            <a:latin typeface="Cambria Math" panose="02040503050406030204" pitchFamily="18" charset="0"/>
+                          </a:rPr>
+                          <m:t>𝑤</m:t>
+                        </m:r>
+                      </m:e>
+                      <m:sub>
+                        <m:r>
+                          <a:rPr lang="en-US" b="0" i="1" smtClean="0">
+                            <a:latin typeface="Cambria Math" panose="02040503050406030204" pitchFamily="18" charset="0"/>
+                          </a:rPr>
+                          <m:t>2</m:t>
+                        </m:r>
+                      </m:sub>
+                    </m:sSub>
+                    <m:r>
+                      <a:rPr lang="en-US" b="0" i="1" smtClean="0">
+                        <a:latin typeface="Cambria Math" panose="02040503050406030204" pitchFamily="18" charset="0"/>
+                      </a:rPr>
+                      <m:t>)</m:t>
+                    </m:r>
+                  </m:oMath>
+                </a14:m>
+                <a:r>
+                  <a:rPr lang="en-US" dirty="0" smtClean="0"/>
+                  <a:t> that best fit the data</a:t>
+                </a:r>
+              </a:p>
+            </p:txBody>
+          </p:sp>
+        </mc:Choice>
+        <mc:Fallback>
+          <p:sp>
+            <p:nvSpPr>
+              <p:cNvPr id="3" name="Content Placeholder 2"/>
+              <p:cNvSpPr>
+                <a:spLocks noGrp="1" noRot="1" noChangeAspect="1" noMove="1" noResize="1" noEditPoints="1" noAdjustHandles="1" noChangeArrowheads="1" noChangeShapeType="1" noTextEdit="1"/>
+              </p:cNvSpPr>
+              <p:nvPr>
+                <p:ph idx="1"/>
+              </p:nvPr>
+            </p:nvSpPr>
+            <p:spPr>
+              <a:blipFill>
+                <a:blip r:embed="rId2"/>
+                <a:stretch>
+                  <a:fillRect l="-1043" t="-2241"/>
+                </a:stretch>
+              </a:blipFill>
+            </p:spPr>
+            <p:txBody>
+              <a:bodyPr/>
+              <a:lstStyle/>
+              <a:p>
+                <a:r>
+                  <a:rPr lang="en-US">
+                    <a:noFill/>
+                  </a:rPr>
+                  <a:t> </a:t>
+                </a:r>
+              </a:p>
+            </p:txBody>
+          </p:sp>
+        </mc:Fallback>
+      </mc:AlternateContent>
+      <p:pic>
+        <p:nvPicPr>
+          <p:cNvPr id="5" name="Picture 4"/>
+          <p:cNvPicPr>
+            <a:picLocks noChangeAspect="1"/>
+          </p:cNvPicPr>
+          <p:nvPr/>
+        </p:nvPicPr>
+        <p:blipFill>
+          <a:blip r:embed="rId3">
+            <a:extLst>
+              <a:ext uri="{28A0092B-C50C-407E-A947-70E740481C1C}">
+                <a14:useLocalDpi xmlns:a14="http://schemas.microsoft.com/office/drawing/2010/main" val="0"/>
+              </a:ext>
+            </a:extLst>
+          </a:blip>
+          <a:stretch>
+            <a:fillRect/>
+          </a:stretch>
+        </p:blipFill>
+        <p:spPr>
+          <a:xfrm>
+            <a:off x="8137881" y="3563076"/>
+            <a:ext cx="3215919" cy="2613887"/>
+          </a:xfrm>
+          <a:prstGeom prst="rect">
+            <a:avLst/>
+          </a:prstGeom>
+        </p:spPr>
+      </p:pic>
+    </p:spTree>
+    <p:extLst>
+      <p:ext uri="{BB962C8B-B14F-4D97-AF65-F5344CB8AC3E}">
+        <p14:creationId xmlns:p14="http://schemas.microsoft.com/office/powerpoint/2010/main" val="3479432540"/>
+      </p:ext>
+    </p:extLst>
+  </p:cSld>
+  <p:clrMapOvr>
+    <a:masterClrMapping/>
+  </p:clrMapOvr>
+  <p:timing>
+    <p:tnLst>
+      <p:par>
+        <p:cTn id="1" dur="indefinite" restart="never" nodeType="tmRoot"/>
+      </p:par>
+    </p:tnLst>
+  </p:timing>
+</p:sld>
+</file>
+
+<file path=ppt/slides/slide24.xml><?xml version="1.0" encoding="utf-8"?>
+<p:sld xmlns:a="http://schemas.openxmlformats.org/drawingml/2006/main" xmlns:r="http://schemas.openxmlformats.org/officeDocument/2006/relationships" xmlns:p="http://schemas.openxmlformats.org/presentationml/2006/main">
+  <p:cSld>
+    <p:spTree>
+      <p:nvGrpSpPr>
+        <p:cNvPr id="1" name=""/>
+        <p:cNvGrpSpPr/>
+        <p:nvPr/>
+      </p:nvGrpSpPr>
+      <p:grpSpPr>
+        <a:xfrm>
+          <a:off x="0" y="0"/>
+          <a:ext cx="0" cy="0"/>
+          <a:chOff x="0" y="0"/>
+          <a:chExt cx="0" cy="0"/>
+        </a:xfrm>
+      </p:grpSpPr>
+      <p:sp>
+        <p:nvSpPr>
+          <p:cNvPr id="2" name="Title 1"/>
+          <p:cNvSpPr>
+            <a:spLocks noGrp="1"/>
+          </p:cNvSpPr>
+          <p:nvPr>
+            <p:ph type="title"/>
+          </p:nvPr>
+        </p:nvSpPr>
+        <p:spPr/>
+        <p:txBody>
+          <a:bodyPr/>
+          <a:lstStyle/>
+          <a:p>
+            <a:r>
+              <a:rPr lang="en-US" dirty="0" smtClean="0"/>
+              <a:t>Algorithms to solve such a problem </a:t>
+            </a:r>
+            <a:endParaRPr lang="en-US" dirty="0"/>
+          </a:p>
+        </p:txBody>
+      </p:sp>
+      <p:pic>
+        <p:nvPicPr>
+          <p:cNvPr id="4" name="Content Placeholder 3"/>
+          <p:cNvPicPr>
+            <a:picLocks noGrp="1" noChangeAspect="1"/>
+          </p:cNvPicPr>
+          <p:nvPr>
+            <p:ph idx="1"/>
+          </p:nvPr>
+        </p:nvPicPr>
+        <p:blipFill>
+          <a:blip r:embed="rId2">
+            <a:extLst>
+              <a:ext uri="{28A0092B-C50C-407E-A947-70E740481C1C}">
+                <a14:useLocalDpi xmlns:a14="http://schemas.microsoft.com/office/drawing/2010/main" val="0"/>
+              </a:ext>
+            </a:extLst>
+          </a:blip>
+          <a:stretch>
+            <a:fillRect/>
+          </a:stretch>
+        </p:blipFill>
+        <p:spPr>
+          <a:xfrm>
+            <a:off x="838200" y="1994260"/>
+            <a:ext cx="10515600" cy="4014067"/>
+          </a:xfrm>
+        </p:spPr>
+      </p:pic>
+    </p:spTree>
+    <p:extLst>
+      <p:ext uri="{BB962C8B-B14F-4D97-AF65-F5344CB8AC3E}">
+        <p14:creationId xmlns:p14="http://schemas.microsoft.com/office/powerpoint/2010/main" val="97143005"/>
+      </p:ext>
+    </p:extLst>
+  </p:cSld>
+  <p:clrMapOvr>
+    <a:masterClrMapping/>
+  </p:clrMapOvr>
+  <p:timing>
+    <p:tnLst>
+      <p:par>
+        <p:cTn id="1" dur="indefinite" restart="never" nodeType="tmRoot"/>
+      </p:par>
+    </p:tnLst>
+  </p:timing>
+</p:sld>
+</file>
+
+<file path=ppt/slides/slide25.xml><?xml version="1.0" encoding="utf-8"?>
+<p:sld xmlns:a="http://schemas.openxmlformats.org/drawingml/2006/main" xmlns:r="http://schemas.openxmlformats.org/officeDocument/2006/relationships" xmlns:p="http://schemas.openxmlformats.org/presentationml/2006/main">
+  <p:cSld>
+    <p:spTree>
+      <p:nvGrpSpPr>
+        <p:cNvPr id="1" name=""/>
+        <p:cNvGrpSpPr/>
+        <p:nvPr/>
+      </p:nvGrpSpPr>
+      <p:grpSpPr>
+        <a:xfrm>
+          <a:off x="0" y="0"/>
+          <a:ext cx="0" cy="0"/>
+          <a:chOff x="0" y="0"/>
+          <a:chExt cx="0" cy="0"/>
+        </a:xfrm>
+      </p:grpSpPr>
+      <p:sp>
+        <p:nvSpPr>
+          <p:cNvPr id="2" name="Title 1"/>
+          <p:cNvSpPr>
+            <a:spLocks noGrp="1"/>
+          </p:cNvSpPr>
+          <p:nvPr>
+            <p:ph type="title"/>
+          </p:nvPr>
+        </p:nvSpPr>
+        <p:spPr/>
+        <p:txBody>
+          <a:bodyPr/>
+          <a:lstStyle/>
+          <a:p>
+            <a:r>
+              <a:rPr lang="en-US" dirty="0" smtClean="0"/>
+              <a:t>Formalizing the Regression Problem</a:t>
+            </a:r>
+            <a:endParaRPr lang="en-US" dirty="0"/>
+          </a:p>
+        </p:txBody>
+      </p:sp>
+      <p:sp>
+        <p:nvSpPr>
+          <p:cNvPr id="3" name="Content Placeholder 2"/>
+          <p:cNvSpPr>
+            <a:spLocks noGrp="1"/>
+          </p:cNvSpPr>
+          <p:nvPr>
+            <p:ph idx="1"/>
+          </p:nvPr>
+        </p:nvSpPr>
+        <p:spPr/>
+        <p:txBody>
+          <a:bodyPr/>
+          <a:lstStyle/>
+          <a:p>
+            <a:endParaRPr lang="en-US" dirty="0"/>
+          </a:p>
+        </p:txBody>
+      </p:sp>
+    </p:spTree>
+    <p:extLst>
+      <p:ext uri="{BB962C8B-B14F-4D97-AF65-F5344CB8AC3E}">
+        <p14:creationId xmlns:p14="http://schemas.microsoft.com/office/powerpoint/2010/main" val="3166871254"/>
+      </p:ext>
+    </p:extLst>
+  </p:cSld>
+  <p:clrMapOvr>
+    <a:masterClrMapping/>
+  </p:clrMapOvr>
+</p:sld>
+</file>
+
+<file path=ppt/slides/slide26.xml><?xml version="1.0" encoding="utf-8"?>
+<p:sld xmlns:a="http://schemas.openxmlformats.org/drawingml/2006/main" xmlns:r="http://schemas.openxmlformats.org/officeDocument/2006/relationships" xmlns:p="http://schemas.openxmlformats.org/presentationml/2006/main">
+  <p:cSld>
+    <p:spTree>
+      <p:nvGrpSpPr>
+        <p:cNvPr id="1" name=""/>
+        <p:cNvGrpSpPr/>
+        <p:nvPr/>
+      </p:nvGrpSpPr>
+      <p:grpSpPr>
+        <a:xfrm>
+          <a:off x="0" y="0"/>
+          <a:ext cx="0" cy="0"/>
+          <a:chOff x="0" y="0"/>
+          <a:chExt cx="0" cy="0"/>
+        </a:xfrm>
+      </p:grpSpPr>
+      <p:sp>
+        <p:nvSpPr>
+          <p:cNvPr id="2" name="Title 1"/>
+          <p:cNvSpPr>
+            <a:spLocks noGrp="1"/>
+          </p:cNvSpPr>
+          <p:nvPr>
+            <p:ph type="title"/>
+          </p:nvPr>
+        </p:nvSpPr>
+        <p:spPr/>
+        <p:txBody>
+          <a:bodyPr/>
+          <a:lstStyle/>
+          <a:p>
+            <a:r>
+              <a:rPr lang="en-US" dirty="0" smtClean="0"/>
+              <a:t>Most common linear regression algorithm</a:t>
+            </a:r>
+            <a:endParaRPr lang="en-US" dirty="0"/>
+          </a:p>
+        </p:txBody>
+      </p:sp>
+      <p:sp>
+        <p:nvSpPr>
+          <p:cNvPr id="3" name="Content Placeholder 2"/>
+          <p:cNvSpPr>
+            <a:spLocks noGrp="1"/>
+          </p:cNvSpPr>
+          <p:nvPr>
+            <p:ph idx="1"/>
+          </p:nvPr>
+        </p:nvSpPr>
+        <p:spPr/>
+        <p:txBody>
+          <a:bodyPr/>
+          <a:lstStyle/>
+          <a:p>
+            <a:r>
+              <a:rPr lang="en-US" dirty="0" smtClean="0"/>
+              <a:t>Linear regression</a:t>
+            </a:r>
+          </a:p>
+          <a:p>
+            <a:r>
+              <a:rPr lang="en-US" dirty="0" smtClean="0"/>
+              <a:t>In </a:t>
+            </a:r>
+            <a:r>
+              <a:rPr lang="en-US" dirty="0"/>
+              <a:t>1</a:t>
+            </a:r>
+            <a:r>
+              <a:rPr lang="en-US" dirty="0" smtClean="0"/>
+              <a:t> </a:t>
+            </a:r>
+            <a:r>
+              <a:rPr lang="en-US" dirty="0" smtClean="0"/>
+              <a:t>variable: y = a x + b</a:t>
+            </a:r>
+          </a:p>
+          <a:p>
+            <a:r>
+              <a:rPr lang="en-US" dirty="0" smtClean="0"/>
+              <a:t>You have a set of (</a:t>
+            </a:r>
+            <a:r>
+              <a:rPr lang="en-US" dirty="0" err="1" smtClean="0"/>
+              <a:t>x,y</a:t>
+            </a:r>
+            <a:r>
+              <a:rPr lang="en-US" dirty="0" smtClean="0"/>
+              <a:t>) of data points</a:t>
+            </a:r>
+          </a:p>
+          <a:p>
+            <a:r>
+              <a:rPr lang="en-US" dirty="0" smtClean="0"/>
+              <a:t>Find the (</a:t>
+            </a:r>
+            <a:r>
+              <a:rPr lang="en-US" dirty="0" err="1" smtClean="0"/>
+              <a:t>a,b</a:t>
+            </a:r>
+            <a:r>
+              <a:rPr lang="en-US" dirty="0" smtClean="0"/>
+              <a:t>) that best fit the equation</a:t>
+            </a:r>
+          </a:p>
+          <a:p>
+            <a:pPr lvl="1"/>
+            <a:r>
+              <a:rPr lang="en-US" dirty="0" smtClean="0"/>
+              <a:t>a: slope of the line</a:t>
+            </a:r>
+          </a:p>
+          <a:p>
+            <a:pPr lvl="1"/>
+            <a:r>
+              <a:rPr lang="en-US" dirty="0" smtClean="0"/>
+              <a:t>b: y-intercept</a:t>
+            </a:r>
+          </a:p>
+          <a:p>
+            <a:r>
+              <a:rPr lang="en-US" dirty="0" smtClean="0"/>
+              <a:t>Solution: Least Squares</a:t>
+            </a:r>
+          </a:p>
+          <a:p>
+            <a:pPr lvl="1"/>
+            <a:r>
+              <a:rPr lang="en-US" dirty="0" smtClean="0"/>
+              <a:t>minimizes the squared distance </a:t>
+            </a:r>
+          </a:p>
+          <a:p>
+            <a:pPr marL="457200" lvl="1" indent="0">
+              <a:buNone/>
+            </a:pPr>
+            <a:r>
+              <a:rPr lang="en-US" dirty="0"/>
+              <a:t> </a:t>
+            </a:r>
+            <a:r>
+              <a:rPr lang="en-US" dirty="0" smtClean="0"/>
+              <a:t>  </a:t>
+            </a:r>
+            <a:r>
+              <a:rPr lang="en-US" dirty="0" smtClean="0"/>
+              <a:t>between </a:t>
+            </a:r>
+            <a:r>
+              <a:rPr lang="en-US" dirty="0" smtClean="0"/>
+              <a:t>the points and the solution line</a:t>
+            </a:r>
+            <a:endParaRPr lang="en-US" dirty="0"/>
+          </a:p>
+        </p:txBody>
+      </p:sp>
+      <p:pic>
+        <p:nvPicPr>
+          <p:cNvPr id="4" name="Picture 3"/>
+          <p:cNvPicPr>
+            <a:picLocks noChangeAspect="1"/>
+          </p:cNvPicPr>
+          <p:nvPr/>
+        </p:nvPicPr>
+        <p:blipFill>
+          <a:blip r:embed="rId2" cstate="print">
+            <a:extLst>
+              <a:ext uri="{28A0092B-C50C-407E-A947-70E740481C1C}">
+                <a14:useLocalDpi xmlns:a14="http://schemas.microsoft.com/office/drawing/2010/main" val="0"/>
+              </a:ext>
+            </a:extLst>
+          </a:blip>
+          <a:stretch>
+            <a:fillRect/>
+          </a:stretch>
+        </p:blipFill>
+        <p:spPr>
+          <a:xfrm>
+            <a:off x="7672252" y="1961725"/>
+            <a:ext cx="3237411" cy="4079137"/>
+          </a:xfrm>
+          <a:prstGeom prst="rect">
+            <a:avLst/>
+          </a:prstGeom>
+        </p:spPr>
+      </p:pic>
+    </p:spTree>
+    <p:extLst>
+      <p:ext uri="{BB962C8B-B14F-4D97-AF65-F5344CB8AC3E}">
+        <p14:creationId xmlns:p14="http://schemas.microsoft.com/office/powerpoint/2010/main" val="3728525336"/>
+      </p:ext>
+    </p:extLst>
+  </p:cSld>
+  <p:clrMapOvr>
+    <a:masterClrMapping/>
+  </p:clrMapOvr>
+  <p:timing>
+    <p:tnLst>
+      <p:par>
+        <p:cTn id="1" dur="indefinite" restart="never" nodeType="tmRoot"/>
+      </p:par>
+    </p:tnLst>
+  </p:timing>
+</p:sld>
+</file>
+
+<file path=ppt/slides/slide27.xml><?xml version="1.0" encoding="utf-8"?>
+<p:sld xmlns:a="http://schemas.openxmlformats.org/drawingml/2006/main" xmlns:r="http://schemas.openxmlformats.org/officeDocument/2006/relationships" xmlns:p="http://schemas.openxmlformats.org/presentationml/2006/main">
+  <p:cSld>
+    <p:spTree>
+      <p:nvGrpSpPr>
+        <p:cNvPr id="1" name=""/>
+        <p:cNvGrpSpPr/>
+        <p:nvPr/>
+      </p:nvGrpSpPr>
+      <p:grpSpPr>
+        <a:xfrm>
+          <a:off x="0" y="0"/>
+          <a:ext cx="0" cy="0"/>
+          <a:chOff x="0" y="0"/>
+          <a:chExt cx="0" cy="0"/>
+        </a:xfrm>
+      </p:grpSpPr>
+      <p:sp>
+        <p:nvSpPr>
+          <p:cNvPr id="2" name="Title 1"/>
+          <p:cNvSpPr>
+            <a:spLocks noGrp="1"/>
+          </p:cNvSpPr>
+          <p:nvPr>
+            <p:ph type="title"/>
+          </p:nvPr>
+        </p:nvSpPr>
+        <p:spPr>
+          <a:xfrm>
+            <a:off x="838200" y="304162"/>
+            <a:ext cx="10515600" cy="1325563"/>
+          </a:xfrm>
+        </p:spPr>
+        <p:txBody>
+          <a:bodyPr/>
+          <a:lstStyle/>
+          <a:p>
+            <a:r>
+              <a:rPr lang="en-US" dirty="0" smtClean="0"/>
+              <a:t>Common </a:t>
+            </a:r>
+            <a:r>
+              <a:rPr lang="en-US" dirty="0" smtClean="0"/>
+              <a:t>ML </a:t>
+            </a:r>
+            <a:r>
+              <a:rPr lang="en-US" dirty="0"/>
+              <a:t>A</a:t>
+            </a:r>
+            <a:r>
+              <a:rPr lang="en-US" dirty="0" smtClean="0"/>
+              <a:t>lgorithms</a:t>
+            </a:r>
+            <a:endParaRPr lang="en-US" dirty="0"/>
+          </a:p>
+        </p:txBody>
+      </p:sp>
+      <p:graphicFrame>
+        <p:nvGraphicFramePr>
+          <p:cNvPr id="4" name="Content Placeholder 3"/>
+          <p:cNvGraphicFramePr>
+            <a:graphicFrameLocks noGrp="1"/>
+          </p:cNvGraphicFramePr>
+          <p:nvPr>
+            <p:ph idx="1"/>
+            <p:extLst>
+              <p:ext uri="{D42A27DB-BD31-4B8C-83A1-F6EECF244321}">
+                <p14:modId xmlns:p14="http://schemas.microsoft.com/office/powerpoint/2010/main" val="3684287287"/>
+              </p:ext>
+            </p:extLst>
+          </p:nvPr>
+        </p:nvGraphicFramePr>
+        <p:xfrm>
+          <a:off x="838200" y="1355350"/>
+          <a:ext cx="10515600" cy="2748280"/>
+        </p:xfrm>
+        <a:graphic>
+          <a:graphicData uri="http://schemas.openxmlformats.org/drawingml/2006/table">
+            <a:tbl>
+              <a:tblPr firstRow="1" bandRow="1">
+                <a:tableStyleId>{9D7B26C5-4107-4FEC-AEDC-1716B250A1EF}</a:tableStyleId>
+              </a:tblPr>
+              <a:tblGrid>
+                <a:gridCol w="2375263">
+                  <a:extLst>
+                    <a:ext uri="{9D8B030D-6E8A-4147-A177-3AD203B41FA5}">
+                      <a16:colId xmlns:a16="http://schemas.microsoft.com/office/drawing/2014/main" val="1616610078"/>
+                    </a:ext>
+                  </a:extLst>
+                </a:gridCol>
+                <a:gridCol w="4920343">
+                  <a:extLst>
+                    <a:ext uri="{9D8B030D-6E8A-4147-A177-3AD203B41FA5}">
+                      <a16:colId xmlns:a16="http://schemas.microsoft.com/office/drawing/2014/main" val="3725788243"/>
+                    </a:ext>
+                  </a:extLst>
+                </a:gridCol>
+                <a:gridCol w="3219994">
+                  <a:extLst>
+                    <a:ext uri="{9D8B030D-6E8A-4147-A177-3AD203B41FA5}">
+                      <a16:colId xmlns:a16="http://schemas.microsoft.com/office/drawing/2014/main" val="1966601776"/>
+                    </a:ext>
+                  </a:extLst>
+                </a:gridCol>
+              </a:tblGrid>
+              <a:tr h="370840">
+                <a:tc>
+                  <a:txBody>
+                    <a:bodyPr/>
+                    <a:lstStyle/>
+                    <a:p>
+                      <a:endParaRPr lang="en-US" b="1" dirty="0"/>
+                    </a:p>
+                  </a:txBody>
+                  <a:tcPr/>
+                </a:tc>
+                <a:tc>
+                  <a:txBody>
+                    <a:bodyPr/>
+                    <a:lstStyle/>
+                    <a:p>
+                      <a:r>
+                        <a:rPr lang="en-US" dirty="0" smtClean="0"/>
+                        <a:t>Linear model</a:t>
+                      </a:r>
+                      <a:endParaRPr lang="en-US" b="1" dirty="0"/>
+                    </a:p>
+                  </a:txBody>
+                  <a:tcPr/>
+                </a:tc>
+                <a:tc>
+                  <a:txBody>
+                    <a:bodyPr/>
+                    <a:lstStyle/>
+                    <a:p>
+                      <a:r>
+                        <a:rPr lang="en-US" dirty="0" smtClean="0"/>
+                        <a:t>Non-linear</a:t>
+                      </a:r>
+                      <a:r>
+                        <a:rPr lang="en-US" baseline="0" dirty="0" smtClean="0"/>
+                        <a:t> model</a:t>
+                      </a:r>
+                      <a:endParaRPr lang="en-US" b="1" dirty="0"/>
+                    </a:p>
+                  </a:txBody>
+                  <a:tcPr/>
+                </a:tc>
+                <a:extLst>
+                  <a:ext uri="{0D108BD9-81ED-4DB2-BD59-A6C34878D82A}">
+                    <a16:rowId xmlns:a16="http://schemas.microsoft.com/office/drawing/2014/main" val="3493524001"/>
+                  </a:ext>
+                </a:extLst>
+              </a:tr>
+              <a:tr h="370840">
+                <a:tc>
+                  <a:txBody>
+                    <a:bodyPr/>
+                    <a:lstStyle/>
+                    <a:p>
+                      <a:r>
+                        <a:rPr lang="en-US" b="1" dirty="0" smtClean="0"/>
+                        <a:t>Discriminative model</a:t>
+                      </a:r>
+                      <a:endParaRPr lang="en-US" b="1" dirty="0"/>
+                    </a:p>
+                  </a:txBody>
+                  <a:tcPr/>
+                </a:tc>
+                <a:tc>
+                  <a:txBody>
+                    <a:bodyPr/>
+                    <a:lstStyle/>
+                    <a:p>
+                      <a:r>
+                        <a:rPr lang="en-US" dirty="0" smtClean="0"/>
+                        <a:t>Linear regression (for regression) &amp; Logistic </a:t>
+                      </a:r>
+                      <a:r>
+                        <a:rPr lang="en-US" dirty="0" smtClean="0"/>
+                        <a:t>Regression </a:t>
+                      </a:r>
+                      <a:r>
+                        <a:rPr lang="en-US" dirty="0" smtClean="0"/>
+                        <a:t>(for</a:t>
+                      </a:r>
+                      <a:r>
+                        <a:rPr lang="en-US" baseline="0" dirty="0" smtClean="0"/>
+                        <a:t> classification</a:t>
+                      </a:r>
+                      <a:r>
+                        <a:rPr lang="en-US" dirty="0" smtClean="0"/>
+                        <a:t>) (*)</a:t>
+                      </a:r>
+                      <a:endParaRPr lang="en-US" dirty="0" smtClean="0"/>
+                    </a:p>
+                    <a:p>
+                      <a:endParaRPr lang="en-US" dirty="0" smtClean="0"/>
+                    </a:p>
+                    <a:p>
+                      <a:r>
+                        <a:rPr lang="en-US" dirty="0" smtClean="0"/>
+                        <a:t>Support</a:t>
+                      </a:r>
+                      <a:r>
+                        <a:rPr lang="en-US" baseline="0" dirty="0" smtClean="0"/>
+                        <a:t> vector machine (SVM</a:t>
+                      </a:r>
+                      <a:r>
+                        <a:rPr lang="en-US" baseline="0" dirty="0" smtClean="0"/>
+                        <a:t>) &amp; support vector </a:t>
+                      </a:r>
+                      <a:r>
+                        <a:rPr lang="en-US" baseline="0" dirty="0" err="1" smtClean="0"/>
+                        <a:t>regressor</a:t>
+                      </a:r>
+                      <a:r>
+                        <a:rPr lang="en-US" baseline="0" dirty="0" smtClean="0"/>
+                        <a:t> (SVR)</a:t>
+                      </a:r>
+                      <a:endParaRPr lang="en-US" baseline="0" dirty="0" smtClean="0"/>
+                    </a:p>
+                  </a:txBody>
+                  <a:tcPr/>
+                </a:tc>
+                <a:tc>
+                  <a:txBody>
+                    <a:bodyPr/>
+                    <a:lstStyle/>
+                    <a:p>
+                      <a:r>
+                        <a:rPr lang="en-US" dirty="0" smtClean="0"/>
+                        <a:t>K-nearest neighbors (*)</a:t>
+                      </a:r>
+                    </a:p>
+                    <a:p>
+                      <a:endParaRPr lang="en-US" dirty="0" smtClean="0"/>
+                    </a:p>
+                    <a:p>
+                      <a:r>
+                        <a:rPr lang="en-US" dirty="0" smtClean="0"/>
+                        <a:t>Decision Trees (*)</a:t>
+                      </a:r>
+                      <a:endParaRPr lang="en-US" dirty="0"/>
+                    </a:p>
+                  </a:txBody>
+                  <a:tcPr/>
+                </a:tc>
+                <a:extLst>
+                  <a:ext uri="{0D108BD9-81ED-4DB2-BD59-A6C34878D82A}">
+                    <a16:rowId xmlns:a16="http://schemas.microsoft.com/office/drawing/2014/main" val="2086773585"/>
+                  </a:ext>
+                </a:extLst>
+              </a:tr>
+              <a:tr h="370840">
+                <a:tc>
+                  <a:txBody>
+                    <a:bodyPr/>
+                    <a:lstStyle/>
+                    <a:p>
+                      <a:r>
+                        <a:rPr lang="en-US" b="1" dirty="0" smtClean="0"/>
+                        <a:t>Generative model</a:t>
+                      </a:r>
+                      <a:endParaRPr lang="en-US" b="1" dirty="0"/>
+                    </a:p>
+                  </a:txBody>
+                  <a:tcPr/>
+                </a:tc>
+                <a:tc>
+                  <a:txBody>
+                    <a:bodyPr/>
+                    <a:lstStyle/>
+                    <a:p>
+                      <a:r>
+                        <a:rPr lang="en-US" dirty="0" smtClean="0"/>
+                        <a:t>Linear</a:t>
+                      </a:r>
+                      <a:r>
+                        <a:rPr lang="en-US" baseline="0" dirty="0" smtClean="0"/>
+                        <a:t> Discriminative Analysis (LDA)</a:t>
+                      </a:r>
+                    </a:p>
+                    <a:p>
+                      <a:endParaRPr lang="en-US" baseline="0" dirty="0" smtClean="0"/>
+                    </a:p>
+                    <a:p>
+                      <a:r>
+                        <a:rPr lang="en-US" baseline="0" dirty="0" smtClean="0"/>
+                        <a:t>Naïve Bayes</a:t>
+                      </a:r>
+                      <a:endParaRPr lang="en-US" dirty="0"/>
+                    </a:p>
+                  </a:txBody>
+                  <a:tcPr/>
+                </a:tc>
+                <a:tc>
+                  <a:txBody>
+                    <a:bodyPr/>
+                    <a:lstStyle/>
+                    <a:p>
+                      <a:r>
+                        <a:rPr lang="en-US" dirty="0" smtClean="0"/>
+                        <a:t>Generative Neural Networks</a:t>
+                      </a:r>
+                      <a:endParaRPr lang="en-US" dirty="0"/>
+                    </a:p>
+                  </a:txBody>
+                  <a:tcPr/>
+                </a:tc>
+                <a:extLst>
+                  <a:ext uri="{0D108BD9-81ED-4DB2-BD59-A6C34878D82A}">
+                    <a16:rowId xmlns:a16="http://schemas.microsoft.com/office/drawing/2014/main" val="2376581804"/>
+                  </a:ext>
+                </a:extLst>
+              </a:tr>
+            </a:tbl>
+          </a:graphicData>
+        </a:graphic>
+      </p:graphicFrame>
+      <p:pic>
+        <p:nvPicPr>
+          <p:cNvPr id="5" name="Picture 4"/>
+          <p:cNvPicPr>
+            <a:picLocks noChangeAspect="1"/>
+          </p:cNvPicPr>
+          <p:nvPr/>
+        </p:nvPicPr>
+        <p:blipFill>
+          <a:blip r:embed="rId2">
+            <a:extLst>
+              <a:ext uri="{28A0092B-C50C-407E-A947-70E740481C1C}">
+                <a14:useLocalDpi xmlns:a14="http://schemas.microsoft.com/office/drawing/2010/main" val="0"/>
+              </a:ext>
+            </a:extLst>
+          </a:blip>
+          <a:stretch>
+            <a:fillRect/>
+          </a:stretch>
+        </p:blipFill>
+        <p:spPr>
+          <a:xfrm>
+            <a:off x="1839685" y="4328346"/>
+            <a:ext cx="3237411" cy="2084892"/>
+          </a:xfrm>
+          <a:prstGeom prst="rect">
+            <a:avLst/>
+          </a:prstGeom>
+        </p:spPr>
+      </p:pic>
+      <p:pic>
+        <p:nvPicPr>
+          <p:cNvPr id="6" name="Picture 5"/>
+          <p:cNvPicPr>
+            <a:picLocks noChangeAspect="1"/>
+          </p:cNvPicPr>
+          <p:nvPr/>
+        </p:nvPicPr>
+        <p:blipFill>
+          <a:blip r:embed="rId3">
+            <a:extLst>
+              <a:ext uri="{28A0092B-C50C-407E-A947-70E740481C1C}">
+                <a14:useLocalDpi xmlns:a14="http://schemas.microsoft.com/office/drawing/2010/main" val="0"/>
+              </a:ext>
+            </a:extLst>
+          </a:blip>
+          <a:stretch>
+            <a:fillRect/>
+          </a:stretch>
+        </p:blipFill>
+        <p:spPr>
+          <a:xfrm>
+            <a:off x="6816771" y="4665552"/>
+            <a:ext cx="3145835" cy="1747686"/>
+          </a:xfrm>
+          <a:prstGeom prst="rect">
+            <a:avLst/>
+          </a:prstGeom>
+        </p:spPr>
+      </p:pic>
+      <p:sp>
+        <p:nvSpPr>
+          <p:cNvPr id="7" name="TextBox 6"/>
+          <p:cNvSpPr txBox="1"/>
+          <p:nvPr/>
+        </p:nvSpPr>
+        <p:spPr>
+          <a:xfrm>
+            <a:off x="6888481" y="4296220"/>
+            <a:ext cx="1245325" cy="369332"/>
+          </a:xfrm>
+          <a:prstGeom prst="rect">
+            <a:avLst/>
+          </a:prstGeom>
+          <a:noFill/>
+        </p:spPr>
+        <p:txBody>
+          <a:bodyPr wrap="square" rtlCol="0">
+            <a:spAutoFit/>
+          </a:bodyPr>
+          <a:lstStyle/>
+          <a:p>
+            <a:r>
+              <a:rPr lang="en-US" b="1" dirty="0" smtClean="0"/>
+              <a:t>Linear</a:t>
+            </a:r>
+            <a:endParaRPr lang="en-US" b="1" dirty="0"/>
+          </a:p>
+        </p:txBody>
+      </p:sp>
+      <p:sp>
+        <p:nvSpPr>
+          <p:cNvPr id="8" name="TextBox 7"/>
+          <p:cNvSpPr txBox="1"/>
+          <p:nvPr/>
+        </p:nvSpPr>
+        <p:spPr>
+          <a:xfrm>
+            <a:off x="8547464" y="4296220"/>
+            <a:ext cx="1245325" cy="369332"/>
+          </a:xfrm>
+          <a:prstGeom prst="rect">
+            <a:avLst/>
+          </a:prstGeom>
+          <a:noFill/>
+        </p:spPr>
+        <p:txBody>
+          <a:bodyPr wrap="square" rtlCol="0">
+            <a:spAutoFit/>
+          </a:bodyPr>
+          <a:lstStyle/>
+          <a:p>
+            <a:r>
+              <a:rPr lang="en-US" b="1" dirty="0" smtClean="0"/>
+              <a:t>Non-linear</a:t>
+            </a:r>
+            <a:endParaRPr lang="en-US" b="1" dirty="0"/>
+          </a:p>
+        </p:txBody>
+      </p:sp>
+    </p:spTree>
+    <p:extLst>
+      <p:ext uri="{BB962C8B-B14F-4D97-AF65-F5344CB8AC3E}">
+        <p14:creationId xmlns:p14="http://schemas.microsoft.com/office/powerpoint/2010/main" val="1873891268"/>
+      </p:ext>
+    </p:extLst>
+  </p:cSld>
+  <p:clrMapOvr>
+    <a:masterClrMapping/>
+  </p:clrMapOvr>
+  <p:timing>
+    <p:tnLst>
+      <p:par>
+        <p:cTn id="1" dur="indefinite" restart="never" nodeType="tmRoot"/>
+      </p:par>
+    </p:tnLst>
+  </p:timing>
+</p:sld>
+</file>
+
+<file path=ppt/slides/slide28.xml><?xml version="1.0" encoding="utf-8"?>
+<p:sld xmlns:a="http://schemas.openxmlformats.org/drawingml/2006/main" xmlns:r="http://schemas.openxmlformats.org/officeDocument/2006/relationships" xmlns:p="http://schemas.openxmlformats.org/presentationml/2006/main">
+  <p:cSld>
+    <p:spTree>
+      <p:nvGrpSpPr>
+        <p:cNvPr id="1" name=""/>
+        <p:cNvGrpSpPr/>
+        <p:nvPr/>
+      </p:nvGrpSpPr>
+      <p:grpSpPr>
+        <a:xfrm>
+          <a:off x="0" y="0"/>
+          <a:ext cx="0" cy="0"/>
+          <a:chOff x="0" y="0"/>
+          <a:chExt cx="0" cy="0"/>
+        </a:xfrm>
+      </p:grpSpPr>
+      <p:sp>
+        <p:nvSpPr>
+          <p:cNvPr id="2" name="Title 1"/>
+          <p:cNvSpPr>
+            <a:spLocks noGrp="1"/>
+          </p:cNvSpPr>
+          <p:nvPr>
+            <p:ph type="title"/>
+          </p:nvPr>
+        </p:nvSpPr>
+        <p:spPr>
+          <a:xfrm>
+            <a:off x="838200" y="365125"/>
+            <a:ext cx="11083834" cy="1325563"/>
+          </a:xfrm>
+        </p:spPr>
+        <p:txBody>
+          <a:bodyPr/>
+          <a:lstStyle/>
+          <a:p>
+            <a:r>
+              <a:rPr lang="en-US" dirty="0" smtClean="0"/>
+              <a:t>Linear/nonlinear regression vs logistic </a:t>
+            </a:r>
+            <a:r>
+              <a:rPr lang="en-US" dirty="0" smtClean="0"/>
+              <a:t>regression</a:t>
+            </a:r>
+            <a:endParaRPr lang="en-US" dirty="0"/>
+          </a:p>
+        </p:txBody>
+      </p:sp>
+      <p:pic>
+        <p:nvPicPr>
+          <p:cNvPr id="7" name="Content Placeholder 6"/>
+          <p:cNvPicPr>
+            <a:picLocks noGrp="1" noChangeAspect="1"/>
+          </p:cNvPicPr>
+          <p:nvPr>
+            <p:ph idx="1"/>
+          </p:nvPr>
+        </p:nvPicPr>
+        <p:blipFill>
+          <a:blip r:embed="rId2">
+            <a:extLst>
+              <a:ext uri="{28A0092B-C50C-407E-A947-70E740481C1C}">
+                <a14:useLocalDpi xmlns:a14="http://schemas.microsoft.com/office/drawing/2010/main" val="0"/>
+              </a:ext>
+            </a:extLst>
+          </a:blip>
+          <a:stretch>
+            <a:fillRect/>
+          </a:stretch>
+        </p:blipFill>
+        <p:spPr>
+          <a:xfrm>
+            <a:off x="2447608" y="3753395"/>
+            <a:ext cx="6622460" cy="2838197"/>
+          </a:xfrm>
+        </p:spPr>
+      </p:pic>
+      <p:pic>
+        <p:nvPicPr>
+          <p:cNvPr id="9" name="Picture 8"/>
+          <p:cNvPicPr>
+            <a:picLocks noChangeAspect="1"/>
+          </p:cNvPicPr>
+          <p:nvPr/>
+        </p:nvPicPr>
+        <p:blipFill rotWithShape="1">
+          <a:blip r:embed="rId3">
+            <a:extLst>
+              <a:ext uri="{28A0092B-C50C-407E-A947-70E740481C1C}">
+                <a14:useLocalDpi xmlns:a14="http://schemas.microsoft.com/office/drawing/2010/main" val="0"/>
+              </a:ext>
+            </a:extLst>
+          </a:blip>
+          <a:srcRect b="9863"/>
+          <a:stretch/>
+        </p:blipFill>
+        <p:spPr>
+          <a:xfrm>
+            <a:off x="2447608" y="1445506"/>
+            <a:ext cx="6622460" cy="2307889"/>
+          </a:xfrm>
+          <a:prstGeom prst="rect">
+            <a:avLst/>
+          </a:prstGeom>
+        </p:spPr>
+      </p:pic>
+    </p:spTree>
+    <p:extLst>
+      <p:ext uri="{BB962C8B-B14F-4D97-AF65-F5344CB8AC3E}">
+        <p14:creationId xmlns:p14="http://schemas.microsoft.com/office/powerpoint/2010/main" val="1355043204"/>
+      </p:ext>
+    </p:extLst>
+  </p:cSld>
+  <p:clrMapOvr>
+    <a:masterClrMapping/>
+  </p:clrMapOvr>
+  <p:timing>
+    <p:tnLst>
+      <p:par>
+        <p:cTn id="1" dur="indefinite" restart="never" nodeType="tmRoot"/>
+      </p:par>
+    </p:tnLst>
+  </p:timing>
+</p:sld>
+</file>
+
+<file path=ppt/slides/slide29.xml><?xml version="1.0" encoding="utf-8"?>
+<p:sld xmlns:a="http://schemas.openxmlformats.org/drawingml/2006/main" xmlns:r="http://schemas.openxmlformats.org/officeDocument/2006/relationships" xmlns:p="http://schemas.openxmlformats.org/presentationml/2006/main">
+  <p:cSld>
+    <p:spTree>
+      <p:nvGrpSpPr>
+        <p:cNvPr id="1" name=""/>
+        <p:cNvGrpSpPr/>
+        <p:nvPr/>
+      </p:nvGrpSpPr>
+      <p:grpSpPr>
+        <a:xfrm>
+          <a:off x="0" y="0"/>
+          <a:ext cx="0" cy="0"/>
+          <a:chOff x="0" y="0"/>
+          <a:chExt cx="0" cy="0"/>
+        </a:xfrm>
+      </p:grpSpPr>
+      <p:sp>
+        <p:nvSpPr>
+          <p:cNvPr id="2" name="Title 1"/>
+          <p:cNvSpPr>
+            <a:spLocks noGrp="1"/>
+          </p:cNvSpPr>
+          <p:nvPr>
+            <p:ph type="title"/>
+          </p:nvPr>
+        </p:nvSpPr>
+        <p:spPr/>
+        <p:txBody>
+          <a:bodyPr/>
+          <a:lstStyle/>
+          <a:p>
+            <a:r>
+              <a:rPr lang="en-US" dirty="0" smtClean="0"/>
+              <a:t>KNN </a:t>
+            </a:r>
+            <a:r>
+              <a:rPr lang="en-US" dirty="0" smtClean="0"/>
+              <a:t>Classifier vs KNN </a:t>
+            </a:r>
+            <a:r>
+              <a:rPr lang="en-US" dirty="0" err="1" smtClean="0"/>
+              <a:t>Regressor</a:t>
+            </a:r>
+            <a:endParaRPr lang="en-US" dirty="0"/>
+          </a:p>
+        </p:txBody>
+      </p:sp>
+      <p:pic>
+        <p:nvPicPr>
+          <p:cNvPr id="4" name="Content Placeholder 3"/>
+          <p:cNvPicPr>
+            <a:picLocks noGrp="1" noChangeAspect="1"/>
+          </p:cNvPicPr>
+          <p:nvPr>
+            <p:ph idx="1"/>
+          </p:nvPr>
+        </p:nvPicPr>
+        <p:blipFill>
+          <a:blip r:embed="rId2">
+            <a:extLst>
+              <a:ext uri="{28A0092B-C50C-407E-A947-70E740481C1C}">
+                <a14:useLocalDpi xmlns:a14="http://schemas.microsoft.com/office/drawing/2010/main" val="0"/>
+              </a:ext>
+            </a:extLst>
+          </a:blip>
+          <a:stretch>
+            <a:fillRect/>
+          </a:stretch>
+        </p:blipFill>
+        <p:spPr>
+          <a:xfrm>
+            <a:off x="507718" y="1931124"/>
+            <a:ext cx="5588282" cy="4869654"/>
+          </a:xfrm>
+        </p:spPr>
+      </p:pic>
+      <p:pic>
+        <p:nvPicPr>
+          <p:cNvPr id="3" name="Picture 2"/>
+          <p:cNvPicPr>
+            <a:picLocks noChangeAspect="1"/>
+          </p:cNvPicPr>
+          <p:nvPr/>
+        </p:nvPicPr>
+        <p:blipFill>
+          <a:blip r:embed="rId3">
+            <a:extLst>
+              <a:ext uri="{28A0092B-C50C-407E-A947-70E740481C1C}">
+                <a14:useLocalDpi xmlns:a14="http://schemas.microsoft.com/office/drawing/2010/main" val="0"/>
+              </a:ext>
+            </a:extLst>
+          </a:blip>
+          <a:stretch>
+            <a:fillRect/>
+          </a:stretch>
+        </p:blipFill>
+        <p:spPr>
+          <a:xfrm>
+            <a:off x="6026323" y="1931124"/>
+            <a:ext cx="6165677" cy="4624258"/>
+          </a:xfrm>
+          <a:prstGeom prst="rect">
+            <a:avLst/>
+          </a:prstGeom>
+        </p:spPr>
+      </p:pic>
+      <p:sp>
+        <p:nvSpPr>
+          <p:cNvPr id="5" name="TextBox 4"/>
+          <p:cNvSpPr txBox="1"/>
+          <p:nvPr/>
+        </p:nvSpPr>
+        <p:spPr>
+          <a:xfrm>
+            <a:off x="838200" y="1628720"/>
+            <a:ext cx="1184366" cy="369332"/>
+          </a:xfrm>
+          <a:prstGeom prst="rect">
+            <a:avLst/>
+          </a:prstGeom>
+          <a:noFill/>
+        </p:spPr>
+        <p:txBody>
+          <a:bodyPr wrap="square" rtlCol="0">
+            <a:spAutoFit/>
+          </a:bodyPr>
+          <a:lstStyle/>
+          <a:p>
+            <a:r>
+              <a:rPr lang="en-US" b="1" dirty="0" smtClean="0"/>
+              <a:t>Classifier</a:t>
+            </a:r>
+            <a:endParaRPr lang="en-US" b="1" dirty="0"/>
+          </a:p>
+        </p:txBody>
+      </p:sp>
+      <p:sp>
+        <p:nvSpPr>
+          <p:cNvPr id="6" name="TextBox 5"/>
+          <p:cNvSpPr txBox="1"/>
+          <p:nvPr/>
+        </p:nvSpPr>
+        <p:spPr>
+          <a:xfrm>
+            <a:off x="6426482" y="1628720"/>
+            <a:ext cx="1184366" cy="369332"/>
+          </a:xfrm>
+          <a:prstGeom prst="rect">
+            <a:avLst/>
+          </a:prstGeom>
+          <a:noFill/>
+        </p:spPr>
+        <p:txBody>
+          <a:bodyPr wrap="square" rtlCol="0">
+            <a:spAutoFit/>
+          </a:bodyPr>
+          <a:lstStyle/>
+          <a:p>
+            <a:r>
+              <a:rPr lang="en-US" b="1" dirty="0" err="1" smtClean="0"/>
+              <a:t>Regressor</a:t>
+            </a:r>
+            <a:endParaRPr lang="en-US" b="1" dirty="0"/>
+          </a:p>
+        </p:txBody>
+      </p:sp>
+    </p:spTree>
+    <p:extLst>
+      <p:ext uri="{BB962C8B-B14F-4D97-AF65-F5344CB8AC3E}">
+        <p14:creationId xmlns:p14="http://schemas.microsoft.com/office/powerpoint/2010/main" val="3624121677"/>
+      </p:ext>
+    </p:extLst>
+  </p:cSld>
+  <p:clrMapOvr>
+    <a:masterClrMapping/>
+  </p:clrMapOvr>
+  <p:timing>
+    <p:tnLst>
+      <p:par>
+        <p:cTn id="1" dur="indefinite" restart="never" nodeType="tmRoot"/>
+      </p:par>
+    </p:tnLst>
+  </p:timing>
+</p:sld>
+</file>
+
+<file path=ppt/slides/slide3.xml><?xml version="1.0" encoding="utf-8"?>
+<p:sld xmlns:a="http://schemas.openxmlformats.org/drawingml/2006/main" xmlns:r="http://schemas.openxmlformats.org/officeDocument/2006/relationships" xmlns:p="http://schemas.openxmlformats.org/presentationml/2006/main">
+  <p:cSld>
+    <p:bg>
+      <p:bgPr>
+        <a:blipFill dpi="0" rotWithShape="1">
+          <a:blip r:embed="rId2">
+            <a:lum/>
+          </a:blip>
+          <a:srcRect/>
+          <a:stretch>
+            <a:fillRect/>
+          </a:stretch>
+        </a:blipFill>
+        <a:effectLst/>
+      </p:bgPr>
+    </p:bg>
+    <p:spTree>
+      <p:nvGrpSpPr>
+        <p:cNvPr id="1" name=""/>
+        <p:cNvGrpSpPr/>
+        <p:nvPr/>
+      </p:nvGrpSpPr>
+      <p:grpSpPr>
+        <a:xfrm>
+          <a:off x="0" y="0"/>
+          <a:ext cx="0" cy="0"/>
+          <a:chOff x="0" y="0"/>
+          <a:chExt cx="0" cy="0"/>
+        </a:xfrm>
+      </p:grpSpPr>
+      <p:sp>
+        <p:nvSpPr>
+          <p:cNvPr id="2" name="Title 1"/>
+          <p:cNvSpPr>
+            <a:spLocks noGrp="1"/>
+          </p:cNvSpPr>
+          <p:nvPr>
+            <p:ph type="title"/>
+          </p:nvPr>
+        </p:nvSpPr>
+        <p:spPr>
+          <a:xfrm>
+            <a:off x="343348" y="263392"/>
+            <a:ext cx="10515600" cy="1325563"/>
+          </a:xfrm>
+        </p:spPr>
+        <p:txBody>
+          <a:bodyPr/>
+          <a:lstStyle/>
+          <a:p>
+            <a:r>
+              <a:rPr lang="en-US" dirty="0" smtClean="0">
+                <a:effectLst>
+                  <a:outerShdw blurRad="38100" dist="38100" dir="2700000" algn="tl">
+                    <a:srgbClr val="000000">
+                      <a:alpha val="43137"/>
+                    </a:srgbClr>
+                  </a:outerShdw>
+                </a:effectLst>
+              </a:rPr>
+              <a:t>Why Machine Learning?</a:t>
+            </a:r>
+            <a:endParaRPr lang="en-US" dirty="0">
+              <a:effectLst>
+                <a:outerShdw blurRad="38100" dist="38100" dir="2700000" algn="tl">
+                  <a:srgbClr val="000000">
+                    <a:alpha val="43137"/>
+                  </a:srgbClr>
+                </a:outerShdw>
+              </a:effectLst>
+            </a:endParaRPr>
+          </a:p>
+        </p:txBody>
+      </p:sp>
+      <p:sp>
+        <p:nvSpPr>
+          <p:cNvPr id="3" name="Content Placeholder 2"/>
+          <p:cNvSpPr>
+            <a:spLocks noGrp="1"/>
+          </p:cNvSpPr>
+          <p:nvPr>
+            <p:ph idx="1"/>
+          </p:nvPr>
+        </p:nvSpPr>
+        <p:spPr>
+          <a:xfrm>
+            <a:off x="838200" y="1825624"/>
+            <a:ext cx="10515600" cy="4758056"/>
+          </a:xfrm>
+        </p:spPr>
+        <p:txBody>
+          <a:bodyPr>
+            <a:normAutofit/>
+          </a:bodyPr>
+          <a:lstStyle/>
+          <a:p>
+            <a:pPr marL="0" indent="0">
+              <a:buNone/>
+            </a:pPr>
+            <a:endParaRPr lang="en-US" dirty="0" smtClean="0"/>
+          </a:p>
+          <a:p>
+            <a:pPr marL="0" indent="0">
+              <a:buNone/>
+            </a:pPr>
+            <a:endParaRPr lang="en-US" dirty="0"/>
+          </a:p>
+          <a:p>
+            <a:pPr marL="0" indent="0">
+              <a:buNone/>
+            </a:pPr>
+            <a:endParaRPr lang="en-US" dirty="0" smtClean="0"/>
+          </a:p>
+          <a:p>
+            <a:pPr marL="0" indent="0">
+              <a:buNone/>
+            </a:pPr>
+            <a:endParaRPr lang="en-US" dirty="0"/>
+          </a:p>
+          <a:p>
+            <a:pPr marL="0" indent="0">
+              <a:buNone/>
+            </a:pPr>
+            <a:endParaRPr lang="en-US" dirty="0" smtClean="0"/>
+          </a:p>
+          <a:p>
+            <a:pPr marL="0" indent="0">
+              <a:buNone/>
+            </a:pPr>
+            <a:endParaRPr lang="en-US" dirty="0"/>
+          </a:p>
+          <a:p>
+            <a:pPr marL="0" indent="0">
+              <a:buNone/>
+            </a:pPr>
+            <a:endParaRPr lang="en-US" dirty="0" smtClean="0"/>
+          </a:p>
+          <a:p>
+            <a:pPr marL="0" indent="0">
+              <a:buNone/>
+            </a:pPr>
+            <a:endParaRPr lang="en-US" dirty="0"/>
+          </a:p>
+          <a:p>
+            <a:pPr marL="0" indent="0">
+              <a:buNone/>
+            </a:pPr>
+            <a:r>
+              <a:rPr lang="en-US" b="1" i="1" dirty="0" smtClean="0">
+                <a:solidFill>
+                  <a:schemeClr val="bg1">
+                    <a:lumMod val="85000"/>
+                  </a:schemeClr>
+                </a:solidFill>
+              </a:rPr>
+              <a:t>data </a:t>
+            </a:r>
+            <a:r>
+              <a:rPr lang="en-US" b="1" i="1" dirty="0">
+                <a:solidFill>
+                  <a:schemeClr val="bg1">
+                    <a:lumMod val="85000"/>
+                  </a:schemeClr>
+                </a:solidFill>
+              </a:rPr>
+              <a:t>is the new </a:t>
+            </a:r>
+            <a:r>
+              <a:rPr lang="en-US" b="1" i="1" dirty="0" smtClean="0">
+                <a:solidFill>
+                  <a:schemeClr val="bg1">
+                    <a:lumMod val="85000"/>
+                  </a:schemeClr>
+                </a:solidFill>
+              </a:rPr>
+              <a:t>oil</a:t>
+            </a:r>
+            <a:endParaRPr lang="en-US" b="1" i="1" dirty="0">
+              <a:solidFill>
+                <a:schemeClr val="bg1">
+                  <a:lumMod val="85000"/>
+                </a:schemeClr>
+              </a:solidFill>
+            </a:endParaRPr>
+          </a:p>
+        </p:txBody>
+      </p:sp>
+    </p:spTree>
+    <p:extLst>
+      <p:ext uri="{BB962C8B-B14F-4D97-AF65-F5344CB8AC3E}">
+        <p14:creationId xmlns:p14="http://schemas.microsoft.com/office/powerpoint/2010/main" val="1395793237"/>
+      </p:ext>
+    </p:extLst>
+  </p:cSld>
+  <p:clrMapOvr>
+    <a:masterClrMapping/>
+  </p:clrMapOvr>
+  <p:timing>
+    <p:tnLst>
+      <p:par>
+        <p:cTn id="1" dur="indefinite" restart="never" nodeType="tmRoot"/>
+      </p:par>
+    </p:tnLst>
+  </p:timing>
+</p:sld>
+</file>
+
+<file path=ppt/slides/slide30.xml><?xml version="1.0" encoding="utf-8"?>
+<p:sld xmlns:a="http://schemas.openxmlformats.org/drawingml/2006/main" xmlns:r="http://schemas.openxmlformats.org/officeDocument/2006/relationships" xmlns:p="http://schemas.openxmlformats.org/presentationml/2006/main">
+  <p:cSld>
+    <p:spTree>
+      <p:nvGrpSpPr>
+        <p:cNvPr id="1" name=""/>
+        <p:cNvGrpSpPr/>
+        <p:nvPr/>
+      </p:nvGrpSpPr>
+      <p:grpSpPr>
+        <a:xfrm>
+          <a:off x="0" y="0"/>
+          <a:ext cx="0" cy="0"/>
+          <a:chOff x="0" y="0"/>
+          <a:chExt cx="0" cy="0"/>
+        </a:xfrm>
+      </p:grpSpPr>
+      <p:sp>
+        <p:nvSpPr>
+          <p:cNvPr id="2" name="Title 1"/>
+          <p:cNvSpPr>
+            <a:spLocks noGrp="1"/>
+          </p:cNvSpPr>
+          <p:nvPr>
+            <p:ph type="title"/>
+          </p:nvPr>
+        </p:nvSpPr>
+        <p:spPr/>
+        <p:txBody>
+          <a:bodyPr>
+            <a:normAutofit/>
+          </a:bodyPr>
+          <a:lstStyle/>
+          <a:p>
+            <a:r>
+              <a:rPr lang="en-US" dirty="0" smtClean="0"/>
+              <a:t>Decision </a:t>
+            </a:r>
+            <a:r>
+              <a:rPr lang="en-US" dirty="0"/>
+              <a:t>Tree </a:t>
+            </a:r>
+            <a:r>
+              <a:rPr lang="en-US" sz="1100" dirty="0"/>
+              <a:t>[https://www.saedsayad.com/decision_tree_reg.htm]</a:t>
+            </a:r>
+            <a:endParaRPr lang="en-US" sz="1100" dirty="0"/>
+          </a:p>
+        </p:txBody>
+      </p:sp>
+      <p:pic>
+        <p:nvPicPr>
+          <p:cNvPr id="6" name="Content Placeholder 5"/>
+          <p:cNvPicPr>
+            <a:picLocks noGrp="1" noChangeAspect="1"/>
+          </p:cNvPicPr>
+          <p:nvPr>
+            <p:ph idx="1"/>
+          </p:nvPr>
+        </p:nvPicPr>
+        <p:blipFill>
+          <a:blip r:embed="rId2">
+            <a:extLst>
+              <a:ext uri="{28A0092B-C50C-407E-A947-70E740481C1C}">
+                <a14:useLocalDpi xmlns:a14="http://schemas.microsoft.com/office/drawing/2010/main" val="0"/>
+              </a:ext>
+            </a:extLst>
+          </a:blip>
+          <a:stretch>
+            <a:fillRect/>
+          </a:stretch>
+        </p:blipFill>
+        <p:spPr>
+          <a:xfrm>
+            <a:off x="446315" y="2246811"/>
+            <a:ext cx="5709714" cy="3152755"/>
+          </a:xfrm>
+        </p:spPr>
+      </p:pic>
+      <p:pic>
+        <p:nvPicPr>
+          <p:cNvPr id="3" name="Picture 2"/>
+          <p:cNvPicPr>
+            <a:picLocks noChangeAspect="1"/>
+          </p:cNvPicPr>
+          <p:nvPr/>
+        </p:nvPicPr>
+        <p:blipFill>
+          <a:blip r:embed="rId3">
+            <a:extLst>
+              <a:ext uri="{28A0092B-C50C-407E-A947-70E740481C1C}">
+                <a14:useLocalDpi xmlns:a14="http://schemas.microsoft.com/office/drawing/2010/main" val="0"/>
+              </a:ext>
+            </a:extLst>
+          </a:blip>
+          <a:stretch>
+            <a:fillRect/>
+          </a:stretch>
+        </p:blipFill>
+        <p:spPr>
+          <a:xfrm>
+            <a:off x="6156029" y="2246811"/>
+            <a:ext cx="5709714" cy="3152755"/>
+          </a:xfrm>
+          <a:prstGeom prst="rect">
+            <a:avLst/>
+          </a:prstGeom>
+        </p:spPr>
+      </p:pic>
+      <p:sp>
+        <p:nvSpPr>
+          <p:cNvPr id="7" name="TextBox 6"/>
+          <p:cNvSpPr txBox="1"/>
+          <p:nvPr/>
+        </p:nvSpPr>
+        <p:spPr>
+          <a:xfrm>
+            <a:off x="775063" y="5712823"/>
+            <a:ext cx="5068388" cy="923330"/>
+          </a:xfrm>
+          <a:prstGeom prst="rect">
+            <a:avLst/>
+          </a:prstGeom>
+          <a:noFill/>
+        </p:spPr>
+        <p:txBody>
+          <a:bodyPr wrap="square" rtlCol="0">
+            <a:spAutoFit/>
+          </a:bodyPr>
+          <a:lstStyle/>
+          <a:p>
+            <a:r>
+              <a:rPr lang="en-US" b="1" dirty="0" smtClean="0"/>
+              <a:t>Classifier: discrete labels</a:t>
+            </a:r>
+          </a:p>
+          <a:p>
+            <a:r>
+              <a:rPr lang="en-US" b="1" dirty="0" smtClean="0"/>
+              <a:t>Maximize “information gain” to find the nodes in the graph</a:t>
+            </a:r>
+          </a:p>
+        </p:txBody>
+      </p:sp>
+      <p:sp>
+        <p:nvSpPr>
+          <p:cNvPr id="8" name="TextBox 7"/>
+          <p:cNvSpPr txBox="1"/>
+          <p:nvPr/>
+        </p:nvSpPr>
+        <p:spPr>
+          <a:xfrm>
+            <a:off x="6156029" y="5712823"/>
+            <a:ext cx="5068388" cy="923330"/>
+          </a:xfrm>
+          <a:prstGeom prst="rect">
+            <a:avLst/>
+          </a:prstGeom>
+          <a:noFill/>
+        </p:spPr>
+        <p:txBody>
+          <a:bodyPr wrap="square" rtlCol="0">
+            <a:spAutoFit/>
+          </a:bodyPr>
+          <a:lstStyle/>
+          <a:p>
+            <a:r>
+              <a:rPr lang="en-US" b="1" dirty="0" err="1" smtClean="0"/>
+              <a:t>Regressor</a:t>
+            </a:r>
+            <a:r>
+              <a:rPr lang="en-US" b="1" dirty="0" smtClean="0"/>
+              <a:t>: continuous labels</a:t>
+            </a:r>
+          </a:p>
+          <a:p>
+            <a:r>
+              <a:rPr lang="en-US" b="1" dirty="0" smtClean="0"/>
+              <a:t>Minimize “standard deviation” to find the nodes in the graph</a:t>
+            </a:r>
+          </a:p>
+        </p:txBody>
+      </p:sp>
+    </p:spTree>
+    <p:extLst>
+      <p:ext uri="{BB962C8B-B14F-4D97-AF65-F5344CB8AC3E}">
+        <p14:creationId xmlns:p14="http://schemas.microsoft.com/office/powerpoint/2010/main" val="2793102897"/>
+      </p:ext>
+    </p:extLst>
+  </p:cSld>
+  <p:clrMapOvr>
+    <a:masterClrMapping/>
+  </p:clrMapOvr>
+  <p:timing>
+    <p:tnLst>
+      <p:par>
+        <p:cTn id="1" dur="indefinite" restart="never" nodeType="tmRoot"/>
+      </p:par>
+    </p:tnLst>
+  </p:timing>
+</p:sld>
+</file>
+
+<file path=ppt/slides/slide31.xml><?xml version="1.0" encoding="utf-8"?>
+<p:sld xmlns:a="http://schemas.openxmlformats.org/drawingml/2006/main" xmlns:r="http://schemas.openxmlformats.org/officeDocument/2006/relationships" xmlns:p="http://schemas.openxmlformats.org/presentationml/2006/main">
+  <p:cSld>
+    <p:spTree>
+      <p:nvGrpSpPr>
+        <p:cNvPr id="1" name=""/>
+        <p:cNvGrpSpPr/>
+        <p:nvPr/>
+      </p:nvGrpSpPr>
+      <p:grpSpPr>
+        <a:xfrm>
+          <a:off x="0" y="0"/>
+          <a:ext cx="0" cy="0"/>
+          <a:chOff x="0" y="0"/>
+          <a:chExt cx="0" cy="0"/>
+        </a:xfrm>
+      </p:grpSpPr>
+      <p:sp>
+        <p:nvSpPr>
+          <p:cNvPr id="2" name="Title 1"/>
+          <p:cNvSpPr>
+            <a:spLocks noGrp="1"/>
+          </p:cNvSpPr>
+          <p:nvPr>
+            <p:ph type="title"/>
+          </p:nvPr>
+        </p:nvSpPr>
+        <p:spPr/>
+        <p:txBody>
+          <a:bodyPr/>
+          <a:lstStyle/>
+          <a:p>
+            <a:r>
+              <a:rPr lang="en-US" dirty="0" smtClean="0"/>
+              <a:t>Overfitting / </a:t>
+            </a:r>
+            <a:r>
+              <a:rPr lang="en-US" dirty="0" err="1" smtClean="0"/>
+              <a:t>Underfitting</a:t>
+            </a:r>
+            <a:endParaRPr lang="en-US" dirty="0"/>
+          </a:p>
+        </p:txBody>
+      </p:sp>
+      <p:sp>
+        <p:nvSpPr>
+          <p:cNvPr id="3" name="Content Placeholder 2"/>
+          <p:cNvSpPr>
+            <a:spLocks noGrp="1"/>
+          </p:cNvSpPr>
+          <p:nvPr>
+            <p:ph idx="1"/>
+          </p:nvPr>
+        </p:nvSpPr>
+        <p:spPr/>
+        <p:txBody>
+          <a:bodyPr/>
+          <a:lstStyle/>
+          <a:p>
+            <a:endParaRPr lang="en-US"/>
+          </a:p>
+        </p:txBody>
+      </p:sp>
+    </p:spTree>
+    <p:extLst>
+      <p:ext uri="{BB962C8B-B14F-4D97-AF65-F5344CB8AC3E}">
+        <p14:creationId xmlns:p14="http://schemas.microsoft.com/office/powerpoint/2010/main" val="4196393633"/>
+      </p:ext>
+    </p:extLst>
+  </p:cSld>
+  <p:clrMapOvr>
+    <a:masterClrMapping/>
+  </p:clrMapOvr>
+  <p:timing>
+    <p:tnLst>
+      <p:par>
+        <p:cTn id="1" dur="indefinite" restart="never" nodeType="tmRoot"/>
+      </p:par>
+    </p:tnLst>
+  </p:timing>
+</p:sld>
+</file>
+
+<file path=ppt/slides/slide32.xml><?xml version="1.0" encoding="utf-8"?>
+<p:sld xmlns:a="http://schemas.openxmlformats.org/drawingml/2006/main" xmlns:r="http://schemas.openxmlformats.org/officeDocument/2006/relationships" xmlns:p="http://schemas.openxmlformats.org/presentationml/2006/main">
+  <p:cSld>
+    <p:spTree>
+      <p:nvGrpSpPr>
+        <p:cNvPr id="1" name=""/>
+        <p:cNvGrpSpPr/>
+        <p:nvPr/>
+      </p:nvGrpSpPr>
+      <p:grpSpPr>
+        <a:xfrm>
+          <a:off x="0" y="0"/>
+          <a:ext cx="0" cy="0"/>
+          <a:chOff x="0" y="0"/>
+          <a:chExt cx="0" cy="0"/>
+        </a:xfrm>
+      </p:grpSpPr>
+      <p:sp>
+        <p:nvSpPr>
+          <p:cNvPr id="2" name="Title 1"/>
+          <p:cNvSpPr>
+            <a:spLocks noGrp="1"/>
+          </p:cNvSpPr>
+          <p:nvPr>
+            <p:ph type="title"/>
+          </p:nvPr>
+        </p:nvSpPr>
+        <p:spPr/>
+        <p:txBody>
+          <a:bodyPr/>
+          <a:lstStyle/>
+          <a:p>
+            <a:r>
+              <a:rPr lang="en-US" dirty="0" smtClean="0"/>
+              <a:t>Bias / Variance Tradeoff</a:t>
+            </a:r>
+            <a:endParaRPr lang="en-US" dirty="0"/>
+          </a:p>
+        </p:txBody>
+      </p:sp>
+      <p:sp>
+        <p:nvSpPr>
+          <p:cNvPr id="3" name="Content Placeholder 2"/>
+          <p:cNvSpPr>
+            <a:spLocks noGrp="1"/>
+          </p:cNvSpPr>
+          <p:nvPr>
+            <p:ph idx="1"/>
+          </p:nvPr>
+        </p:nvSpPr>
+        <p:spPr/>
+        <p:txBody>
+          <a:bodyPr/>
+          <a:lstStyle/>
+          <a:p>
+            <a:endParaRPr lang="en-US"/>
+          </a:p>
+        </p:txBody>
+      </p:sp>
+    </p:spTree>
+    <p:extLst>
+      <p:ext uri="{BB962C8B-B14F-4D97-AF65-F5344CB8AC3E}">
+        <p14:creationId xmlns:p14="http://schemas.microsoft.com/office/powerpoint/2010/main" val="994508187"/>
+      </p:ext>
+    </p:extLst>
+  </p:cSld>
+  <p:clrMapOvr>
+    <a:masterClrMapping/>
+  </p:clrMapOvr>
+  <p:timing>
+    <p:tnLst>
+      <p:par>
+        <p:cTn id="1" dur="indefinite" restart="never" nodeType="tmRoot"/>
+      </p:par>
+    </p:tnLst>
+  </p:timing>
+</p:sld>
+</file>
+
+<file path=ppt/slides/slide33.xml><?xml version="1.0" encoding="utf-8"?>
+<p:sld xmlns:a="http://schemas.openxmlformats.org/drawingml/2006/main" xmlns:r="http://schemas.openxmlformats.org/officeDocument/2006/relationships" xmlns:p="http://schemas.openxmlformats.org/presentationml/2006/main">
+  <p:cSld>
+    <p:spTree>
+      <p:nvGrpSpPr>
+        <p:cNvPr id="1" name=""/>
+        <p:cNvGrpSpPr/>
+        <p:nvPr/>
+      </p:nvGrpSpPr>
+      <p:grpSpPr>
+        <a:xfrm>
+          <a:off x="0" y="0"/>
+          <a:ext cx="0" cy="0"/>
+          <a:chOff x="0" y="0"/>
+          <a:chExt cx="0" cy="0"/>
+        </a:xfrm>
+      </p:grpSpPr>
+      <p:sp>
+        <p:nvSpPr>
+          <p:cNvPr id="2" name="Title 1"/>
+          <p:cNvSpPr>
+            <a:spLocks noGrp="1"/>
+          </p:cNvSpPr>
+          <p:nvPr>
+            <p:ph type="title"/>
+          </p:nvPr>
+        </p:nvSpPr>
+        <p:spPr/>
+        <p:txBody>
+          <a:bodyPr/>
+          <a:lstStyle/>
+          <a:p>
+            <a:r>
+              <a:rPr lang="en-US" dirty="0" smtClean="0"/>
+              <a:t>Going beyond linear regression</a:t>
+            </a:r>
+            <a:endParaRPr lang="en-US" dirty="0"/>
+          </a:p>
+        </p:txBody>
+      </p:sp>
+      <p:sp>
+        <p:nvSpPr>
+          <p:cNvPr id="3" name="Content Placeholder 2"/>
+          <p:cNvSpPr>
+            <a:spLocks noGrp="1"/>
+          </p:cNvSpPr>
+          <p:nvPr>
+            <p:ph idx="1"/>
+          </p:nvPr>
+        </p:nvSpPr>
+        <p:spPr/>
+        <p:txBody>
+          <a:bodyPr/>
+          <a:lstStyle/>
+          <a:p>
+            <a:endParaRPr lang="en-US"/>
+          </a:p>
+        </p:txBody>
+      </p:sp>
+    </p:spTree>
+    <p:extLst>
+      <p:ext uri="{BB962C8B-B14F-4D97-AF65-F5344CB8AC3E}">
+        <p14:creationId xmlns:p14="http://schemas.microsoft.com/office/powerpoint/2010/main" val="4018218004"/>
+      </p:ext>
+    </p:extLst>
+  </p:cSld>
+  <p:clrMapOvr>
+    <a:masterClrMapping/>
+  </p:clrMapOvr>
+  <p:timing>
+    <p:tnLst>
+      <p:par>
+        <p:cTn id="1" dur="indefinite" restart="never" nodeType="tmRoot"/>
+      </p:par>
+    </p:tnLst>
+  </p:timing>
+</p:sld>
+</file>
+
+<file path=ppt/slides/slide34.xml><?xml version="1.0" encoding="utf-8"?>
+<p:sld xmlns:a="http://schemas.openxmlformats.org/drawingml/2006/main" xmlns:r="http://schemas.openxmlformats.org/officeDocument/2006/relationships" xmlns:p="http://schemas.openxmlformats.org/presentationml/2006/main">
+  <p:cSld>
+    <p:spTree>
+      <p:nvGrpSpPr>
+        <p:cNvPr id="1" name=""/>
+        <p:cNvGrpSpPr/>
+        <p:nvPr/>
+      </p:nvGrpSpPr>
+      <p:grpSpPr>
+        <a:xfrm>
+          <a:off x="0" y="0"/>
+          <a:ext cx="0" cy="0"/>
+          <a:chOff x="0" y="0"/>
+          <a:chExt cx="0" cy="0"/>
+        </a:xfrm>
+      </p:grpSpPr>
+      <p:sp>
+        <p:nvSpPr>
+          <p:cNvPr id="2" name="Title 1"/>
+          <p:cNvSpPr>
+            <a:spLocks noGrp="1"/>
+          </p:cNvSpPr>
+          <p:nvPr>
+            <p:ph type="title"/>
+          </p:nvPr>
+        </p:nvSpPr>
+        <p:spPr/>
+        <p:txBody>
+          <a:bodyPr/>
+          <a:lstStyle/>
+          <a:p>
+            <a:r>
+              <a:rPr lang="en-US" dirty="0" smtClean="0"/>
+              <a:t>“Deep” Network = combined logistic models</a:t>
+            </a:r>
+            <a:endParaRPr lang="en-US" dirty="0"/>
+          </a:p>
+        </p:txBody>
+      </p:sp>
+      <p:sp>
+        <p:nvSpPr>
+          <p:cNvPr id="3" name="Content Placeholder 2"/>
+          <p:cNvSpPr>
+            <a:spLocks noGrp="1"/>
+          </p:cNvSpPr>
+          <p:nvPr>
+            <p:ph idx="1"/>
+          </p:nvPr>
+        </p:nvSpPr>
+        <p:spPr/>
+        <p:txBody>
+          <a:bodyPr/>
+          <a:lstStyle/>
+          <a:p>
+            <a:endParaRPr lang="en-US"/>
+          </a:p>
+        </p:txBody>
+      </p:sp>
+    </p:spTree>
+    <p:extLst>
+      <p:ext uri="{BB962C8B-B14F-4D97-AF65-F5344CB8AC3E}">
+        <p14:creationId xmlns:p14="http://schemas.microsoft.com/office/powerpoint/2010/main" val="1571218835"/>
+      </p:ext>
+    </p:extLst>
+  </p:cSld>
+  <p:clrMapOvr>
+    <a:masterClrMapping/>
+  </p:clrMapOvr>
+  <p:timing>
+    <p:tnLst>
+      <p:par>
+        <p:cTn id="1" dur="indefinite" restart="never" nodeType="tmRoot"/>
+      </p:par>
+    </p:tnLst>
+  </p:timing>
+</p:sld>
+</file>
+
+<file path=ppt/slides/slide35.xml><?xml version="1.0" encoding="utf-8"?>
+<p:sld xmlns:a="http://schemas.openxmlformats.org/drawingml/2006/main" xmlns:r="http://schemas.openxmlformats.org/officeDocument/2006/relationships" xmlns:p="http://schemas.openxmlformats.org/presentationml/2006/main">
+  <p:cSld>
+    <p:spTree>
+      <p:nvGrpSpPr>
+        <p:cNvPr id="1" name=""/>
+        <p:cNvGrpSpPr/>
+        <p:nvPr/>
+      </p:nvGrpSpPr>
+      <p:grpSpPr>
+        <a:xfrm>
+          <a:off x="0" y="0"/>
+          <a:ext cx="0" cy="0"/>
+          <a:chOff x="0" y="0"/>
+          <a:chExt cx="0" cy="0"/>
+        </a:xfrm>
+      </p:grpSpPr>
+      <p:sp>
+        <p:nvSpPr>
+          <p:cNvPr id="2" name="Title 1"/>
+          <p:cNvSpPr>
+            <a:spLocks noGrp="1"/>
+          </p:cNvSpPr>
+          <p:nvPr>
+            <p:ph type="title"/>
+          </p:nvPr>
+        </p:nvSpPr>
+        <p:spPr/>
+        <p:txBody>
+          <a:bodyPr/>
+          <a:lstStyle/>
+          <a:p>
+            <a:r>
+              <a:rPr lang="en-US" dirty="0" smtClean="0"/>
+              <a:t>Ensemble Learning</a:t>
+            </a:r>
+            <a:endParaRPr lang="en-US" dirty="0"/>
+          </a:p>
+        </p:txBody>
+      </p:sp>
+      <p:sp>
+        <p:nvSpPr>
+          <p:cNvPr id="3" name="Content Placeholder 2"/>
+          <p:cNvSpPr>
+            <a:spLocks noGrp="1"/>
+          </p:cNvSpPr>
+          <p:nvPr>
+            <p:ph idx="1"/>
+          </p:nvPr>
+        </p:nvSpPr>
+        <p:spPr/>
+        <p:txBody>
+          <a:bodyPr/>
+          <a:lstStyle/>
+          <a:p>
+            <a:r>
+              <a:rPr lang="en-US" dirty="0" smtClean="0"/>
+              <a:t>The wisdom of the crowd</a:t>
+            </a:r>
+            <a:endParaRPr lang="en-US" dirty="0"/>
+          </a:p>
+        </p:txBody>
+      </p:sp>
+    </p:spTree>
+    <p:extLst>
+      <p:ext uri="{BB962C8B-B14F-4D97-AF65-F5344CB8AC3E}">
+        <p14:creationId xmlns:p14="http://schemas.microsoft.com/office/powerpoint/2010/main" val="797381202"/>
+      </p:ext>
+    </p:extLst>
+  </p:cSld>
+  <p:clrMapOvr>
+    <a:masterClrMapping/>
+  </p:clrMapOvr>
+  <p:timing>
+    <p:tnLst>
+      <p:par>
+        <p:cTn id="1" dur="indefinite" restart="never" nodeType="tmRoot"/>
+      </p:par>
+    </p:tnLst>
+  </p:timing>
+</p:sld>
+</file>
+
+<file path=ppt/slides/slide36.xml><?xml version="1.0" encoding="utf-8"?>
+<p:sld xmlns:a="http://schemas.openxmlformats.org/drawingml/2006/main" xmlns:r="http://schemas.openxmlformats.org/officeDocument/2006/relationships" xmlns:p="http://schemas.openxmlformats.org/presentationml/2006/main">
+  <p:cSld>
+    <p:spTree>
+      <p:nvGrpSpPr>
+        <p:cNvPr id="1" name=""/>
+        <p:cNvGrpSpPr/>
+        <p:nvPr/>
+      </p:nvGrpSpPr>
+      <p:grpSpPr>
+        <a:xfrm>
+          <a:off x="0" y="0"/>
+          <a:ext cx="0" cy="0"/>
+          <a:chOff x="0" y="0"/>
+          <a:chExt cx="0" cy="0"/>
+        </a:xfrm>
+      </p:grpSpPr>
+      <p:sp>
+        <p:nvSpPr>
+          <p:cNvPr id="2" name="Title 1"/>
+          <p:cNvSpPr>
+            <a:spLocks noGrp="1"/>
+          </p:cNvSpPr>
+          <p:nvPr>
+            <p:ph type="title"/>
+          </p:nvPr>
+        </p:nvSpPr>
+        <p:spPr/>
+        <p:txBody>
+          <a:bodyPr/>
+          <a:lstStyle/>
+          <a:p>
+            <a:r>
+              <a:rPr lang="en-US" dirty="0" smtClean="0"/>
+              <a:t>Cross Validation</a:t>
+            </a:r>
+            <a:endParaRPr lang="en-US" dirty="0"/>
+          </a:p>
+        </p:txBody>
+      </p:sp>
+      <p:sp>
+        <p:nvSpPr>
+          <p:cNvPr id="3" name="Content Placeholder 2"/>
+          <p:cNvSpPr>
+            <a:spLocks noGrp="1"/>
+          </p:cNvSpPr>
+          <p:nvPr>
+            <p:ph idx="1"/>
+          </p:nvPr>
+        </p:nvSpPr>
+        <p:spPr/>
+        <p:txBody>
+          <a:bodyPr/>
+          <a:lstStyle/>
+          <a:p>
+            <a:endParaRPr lang="en-US"/>
+          </a:p>
+        </p:txBody>
+      </p:sp>
+    </p:spTree>
+    <p:extLst>
+      <p:ext uri="{BB962C8B-B14F-4D97-AF65-F5344CB8AC3E}">
+        <p14:creationId xmlns:p14="http://schemas.microsoft.com/office/powerpoint/2010/main" val="1894889682"/>
+      </p:ext>
+    </p:extLst>
+  </p:cSld>
+  <p:clrMapOvr>
+    <a:masterClrMapping/>
+  </p:clrMapOvr>
+  <p:timing>
+    <p:tnLst>
+      <p:par>
+        <p:cTn id="1" dur="indefinite" restart="never" nodeType="tmRoot"/>
+      </p:par>
+    </p:tnLst>
+  </p:timing>
+</p:sld>
+</file>
+
+<file path=ppt/slides/slide37.xml><?xml version="1.0" encoding="utf-8"?>
+<p:sld xmlns:a="http://schemas.openxmlformats.org/drawingml/2006/main" xmlns:r="http://schemas.openxmlformats.org/officeDocument/2006/relationships" xmlns:p="http://schemas.openxmlformats.org/presentationml/2006/main">
+  <p:cSld>
+    <p:spTree>
+      <p:nvGrpSpPr>
+        <p:cNvPr id="1" name=""/>
+        <p:cNvGrpSpPr/>
+        <p:nvPr/>
+      </p:nvGrpSpPr>
+      <p:grpSpPr>
+        <a:xfrm>
+          <a:off x="0" y="0"/>
+          <a:ext cx="0" cy="0"/>
+          <a:chOff x="0" y="0"/>
+          <a:chExt cx="0" cy="0"/>
+        </a:xfrm>
+      </p:grpSpPr>
+      <p:sp>
+        <p:nvSpPr>
+          <p:cNvPr id="2" name="Title 1"/>
+          <p:cNvSpPr>
+            <a:spLocks noGrp="1"/>
+          </p:cNvSpPr>
+          <p:nvPr>
+            <p:ph type="title"/>
+          </p:nvPr>
+        </p:nvSpPr>
+        <p:spPr/>
+        <p:txBody>
+          <a:bodyPr/>
+          <a:lstStyle/>
+          <a:p>
+            <a:r>
+              <a:rPr lang="en-US" dirty="0" smtClean="0"/>
+              <a:t>Occam Razor</a:t>
+            </a:r>
+            <a:endParaRPr lang="en-US" dirty="0"/>
+          </a:p>
+        </p:txBody>
+      </p:sp>
+      <p:sp>
+        <p:nvSpPr>
+          <p:cNvPr id="3" name="Content Placeholder 2"/>
+          <p:cNvSpPr>
+            <a:spLocks noGrp="1"/>
+          </p:cNvSpPr>
+          <p:nvPr>
+            <p:ph idx="1"/>
+          </p:nvPr>
+        </p:nvSpPr>
+        <p:spPr/>
+        <p:txBody>
+          <a:bodyPr/>
+          <a:lstStyle/>
+          <a:p>
+            <a:endParaRPr lang="en-US"/>
+          </a:p>
+        </p:txBody>
+      </p:sp>
+    </p:spTree>
+    <p:extLst>
+      <p:ext uri="{BB962C8B-B14F-4D97-AF65-F5344CB8AC3E}">
+        <p14:creationId xmlns:p14="http://schemas.microsoft.com/office/powerpoint/2010/main" val="3884529693"/>
+      </p:ext>
+    </p:extLst>
+  </p:cSld>
+  <p:clrMapOvr>
+    <a:masterClrMapping/>
+  </p:clrMapOvr>
+  <p:timing>
+    <p:tnLst>
+      <p:par>
+        <p:cTn id="1" dur="indefinite" restart="never" nodeType="tmRoot"/>
+      </p:par>
+    </p:tnLst>
+  </p:timing>
+</p:sld>
+</file>
+
+<file path=ppt/slides/slide38.xml><?xml version="1.0" encoding="utf-8"?>
+<p:sld xmlns:a="http://schemas.openxmlformats.org/drawingml/2006/main" xmlns:r="http://schemas.openxmlformats.org/officeDocument/2006/relationships" xmlns:p="http://schemas.openxmlformats.org/presentationml/2006/main">
+  <p:cSld>
+    <p:spTree>
+      <p:nvGrpSpPr>
+        <p:cNvPr id="1" name=""/>
+        <p:cNvGrpSpPr/>
+        <p:nvPr/>
+      </p:nvGrpSpPr>
+      <p:grpSpPr>
+        <a:xfrm>
+          <a:off x="0" y="0"/>
+          <a:ext cx="0" cy="0"/>
+          <a:chOff x="0" y="0"/>
+          <a:chExt cx="0" cy="0"/>
+        </a:xfrm>
+      </p:grpSpPr>
+      <p:sp>
+        <p:nvSpPr>
+          <p:cNvPr id="2" name="Title 1"/>
+          <p:cNvSpPr>
+            <a:spLocks noGrp="1"/>
+          </p:cNvSpPr>
+          <p:nvPr>
+            <p:ph type="title"/>
+          </p:nvPr>
+        </p:nvSpPr>
+        <p:spPr/>
+        <p:txBody>
+          <a:bodyPr/>
+          <a:lstStyle/>
+          <a:p>
+            <a:r>
+              <a:rPr lang="en-US" dirty="0" smtClean="0"/>
+              <a:t>No free lunch in Machine Learning</a:t>
+            </a:r>
+            <a:endParaRPr lang="en-US" dirty="0"/>
+          </a:p>
+        </p:txBody>
+      </p:sp>
+      <p:sp>
+        <p:nvSpPr>
+          <p:cNvPr id="3" name="Content Placeholder 2"/>
+          <p:cNvSpPr>
+            <a:spLocks noGrp="1"/>
+          </p:cNvSpPr>
+          <p:nvPr>
+            <p:ph idx="1"/>
+          </p:nvPr>
+        </p:nvSpPr>
+        <p:spPr/>
+        <p:txBody>
+          <a:bodyPr/>
+          <a:lstStyle/>
+          <a:p>
+            <a:endParaRPr lang="en-US"/>
+          </a:p>
+        </p:txBody>
+      </p:sp>
+    </p:spTree>
+    <p:extLst>
+      <p:ext uri="{BB962C8B-B14F-4D97-AF65-F5344CB8AC3E}">
+        <p14:creationId xmlns:p14="http://schemas.microsoft.com/office/powerpoint/2010/main" val="3158519707"/>
+      </p:ext>
+    </p:extLst>
+  </p:cSld>
+  <p:clrMapOvr>
+    <a:masterClrMapping/>
+  </p:clrMapOvr>
+  <p:timing>
+    <p:tnLst>
+      <p:par>
+        <p:cTn id="1" dur="indefinite" restart="never" nodeType="tmRoot"/>
+      </p:par>
+    </p:tnLst>
+  </p:timing>
+</p:sld>
+</file>
+
+<file path=ppt/slides/slide39.xml><?xml version="1.0" encoding="utf-8"?>
+<p:sld xmlns:a="http://schemas.openxmlformats.org/drawingml/2006/main" xmlns:r="http://schemas.openxmlformats.org/officeDocument/2006/relationships" xmlns:p="http://schemas.openxmlformats.org/presentationml/2006/main">
+  <p:cSld>
+    <p:spTree>
+      <p:nvGrpSpPr>
+        <p:cNvPr id="1" name=""/>
+        <p:cNvGrpSpPr/>
+        <p:nvPr/>
+      </p:nvGrpSpPr>
+      <p:grpSpPr>
+        <a:xfrm>
+          <a:off x="0" y="0"/>
+          <a:ext cx="0" cy="0"/>
+          <a:chOff x="0" y="0"/>
+          <a:chExt cx="0" cy="0"/>
+        </a:xfrm>
+      </p:grpSpPr>
+      <p:sp>
+        <p:nvSpPr>
+          <p:cNvPr id="2" name="Title 1"/>
+          <p:cNvSpPr>
+            <a:spLocks noGrp="1"/>
+          </p:cNvSpPr>
+          <p:nvPr>
+            <p:ph type="title"/>
+          </p:nvPr>
+        </p:nvSpPr>
+        <p:spPr/>
+        <p:txBody>
+          <a:bodyPr/>
+          <a:lstStyle/>
+          <a:p>
+            <a:r>
+              <a:rPr lang="en-US" dirty="0" smtClean="0"/>
+              <a:t>Unsupervised learning</a:t>
+            </a:r>
+            <a:endParaRPr lang="en-US" dirty="0"/>
+          </a:p>
+        </p:txBody>
+      </p:sp>
+      <p:sp>
+        <p:nvSpPr>
+          <p:cNvPr id="3" name="Content Placeholder 2"/>
+          <p:cNvSpPr>
+            <a:spLocks noGrp="1"/>
+          </p:cNvSpPr>
+          <p:nvPr>
+            <p:ph idx="1"/>
+          </p:nvPr>
+        </p:nvSpPr>
+        <p:spPr/>
+        <p:txBody>
+          <a:bodyPr/>
+          <a:lstStyle/>
+          <a:p>
+            <a:endParaRPr lang="en-US"/>
+          </a:p>
+        </p:txBody>
+      </p:sp>
+    </p:spTree>
+    <p:extLst>
+      <p:ext uri="{BB962C8B-B14F-4D97-AF65-F5344CB8AC3E}">
+        <p14:creationId xmlns:p14="http://schemas.microsoft.com/office/powerpoint/2010/main" val="2529849864"/>
+      </p:ext>
+    </p:extLst>
+  </p:cSld>
+  <p:clrMapOvr>
+    <a:masterClrMapping/>
+  </p:clrMapOvr>
+  <p:timing>
+    <p:tnLst>
+      <p:par>
+        <p:cTn id="1" dur="indefinite" restart="never" nodeType="tmRoot"/>
+      </p:par>
+    </p:tnLst>
+  </p:timing>
+</p:sld>
+</file>
+
+<file path=ppt/slides/slide4.xml><?xml version="1.0" encoding="utf-8"?>
+<p:sld xmlns:a="http://schemas.openxmlformats.org/drawingml/2006/main" xmlns:r="http://schemas.openxmlformats.org/officeDocument/2006/relationships" xmlns:p="http://schemas.openxmlformats.org/presentationml/2006/main">
+  <p:cSld>
+    <p:bg>
+      <p:bgPr>
+        <a:blipFill dpi="0" rotWithShape="1">
+          <a:blip r:embed="rId2">
+            <a:lum/>
+          </a:blip>
+          <a:srcRect/>
+          <a:stretch>
+            <a:fillRect/>
+          </a:stretch>
+        </a:blipFill>
+        <a:effectLst/>
+      </p:bgPr>
+    </p:bg>
+    <p:spTree>
+      <p:nvGrpSpPr>
+        <p:cNvPr id="1" name=""/>
+        <p:cNvGrpSpPr/>
+        <p:nvPr/>
+      </p:nvGrpSpPr>
+      <p:grpSpPr>
+        <a:xfrm>
+          <a:off x="0" y="0"/>
+          <a:ext cx="0" cy="0"/>
+          <a:chOff x="0" y="0"/>
+          <a:chExt cx="0" cy="0"/>
+        </a:xfrm>
+      </p:grpSpPr>
+    </p:spTree>
+    <p:extLst>
+      <p:ext uri="{BB962C8B-B14F-4D97-AF65-F5344CB8AC3E}">
+        <p14:creationId xmlns:p14="http://schemas.microsoft.com/office/powerpoint/2010/main" val="746204346"/>
+      </p:ext>
+    </p:extLst>
+  </p:cSld>
+  <p:clrMapOvr>
+    <a:masterClrMapping/>
+  </p:clrMapOvr>
+  <p:timing>
+    <p:tnLst>
+      <p:par>
+        <p:cTn id="1" dur="indefinite" restart="never" nodeType="tmRoot"/>
+      </p:par>
+    </p:tnLst>
+  </p:timing>
+</p:sld>
+</file>
+
+<file path=ppt/slides/slide40.xml><?xml version="1.0" encoding="utf-8"?>
+<p:sld xmlns:a="http://schemas.openxmlformats.org/drawingml/2006/main" xmlns:r="http://schemas.openxmlformats.org/officeDocument/2006/relationships" xmlns:p="http://schemas.openxmlformats.org/presentationml/2006/main">
+  <p:cSld>
+    <p:spTree>
+      <p:nvGrpSpPr>
+        <p:cNvPr id="1" name=""/>
+        <p:cNvGrpSpPr/>
+        <p:nvPr/>
+      </p:nvGrpSpPr>
+      <p:grpSpPr>
+        <a:xfrm>
+          <a:off x="0" y="0"/>
+          <a:ext cx="0" cy="0"/>
+          <a:chOff x="0" y="0"/>
+          <a:chExt cx="0" cy="0"/>
+        </a:xfrm>
+      </p:grpSpPr>
+      <p:sp>
+        <p:nvSpPr>
+          <p:cNvPr id="2" name="Title 1"/>
+          <p:cNvSpPr>
+            <a:spLocks noGrp="1"/>
+          </p:cNvSpPr>
+          <p:nvPr>
+            <p:ph type="title"/>
+          </p:nvPr>
+        </p:nvSpPr>
+        <p:spPr/>
+        <p:txBody>
+          <a:bodyPr/>
+          <a:lstStyle/>
+          <a:p>
+            <a:r>
+              <a:rPr lang="en-US" dirty="0" smtClean="0"/>
+              <a:t>Reinforcement Learning</a:t>
+            </a:r>
+            <a:endParaRPr lang="en-US" dirty="0"/>
+          </a:p>
+        </p:txBody>
+      </p:sp>
+      <p:sp>
+        <p:nvSpPr>
+          <p:cNvPr id="3" name="Content Placeholder 2"/>
+          <p:cNvSpPr>
+            <a:spLocks noGrp="1"/>
+          </p:cNvSpPr>
+          <p:nvPr>
+            <p:ph idx="1"/>
+          </p:nvPr>
+        </p:nvSpPr>
+        <p:spPr/>
+        <p:txBody>
+          <a:bodyPr/>
+          <a:lstStyle/>
+          <a:p>
+            <a:endParaRPr lang="en-US"/>
+          </a:p>
+        </p:txBody>
+      </p:sp>
+    </p:spTree>
+    <p:extLst>
+      <p:ext uri="{BB962C8B-B14F-4D97-AF65-F5344CB8AC3E}">
+        <p14:creationId xmlns:p14="http://schemas.microsoft.com/office/powerpoint/2010/main" val="1011069169"/>
+      </p:ext>
+    </p:extLst>
+  </p:cSld>
+  <p:clrMapOvr>
+    <a:masterClrMapping/>
+  </p:clrMapOvr>
+  <p:timing>
+    <p:tnLst>
+      <p:par>
+        <p:cTn id="1" dur="indefinite" restart="never" nodeType="tmRoot"/>
+      </p:par>
+    </p:tnLst>
+  </p:timing>
+</p:sld>
+</file>
+
+<file path=ppt/slides/slide41.xml><?xml version="1.0" encoding="utf-8"?>
+<p:sld xmlns:a="http://schemas.openxmlformats.org/drawingml/2006/main" xmlns:r="http://schemas.openxmlformats.org/officeDocument/2006/relationships" xmlns:p="http://schemas.openxmlformats.org/presentationml/2006/main">
+  <p:cSld>
+    <p:spTree>
+      <p:nvGrpSpPr>
+        <p:cNvPr id="1" name=""/>
+        <p:cNvGrpSpPr/>
+        <p:nvPr/>
+      </p:nvGrpSpPr>
+      <p:grpSpPr>
+        <a:xfrm>
+          <a:off x="0" y="0"/>
+          <a:ext cx="0" cy="0"/>
+          <a:chOff x="0" y="0"/>
+          <a:chExt cx="0" cy="0"/>
+        </a:xfrm>
+      </p:grpSpPr>
+      <p:sp>
+        <p:nvSpPr>
+          <p:cNvPr id="2" name="Title 1"/>
+          <p:cNvSpPr>
+            <a:spLocks noGrp="1"/>
+          </p:cNvSpPr>
+          <p:nvPr>
+            <p:ph type="title"/>
+          </p:nvPr>
+        </p:nvSpPr>
+        <p:spPr/>
+        <p:txBody>
+          <a:bodyPr/>
+          <a:lstStyle/>
+          <a:p>
+            <a:r>
+              <a:rPr lang="en-US" dirty="0" smtClean="0"/>
+              <a:t>Neural networks</a:t>
+            </a:r>
+            <a:endParaRPr lang="en-US" dirty="0"/>
+          </a:p>
+        </p:txBody>
+      </p:sp>
+      <p:sp>
+        <p:nvSpPr>
+          <p:cNvPr id="3" name="Content Placeholder 2"/>
+          <p:cNvSpPr>
+            <a:spLocks noGrp="1"/>
+          </p:cNvSpPr>
+          <p:nvPr>
+            <p:ph idx="1"/>
+          </p:nvPr>
+        </p:nvSpPr>
+        <p:spPr/>
+        <p:txBody>
+          <a:bodyPr/>
+          <a:lstStyle/>
+          <a:p>
+            <a:r>
+              <a:rPr lang="en-US" dirty="0"/>
+              <a:t>https://towardsdatascience.com/building-our-first-neural-network-in-keras-bdc8abbc17f5</a:t>
+            </a:r>
+          </a:p>
+        </p:txBody>
+      </p:sp>
+    </p:spTree>
+    <p:extLst>
+      <p:ext uri="{BB962C8B-B14F-4D97-AF65-F5344CB8AC3E}">
+        <p14:creationId xmlns:p14="http://schemas.microsoft.com/office/powerpoint/2010/main" val="2175830072"/>
+      </p:ext>
+    </p:extLst>
+  </p:cSld>
+  <p:clrMapOvr>
+    <a:masterClrMapping/>
+  </p:clrMapOvr>
+  <p:timing>
+    <p:tnLst>
+      <p:par>
+        <p:cTn id="1" dur="indefinite" restart="never" nodeType="tmRoot"/>
+      </p:par>
+    </p:tnLst>
+  </p:timing>
+</p:sld>
+</file>
+
+<file path=ppt/slides/slide42.xml><?xml version="1.0" encoding="utf-8"?>
+<p:sld xmlns:a="http://schemas.openxmlformats.org/drawingml/2006/main" xmlns:r="http://schemas.openxmlformats.org/officeDocument/2006/relationships" xmlns:p="http://schemas.openxmlformats.org/presentationml/2006/main">
+  <p:cSld>
+    <p:spTree>
+      <p:nvGrpSpPr>
+        <p:cNvPr id="1" name=""/>
+        <p:cNvGrpSpPr/>
+        <p:nvPr/>
+      </p:nvGrpSpPr>
+      <p:grpSpPr>
+        <a:xfrm>
+          <a:off x="0" y="0"/>
+          <a:ext cx="0" cy="0"/>
+          <a:chOff x="0" y="0"/>
+          <a:chExt cx="0" cy="0"/>
+        </a:xfrm>
+      </p:grpSpPr>
+      <p:sp>
+        <p:nvSpPr>
+          <p:cNvPr id="2" name="Title 1"/>
+          <p:cNvSpPr>
+            <a:spLocks noGrp="1"/>
+          </p:cNvSpPr>
+          <p:nvPr>
+            <p:ph type="title"/>
+          </p:nvPr>
+        </p:nvSpPr>
+        <p:spPr/>
+        <p:txBody>
+          <a:bodyPr/>
+          <a:lstStyle/>
+          <a:p>
+            <a:endParaRPr lang="en-US"/>
+          </a:p>
+        </p:txBody>
+      </p:sp>
+      <p:sp>
+        <p:nvSpPr>
+          <p:cNvPr id="3" name="Content Placeholder 2"/>
+          <p:cNvSpPr>
+            <a:spLocks noGrp="1"/>
+          </p:cNvSpPr>
+          <p:nvPr>
+            <p:ph idx="1"/>
+          </p:nvPr>
+        </p:nvSpPr>
+        <p:spPr/>
+        <p:txBody>
+          <a:bodyPr/>
+          <a:lstStyle/>
+          <a:p>
+            <a:endParaRPr lang="en-US"/>
+          </a:p>
+        </p:txBody>
+      </p:sp>
+    </p:spTree>
+    <p:extLst>
+      <p:ext uri="{BB962C8B-B14F-4D97-AF65-F5344CB8AC3E}">
+        <p14:creationId xmlns:p14="http://schemas.microsoft.com/office/powerpoint/2010/main" val="52398629"/>
+      </p:ext>
+    </p:extLst>
+  </p:cSld>
+  <p:clrMapOvr>
+    <a:masterClrMapping/>
+  </p:clrMapOvr>
+  <p:timing>
+    <p:tnLst>
+      <p:par>
+        <p:cTn id="1" dur="indefinite" restart="never" nodeType="tmRoot"/>
+      </p:par>
+    </p:tnLst>
+  </p:timing>
+</p:sld>
+</file>
+
+<file path=ppt/slides/slide43.xml><?xml version="1.0" encoding="utf-8"?>
+<p:sld xmlns:a="http://schemas.openxmlformats.org/drawingml/2006/main" xmlns:r="http://schemas.openxmlformats.org/officeDocument/2006/relationships" xmlns:p="http://schemas.openxmlformats.org/presentationml/2006/main">
+  <p:cSld>
+    <p:spTree>
+      <p:nvGrpSpPr>
+        <p:cNvPr id="1" name=""/>
+        <p:cNvGrpSpPr/>
+        <p:nvPr/>
+      </p:nvGrpSpPr>
+      <p:grpSpPr>
+        <a:xfrm>
+          <a:off x="0" y="0"/>
+          <a:ext cx="0" cy="0"/>
+          <a:chOff x="0" y="0"/>
+          <a:chExt cx="0" cy="0"/>
+        </a:xfrm>
+      </p:grpSpPr>
+      <p:sp>
+        <p:nvSpPr>
+          <p:cNvPr id="2" name="Title 1"/>
+          <p:cNvSpPr>
+            <a:spLocks noGrp="1"/>
+          </p:cNvSpPr>
+          <p:nvPr>
+            <p:ph type="title"/>
+          </p:nvPr>
+        </p:nvSpPr>
+        <p:spPr/>
+        <p:txBody>
+          <a:bodyPr/>
+          <a:lstStyle/>
+          <a:p>
+            <a:endParaRPr lang="en-US"/>
+          </a:p>
+        </p:txBody>
+      </p:sp>
+      <p:sp>
+        <p:nvSpPr>
+          <p:cNvPr id="3" name="Content Placeholder 2"/>
+          <p:cNvSpPr>
+            <a:spLocks noGrp="1"/>
+          </p:cNvSpPr>
+          <p:nvPr>
+            <p:ph idx="1"/>
+          </p:nvPr>
+        </p:nvSpPr>
+        <p:spPr/>
+        <p:txBody>
+          <a:bodyPr/>
+          <a:lstStyle/>
+          <a:p>
+            <a:endParaRPr lang="en-US"/>
+          </a:p>
+        </p:txBody>
+      </p:sp>
+    </p:spTree>
+    <p:extLst>
+      <p:ext uri="{BB962C8B-B14F-4D97-AF65-F5344CB8AC3E}">
+        <p14:creationId xmlns:p14="http://schemas.microsoft.com/office/powerpoint/2010/main" val="2490405933"/>
+      </p:ext>
+    </p:extLst>
+  </p:cSld>
+  <p:clrMapOvr>
+    <a:masterClrMapping/>
+  </p:clrMapOvr>
+  <p:timing>
+    <p:tnLst>
+      <p:par>
+        <p:cTn id="1" dur="indefinite" restart="never" nodeType="tmRoot"/>
+      </p:par>
+    </p:tnLst>
+  </p:timing>
+</p:sld>
+</file>
+
+<file path=ppt/slides/slide44.xml><?xml version="1.0" encoding="utf-8"?>
+<p:sld xmlns:a="http://schemas.openxmlformats.org/drawingml/2006/main" xmlns:r="http://schemas.openxmlformats.org/officeDocument/2006/relationships" xmlns:p="http://schemas.openxmlformats.org/presentationml/2006/main">
+  <p:cSld>
+    <p:spTree>
+      <p:nvGrpSpPr>
+        <p:cNvPr id="1" name=""/>
+        <p:cNvGrpSpPr/>
+        <p:nvPr/>
+      </p:nvGrpSpPr>
+      <p:grpSpPr>
+        <a:xfrm>
+          <a:off x="0" y="0"/>
+          <a:ext cx="0" cy="0"/>
+          <a:chOff x="0" y="0"/>
+          <a:chExt cx="0" cy="0"/>
+        </a:xfrm>
+      </p:grpSpPr>
+      <p:sp>
+        <p:nvSpPr>
+          <p:cNvPr id="2" name="Title 1"/>
+          <p:cNvSpPr>
+            <a:spLocks noGrp="1"/>
+          </p:cNvSpPr>
+          <p:nvPr>
+            <p:ph type="title"/>
+          </p:nvPr>
+        </p:nvSpPr>
+        <p:spPr/>
+        <p:txBody>
+          <a:bodyPr/>
+          <a:lstStyle/>
+          <a:p>
+            <a:endParaRPr lang="en-US"/>
+          </a:p>
+        </p:txBody>
+      </p:sp>
+      <p:sp>
+        <p:nvSpPr>
+          <p:cNvPr id="3" name="Content Placeholder 2"/>
+          <p:cNvSpPr>
+            <a:spLocks noGrp="1"/>
+          </p:cNvSpPr>
+          <p:nvPr>
+            <p:ph idx="1"/>
+          </p:nvPr>
+        </p:nvSpPr>
+        <p:spPr/>
+        <p:txBody>
+          <a:bodyPr/>
+          <a:lstStyle/>
+          <a:p>
+            <a:endParaRPr lang="en-US"/>
+          </a:p>
+        </p:txBody>
+      </p:sp>
+    </p:spTree>
+    <p:extLst>
+      <p:ext uri="{BB962C8B-B14F-4D97-AF65-F5344CB8AC3E}">
+        <p14:creationId xmlns:p14="http://schemas.microsoft.com/office/powerpoint/2010/main" val="3590222463"/>
+      </p:ext>
+    </p:extLst>
+  </p:cSld>
+  <p:clrMapOvr>
+    <a:masterClrMapping/>
+  </p:clrMapOvr>
+  <p:timing>
+    <p:tnLst>
+      <p:par>
+        <p:cTn id="1" dur="indefinite" restart="never" nodeType="tmRoot"/>
+      </p:par>
+    </p:tnLst>
+  </p:timing>
+</p:sld>
+</file>
+
+<file path=ppt/slides/slide5.xml><?xml version="1.0" encoding="utf-8"?>
+<p:sld xmlns:a="http://schemas.openxmlformats.org/drawingml/2006/main" xmlns:r="http://schemas.openxmlformats.org/officeDocument/2006/relationships" xmlns:p="http://schemas.openxmlformats.org/presentationml/2006/main">
+  <p:cSld>
+    <p:spTree>
+      <p:nvGrpSpPr>
+        <p:cNvPr id="1" name=""/>
+        <p:cNvGrpSpPr/>
+        <p:nvPr/>
+      </p:nvGrpSpPr>
+      <p:grpSpPr>
+        <a:xfrm>
+          <a:off x="0" y="0"/>
+          <a:ext cx="0" cy="0"/>
+          <a:chOff x="0" y="0"/>
+          <a:chExt cx="0" cy="0"/>
+        </a:xfrm>
+      </p:grpSpPr>
+      <p:sp>
+        <p:nvSpPr>
+          <p:cNvPr id="2" name="Title 1"/>
+          <p:cNvSpPr>
+            <a:spLocks noGrp="1"/>
+          </p:cNvSpPr>
+          <p:nvPr>
+            <p:ph type="title"/>
+          </p:nvPr>
+        </p:nvSpPr>
+        <p:spPr/>
+        <p:txBody>
+          <a:bodyPr/>
+          <a:lstStyle/>
+          <a:p>
+            <a:r>
+              <a:rPr lang="en-US" dirty="0" smtClean="0"/>
+              <a:t>Short History on AI</a:t>
+            </a:r>
+            <a:endParaRPr lang="en-US" dirty="0"/>
+          </a:p>
+        </p:txBody>
+      </p:sp>
+      <p:sp>
+        <p:nvSpPr>
+          <p:cNvPr id="3" name="Content Placeholder 2"/>
+          <p:cNvSpPr>
+            <a:spLocks noGrp="1"/>
+          </p:cNvSpPr>
+          <p:nvPr>
+            <p:ph idx="1"/>
+          </p:nvPr>
+        </p:nvSpPr>
+        <p:spPr/>
+        <p:txBody>
+          <a:bodyPr/>
+          <a:lstStyle/>
+          <a:p>
+            <a:r>
+              <a:rPr lang="en-US" dirty="0">
+                <a:hlinkClick r:id="rId2"/>
+              </a:rPr>
+              <a:t>https://</a:t>
+            </a:r>
+            <a:r>
+              <a:rPr lang="en-US" dirty="0" smtClean="0">
+                <a:hlinkClick r:id="rId2"/>
+              </a:rPr>
+              <a:t>dev.to/lschultebraucks/a-short-history-of-artificial-intelligence-7hm</a:t>
+            </a:r>
+            <a:endParaRPr lang="en-US" dirty="0" smtClean="0"/>
+          </a:p>
+          <a:p>
+            <a:endParaRPr lang="en-US" dirty="0"/>
+          </a:p>
+          <a:p>
+            <a:r>
+              <a:rPr lang="en-US" dirty="0" smtClean="0"/>
+              <a:t>Like 6 slides</a:t>
+            </a:r>
+          </a:p>
+          <a:p>
+            <a:r>
+              <a:rPr lang="en-US" dirty="0" smtClean="0"/>
+              <a:t>First/second/third AI winters</a:t>
+            </a:r>
+            <a:endParaRPr lang="en-US" dirty="0"/>
+          </a:p>
+        </p:txBody>
+      </p:sp>
+    </p:spTree>
+    <p:extLst>
+      <p:ext uri="{BB962C8B-B14F-4D97-AF65-F5344CB8AC3E}">
+        <p14:creationId xmlns:p14="http://schemas.microsoft.com/office/powerpoint/2010/main" val="2379544785"/>
+      </p:ext>
+    </p:extLst>
+  </p:cSld>
+  <p:clrMapOvr>
+    <a:masterClrMapping/>
+  </p:clrMapOvr>
+  <p:timing>
+    <p:tnLst>
+      <p:par>
+        <p:cTn id="1" dur="indefinite" restart="never" nodeType="tmRoot"/>
+      </p:par>
+    </p:tnLst>
+  </p:timing>
+</p:sld>
+</file>
+
+<file path=ppt/slides/slide6.xml><?xml version="1.0" encoding="utf-8"?>
+<p:sld xmlns:a="http://schemas.openxmlformats.org/drawingml/2006/main" xmlns:r="http://schemas.openxmlformats.org/officeDocument/2006/relationships" xmlns:p="http://schemas.openxmlformats.org/presentationml/2006/main">
+  <p:cSld>
+    <p:spTree>
+      <p:nvGrpSpPr>
+        <p:cNvPr id="1" name=""/>
+        <p:cNvGrpSpPr/>
+        <p:nvPr/>
+      </p:nvGrpSpPr>
+      <p:grpSpPr>
+        <a:xfrm>
+          <a:off x="0" y="0"/>
+          <a:ext cx="0" cy="0"/>
+          <a:chOff x="0" y="0"/>
+          <a:chExt cx="0" cy="0"/>
+        </a:xfrm>
+      </p:grpSpPr>
+      <p:sp>
+        <p:nvSpPr>
+          <p:cNvPr id="2" name="Title 1"/>
+          <p:cNvSpPr>
+            <a:spLocks noGrp="1"/>
+          </p:cNvSpPr>
+          <p:nvPr>
+            <p:ph type="title"/>
+          </p:nvPr>
+        </p:nvSpPr>
+        <p:spPr/>
+        <p:txBody>
+          <a:bodyPr/>
+          <a:lstStyle/>
+          <a:p>
+            <a:r>
+              <a:rPr lang="en-US" dirty="0" smtClean="0"/>
+              <a:t>Boiling down the facts</a:t>
+            </a:r>
+            <a:endParaRPr lang="en-US" dirty="0"/>
+          </a:p>
+        </p:txBody>
+      </p:sp>
+      <p:pic>
+        <p:nvPicPr>
+          <p:cNvPr id="4" name="Content Placeholder 3"/>
+          <p:cNvPicPr>
+            <a:picLocks noGrp="1" noChangeAspect="1"/>
+          </p:cNvPicPr>
+          <p:nvPr>
+            <p:ph idx="1"/>
+          </p:nvPr>
+        </p:nvPicPr>
+        <p:blipFill>
+          <a:blip r:embed="rId2">
+            <a:extLst>
+              <a:ext uri="{28A0092B-C50C-407E-A947-70E740481C1C}">
+                <a14:useLocalDpi xmlns:a14="http://schemas.microsoft.com/office/drawing/2010/main" val="0"/>
+              </a:ext>
+            </a:extLst>
+          </a:blip>
+          <a:stretch>
+            <a:fillRect/>
+          </a:stretch>
+        </p:blipFill>
+        <p:spPr>
+          <a:xfrm>
+            <a:off x="838200" y="2181225"/>
+            <a:ext cx="10350220" cy="4351338"/>
+          </a:xfrm>
+        </p:spPr>
+      </p:pic>
+    </p:spTree>
+    <p:extLst>
+      <p:ext uri="{BB962C8B-B14F-4D97-AF65-F5344CB8AC3E}">
+        <p14:creationId xmlns:p14="http://schemas.microsoft.com/office/powerpoint/2010/main" val="823375870"/>
+      </p:ext>
+    </p:extLst>
+  </p:cSld>
+  <p:clrMapOvr>
+    <a:masterClrMapping/>
+  </p:clrMapOvr>
+  <p:timing>
+    <p:tnLst>
+      <p:par>
+        <p:cTn id="1" dur="indefinite" restart="never" nodeType="tmRoot"/>
+      </p:par>
+    </p:tnLst>
+  </p:timing>
+</p:sld>
+</file>
+
+<file path=ppt/slides/slide7.xml><?xml version="1.0" encoding="utf-8"?>
+<p:sld xmlns:a="http://schemas.openxmlformats.org/drawingml/2006/main" xmlns:r="http://schemas.openxmlformats.org/officeDocument/2006/relationships" xmlns:p="http://schemas.openxmlformats.org/presentationml/2006/main">
+  <p:cSld>
+    <p:spTree>
+      <p:nvGrpSpPr>
+        <p:cNvPr id="1" name=""/>
+        <p:cNvGrpSpPr/>
+        <p:nvPr/>
+      </p:nvGrpSpPr>
+      <p:grpSpPr>
+        <a:xfrm>
+          <a:off x="0" y="0"/>
+          <a:ext cx="0" cy="0"/>
+          <a:chOff x="0" y="0"/>
+          <a:chExt cx="0" cy="0"/>
+        </a:xfrm>
+      </p:grpSpPr>
+      <p:sp>
+        <p:nvSpPr>
+          <p:cNvPr id="2" name="Title 1"/>
+          <p:cNvSpPr>
+            <a:spLocks noGrp="1"/>
+          </p:cNvSpPr>
+          <p:nvPr>
+            <p:ph type="title"/>
+          </p:nvPr>
+        </p:nvSpPr>
+        <p:spPr/>
+        <p:txBody>
+          <a:bodyPr/>
+          <a:lstStyle/>
+          <a:p>
+            <a:r>
+              <a:rPr lang="en-US" dirty="0" smtClean="0"/>
+              <a:t>But, where is data science?</a:t>
+            </a:r>
+            <a:endParaRPr lang="en-US" dirty="0"/>
+          </a:p>
+        </p:txBody>
+      </p:sp>
+      <p:pic>
+        <p:nvPicPr>
+          <p:cNvPr id="4" name="Content Placeholder 3"/>
+          <p:cNvPicPr>
+            <a:picLocks noGrp="1" noChangeAspect="1"/>
+          </p:cNvPicPr>
+          <p:nvPr>
+            <p:ph idx="1"/>
+          </p:nvPr>
+        </p:nvPicPr>
+        <p:blipFill>
+          <a:blip r:embed="rId2" cstate="print">
+            <a:extLst>
+              <a:ext uri="{28A0092B-C50C-407E-A947-70E740481C1C}">
+                <a14:useLocalDpi xmlns:a14="http://schemas.microsoft.com/office/drawing/2010/main" val="0"/>
+              </a:ext>
+            </a:extLst>
+          </a:blip>
+          <a:stretch>
+            <a:fillRect/>
+          </a:stretch>
+        </p:blipFill>
+        <p:spPr>
+          <a:xfrm>
+            <a:off x="3034884" y="1690688"/>
+            <a:ext cx="6122231" cy="4351338"/>
+          </a:xfrm>
+        </p:spPr>
+      </p:pic>
+    </p:spTree>
+    <p:extLst>
+      <p:ext uri="{BB962C8B-B14F-4D97-AF65-F5344CB8AC3E}">
+        <p14:creationId xmlns:p14="http://schemas.microsoft.com/office/powerpoint/2010/main" val="2833174652"/>
+      </p:ext>
+    </p:extLst>
+  </p:cSld>
+  <p:clrMapOvr>
+    <a:masterClrMapping/>
+  </p:clrMapOvr>
+  <p:timing>
+    <p:tnLst>
+      <p:par>
+        <p:cTn id="1" dur="indefinite" restart="never" nodeType="tmRoot"/>
+      </p:par>
+    </p:tnLst>
+  </p:timing>
+</p:sld>
+</file>
+
+<file path=ppt/slides/slide8.xml><?xml version="1.0" encoding="utf-8"?>
+<p:sld xmlns:a="http://schemas.openxmlformats.org/drawingml/2006/main" xmlns:r="http://schemas.openxmlformats.org/officeDocument/2006/relationships" xmlns:p="http://schemas.openxmlformats.org/presentationml/2006/main">
+  <p:cSld>
+    <p:spTree>
+      <p:nvGrpSpPr>
+        <p:cNvPr id="1" name=""/>
+        <p:cNvGrpSpPr/>
+        <p:nvPr/>
+      </p:nvGrpSpPr>
+      <p:grpSpPr>
+        <a:xfrm>
+          <a:off x="0" y="0"/>
+          <a:ext cx="0" cy="0"/>
+          <a:chOff x="0" y="0"/>
+          <a:chExt cx="0" cy="0"/>
+        </a:xfrm>
+      </p:grpSpPr>
+      <p:sp>
+        <p:nvSpPr>
+          <p:cNvPr id="2" name="Title 1"/>
+          <p:cNvSpPr>
+            <a:spLocks noGrp="1"/>
+          </p:cNvSpPr>
+          <p:nvPr>
+            <p:ph type="title"/>
+          </p:nvPr>
+        </p:nvSpPr>
+        <p:spPr/>
+        <p:txBody>
+          <a:bodyPr/>
+          <a:lstStyle/>
+          <a:p>
+            <a:r>
+              <a:rPr lang="en-US" dirty="0" smtClean="0"/>
+              <a:t>What machine learning technically is</a:t>
+            </a:r>
+            <a:endParaRPr lang="en-US" dirty="0"/>
+          </a:p>
+        </p:txBody>
+      </p:sp>
+      <p:pic>
+        <p:nvPicPr>
+          <p:cNvPr id="4" name="Content Placeholder 3"/>
+          <p:cNvPicPr>
+            <a:picLocks noGrp="1" noChangeAspect="1"/>
+          </p:cNvPicPr>
+          <p:nvPr>
+            <p:ph idx="1"/>
+          </p:nvPr>
+        </p:nvPicPr>
+        <p:blipFill>
+          <a:blip r:embed="rId2">
+            <a:extLst>
+              <a:ext uri="{28A0092B-C50C-407E-A947-70E740481C1C}">
+                <a14:useLocalDpi xmlns:a14="http://schemas.microsoft.com/office/drawing/2010/main" val="0"/>
+              </a:ext>
+            </a:extLst>
+          </a:blip>
+          <a:stretch>
+            <a:fillRect/>
+          </a:stretch>
+        </p:blipFill>
+        <p:spPr>
+          <a:xfrm>
+            <a:off x="3070629" y="1690688"/>
+            <a:ext cx="6050741" cy="4351338"/>
+          </a:xfrm>
+        </p:spPr>
+      </p:pic>
+    </p:spTree>
+    <p:extLst>
+      <p:ext uri="{BB962C8B-B14F-4D97-AF65-F5344CB8AC3E}">
+        <p14:creationId xmlns:p14="http://schemas.microsoft.com/office/powerpoint/2010/main" val="3853833798"/>
+      </p:ext>
+    </p:extLst>
+  </p:cSld>
+  <p:clrMapOvr>
+    <a:masterClrMapping/>
+  </p:clrMapOvr>
+  <p:timing>
+    <p:tnLst>
+      <p:par>
+        <p:cTn id="1" dur="indefinite" restart="never" nodeType="tmRoot"/>
+      </p:par>
+    </p:tnLst>
+  </p:timing>
 </p:sld>
 </file>
 
@@ -4871,7 +8784,7 @@
           <a:p>
             <a:r>
               <a:rPr lang="en-US" dirty="0" smtClean="0"/>
-              <a:t>Types of machine learning</a:t>
+              <a:t>Why now?</a:t>
             </a:r>
             <a:endParaRPr lang="en-US" dirty="0"/>
           </a:p>
@@ -4892,20 +8805,45 @@
           <a:bodyPr/>
           <a:lstStyle/>
           <a:p>
-            <a:endParaRPr lang="en-US"/>
+            <a:pPr marL="514350" indent="-514350">
+              <a:buFont typeface="+mj-lt"/>
+              <a:buAutoNum type="arabicPeriod"/>
+            </a:pPr>
+            <a:r>
+              <a:rPr lang="en-US" dirty="0" smtClean="0"/>
+              <a:t>Very strong computing resources (GPUs, TPUs, cloud computing)</a:t>
+            </a:r>
+          </a:p>
+          <a:p>
+            <a:pPr marL="514350" indent="-514350">
+              <a:buFont typeface="+mj-lt"/>
+              <a:buAutoNum type="arabicPeriod"/>
+            </a:pPr>
+            <a:r>
+              <a:rPr lang="en-US" dirty="0" smtClean="0"/>
+              <a:t>Very large amounts of data (the internet..)</a:t>
+            </a:r>
+            <a:endParaRPr lang="en-US" dirty="0"/>
           </a:p>
         </p:txBody>
       </p:sp>
     </p:spTree>
     <p:extLst>
       <p:ext uri="{BB962C8B-B14F-4D97-AF65-F5344CB8AC3E}">
-        <p14:creationId xmlns:p14="http://schemas.microsoft.com/office/powerpoint/2010/main" val="1149135147"/>
+        <p14:creationId xmlns:p14="http://schemas.microsoft.com/office/powerpoint/2010/main" val="633205098"/>
       </p:ext>
     </p:extLst>
   </p:cSld>
   <p:clrMapOvr>
     <a:masterClrMapping/>
   </p:clrMapOvr>
+  <p:timing>
+    <p:tnLst>
+      <p:par>
+        <p:cTn id="1" dur="indefinite" restart="never" nodeType="tmRoot"/>
+      </p:par>
+    </p:tnLst>
+  </p:timing>
 </p:sld>
 </file>
 
